--- a/clases/Cap06_Clustering/presentations/PAT06_Hierarchic.pptx
+++ b/clases/Cap06_Clustering/presentations/PAT06_Hierarchic.pptx
@@ -5,7 +5,7 @@
     <p:sldMasterId id="2147483648" r:id="rId1"/>
   </p:sldMasterIdLst>
   <p:notesMasterIdLst>
-    <p:notesMasterId r:id="rId31"/>
+    <p:notesMasterId r:id="rId32"/>
   </p:notesMasterIdLst>
   <p:sldIdLst>
     <p:sldId id="459" r:id="rId2"/>
@@ -37,6 +37,7 @@
     <p:sldId id="485" r:id="rId28"/>
     <p:sldId id="488" r:id="rId29"/>
     <p:sldId id="489" r:id="rId30"/>
+    <p:sldId id="490" r:id="rId31"/>
   </p:sldIdLst>
   <p:sldSz cx="9144000" cy="6858000" type="screen4x3"/>
   <p:notesSz cx="6858000" cy="9144000"/>
@@ -236,7 +237,7 @@
           <a:p>
             <a:fld id="{089CB84B-3086-824D-91F5-F571CFDD3E7D}" type="datetimeFigureOut">
               <a:rPr lang="en-US" smtClean="0"/>
-              <a:t>6/7/18</a:t>
+              <a:t>6/4/19</a:t>
             </a:fld>
             <a:endParaRPr lang="en-US"/>
           </a:p>
@@ -300,35 +301,35 @@
           <a:p>
             <a:pPr lvl="0"/>
             <a:r>
-              <a:rPr lang="es-ES_tradnl" smtClean="0"/>
+              <a:rPr lang="es-ES_tradnl"/>
               <a:t>Click to edit Master text styles</a:t>
             </a:r>
           </a:p>
           <a:p>
             <a:pPr lvl="1"/>
             <a:r>
-              <a:rPr lang="es-ES_tradnl" smtClean="0"/>
+              <a:rPr lang="es-ES_tradnl"/>
               <a:t>Second level</a:t>
             </a:r>
           </a:p>
           <a:p>
             <a:pPr lvl="2"/>
             <a:r>
-              <a:rPr lang="es-ES_tradnl" smtClean="0"/>
+              <a:rPr lang="es-ES_tradnl"/>
               <a:t>Third level</a:t>
             </a:r>
           </a:p>
           <a:p>
             <a:pPr lvl="3"/>
             <a:r>
-              <a:rPr lang="es-ES_tradnl" smtClean="0"/>
+              <a:rPr lang="es-ES_tradnl"/>
               <a:t>Fourth level</a:t>
             </a:r>
           </a:p>
           <a:p>
             <a:pPr lvl="4"/>
             <a:r>
-              <a:rPr lang="es-ES_tradnl" smtClean="0"/>
+              <a:rPr lang="es-ES_tradnl"/>
               <a:t>Fifth level</a:t>
             </a:r>
             <a:endParaRPr lang="en-US"/>
@@ -580,7 +581,7 @@
           <a:lstStyle/>
           <a:p>
             <a:pPr eaLnBrk="1" hangingPunct="1"/>
-            <a:endParaRPr lang="es-ES" smtClean="0"/>
+            <a:endParaRPr lang="es-ES"/>
           </a:p>
         </p:txBody>
       </p:sp>
@@ -635,10 +636,9 @@
           <a:lstStyle/>
           <a:p>
             <a:r>
-              <a:rPr lang="en-US" smtClean="0"/>
+              <a:rPr lang="en-US"/>
               <a:t>Click to edit Master title style</a:t>
             </a:r>
-            <a:endParaRPr lang="en-US"/>
           </a:p>
         </p:txBody>
       </p:sp>
@@ -754,10 +754,9 @@
           </a:lstStyle>
           <a:p>
             <a:r>
-              <a:rPr lang="en-US" smtClean="0"/>
+              <a:rPr lang="en-US"/>
               <a:t>Click to edit Master subtitle style</a:t>
             </a:r>
-            <a:endParaRPr lang="en-US"/>
           </a:p>
         </p:txBody>
       </p:sp>
@@ -778,7 +777,7 @@
           <a:p>
             <a:fld id="{D3AE09B4-90D0-1245-B83D-B1B2932963E4}" type="datetimeFigureOut">
               <a:rPr lang="en-US" smtClean="0"/>
-              <a:t>6/7/18</a:t>
+              <a:t>6/4/19</a:t>
             </a:fld>
             <a:endParaRPr lang="en-US"/>
           </a:p>
@@ -872,7 +871,7 @@
           <a:lstStyle/>
           <a:p>
             <a:r>
-              <a:rPr lang="es-ES_tradnl" smtClean="0"/>
+              <a:rPr lang="es-ES_tradnl"/>
               <a:t>Click to edit Master title style</a:t>
             </a:r>
             <a:endParaRPr lang="en-US"/>
@@ -896,35 +895,35 @@
           <a:p>
             <a:pPr lvl="0"/>
             <a:r>
-              <a:rPr lang="es-ES_tradnl" smtClean="0"/>
+              <a:rPr lang="es-ES_tradnl"/>
               <a:t>Click to edit Master text styles</a:t>
             </a:r>
           </a:p>
           <a:p>
             <a:pPr lvl="1"/>
             <a:r>
-              <a:rPr lang="es-ES_tradnl" smtClean="0"/>
+              <a:rPr lang="es-ES_tradnl"/>
               <a:t>Second level</a:t>
             </a:r>
           </a:p>
           <a:p>
             <a:pPr lvl="2"/>
             <a:r>
-              <a:rPr lang="es-ES_tradnl" smtClean="0"/>
+              <a:rPr lang="es-ES_tradnl"/>
               <a:t>Third level</a:t>
             </a:r>
           </a:p>
           <a:p>
             <a:pPr lvl="3"/>
             <a:r>
-              <a:rPr lang="es-ES_tradnl" smtClean="0"/>
+              <a:rPr lang="es-ES_tradnl"/>
               <a:t>Fourth level</a:t>
             </a:r>
           </a:p>
           <a:p>
             <a:pPr lvl="4"/>
             <a:r>
-              <a:rPr lang="es-ES_tradnl" smtClean="0"/>
+              <a:rPr lang="es-ES_tradnl"/>
               <a:t>Fifth level</a:t>
             </a:r>
             <a:endParaRPr lang="en-US"/>
@@ -948,7 +947,7 @@
           <a:p>
             <a:fld id="{D3AE09B4-90D0-1245-B83D-B1B2932963E4}" type="datetimeFigureOut">
               <a:rPr lang="en-US" smtClean="0"/>
-              <a:t>6/7/18</a:t>
+              <a:t>6/4/19</a:t>
             </a:fld>
             <a:endParaRPr lang="en-US"/>
           </a:p>
@@ -1047,7 +1046,7 @@
           <a:lstStyle/>
           <a:p>
             <a:r>
-              <a:rPr lang="es-ES_tradnl" smtClean="0"/>
+              <a:rPr lang="es-ES_tradnl"/>
               <a:t>Click to edit Master title style</a:t>
             </a:r>
             <a:endParaRPr lang="en-US"/>
@@ -1076,35 +1075,35 @@
           <a:p>
             <a:pPr lvl="0"/>
             <a:r>
-              <a:rPr lang="es-ES_tradnl" smtClean="0"/>
+              <a:rPr lang="es-ES_tradnl"/>
               <a:t>Click to edit Master text styles</a:t>
             </a:r>
           </a:p>
           <a:p>
             <a:pPr lvl="1"/>
             <a:r>
-              <a:rPr lang="es-ES_tradnl" smtClean="0"/>
+              <a:rPr lang="es-ES_tradnl"/>
               <a:t>Second level</a:t>
             </a:r>
           </a:p>
           <a:p>
             <a:pPr lvl="2"/>
             <a:r>
-              <a:rPr lang="es-ES_tradnl" smtClean="0"/>
+              <a:rPr lang="es-ES_tradnl"/>
               <a:t>Third level</a:t>
             </a:r>
           </a:p>
           <a:p>
             <a:pPr lvl="3"/>
             <a:r>
-              <a:rPr lang="es-ES_tradnl" smtClean="0"/>
+              <a:rPr lang="es-ES_tradnl"/>
               <a:t>Fourth level</a:t>
             </a:r>
           </a:p>
           <a:p>
             <a:pPr lvl="4"/>
             <a:r>
-              <a:rPr lang="es-ES_tradnl" smtClean="0"/>
+              <a:rPr lang="es-ES_tradnl"/>
               <a:t>Fifth level</a:t>
             </a:r>
             <a:endParaRPr lang="en-US"/>
@@ -1128,7 +1127,7 @@
           <a:p>
             <a:fld id="{D3AE09B4-90D0-1245-B83D-B1B2932963E4}" type="datetimeFigureOut">
               <a:rPr lang="en-US" smtClean="0"/>
-              <a:t>6/7/18</a:t>
+              <a:t>6/4/19</a:t>
             </a:fld>
             <a:endParaRPr lang="en-US"/>
           </a:p>
@@ -1222,7 +1221,7 @@
           <a:lstStyle/>
           <a:p>
             <a:r>
-              <a:rPr lang="es-ES_tradnl" smtClean="0"/>
+              <a:rPr lang="es-ES_tradnl"/>
               <a:t>Click to edit Master title style</a:t>
             </a:r>
             <a:endParaRPr lang="en-US"/>
@@ -1246,35 +1245,35 @@
           <a:p>
             <a:pPr lvl="0"/>
             <a:r>
-              <a:rPr lang="es-ES_tradnl" smtClean="0"/>
+              <a:rPr lang="es-ES_tradnl"/>
               <a:t>Click to edit Master text styles</a:t>
             </a:r>
           </a:p>
           <a:p>
             <a:pPr lvl="1"/>
             <a:r>
-              <a:rPr lang="es-ES_tradnl" smtClean="0"/>
+              <a:rPr lang="es-ES_tradnl"/>
               <a:t>Second level</a:t>
             </a:r>
           </a:p>
           <a:p>
             <a:pPr lvl="2"/>
             <a:r>
-              <a:rPr lang="es-ES_tradnl" smtClean="0"/>
+              <a:rPr lang="es-ES_tradnl"/>
               <a:t>Third level</a:t>
             </a:r>
           </a:p>
           <a:p>
             <a:pPr lvl="3"/>
             <a:r>
-              <a:rPr lang="es-ES_tradnl" smtClean="0"/>
+              <a:rPr lang="es-ES_tradnl"/>
               <a:t>Fourth level</a:t>
             </a:r>
           </a:p>
           <a:p>
             <a:pPr lvl="4"/>
             <a:r>
-              <a:rPr lang="es-ES_tradnl" smtClean="0"/>
+              <a:rPr lang="es-ES_tradnl"/>
               <a:t>Fifth level</a:t>
             </a:r>
             <a:endParaRPr lang="en-US"/>
@@ -1298,7 +1297,7 @@
           <a:p>
             <a:fld id="{D3AE09B4-90D0-1245-B83D-B1B2932963E4}" type="datetimeFigureOut">
               <a:rPr lang="en-US" smtClean="0"/>
-              <a:t>6/7/18</a:t>
+              <a:t>6/4/19</a:t>
             </a:fld>
             <a:endParaRPr lang="en-US"/>
           </a:p>
@@ -1401,7 +1400,7 @@
           </a:lstStyle>
           <a:p>
             <a:r>
-              <a:rPr lang="es-ES_tradnl" smtClean="0"/>
+              <a:rPr lang="es-ES_tradnl"/>
               <a:t>Click to edit Master title style</a:t>
             </a:r>
             <a:endParaRPr lang="en-US"/>
@@ -1521,7 +1520,7 @@
           <a:p>
             <a:pPr lvl="0"/>
             <a:r>
-              <a:rPr lang="es-ES_tradnl" smtClean="0"/>
+              <a:rPr lang="es-ES_tradnl"/>
               <a:t>Click to edit Master text styles</a:t>
             </a:r>
           </a:p>
@@ -1544,7 +1543,7 @@
           <a:p>
             <a:fld id="{D3AE09B4-90D0-1245-B83D-B1B2932963E4}" type="datetimeFigureOut">
               <a:rPr lang="en-US" smtClean="0"/>
-              <a:t>6/7/18</a:t>
+              <a:t>6/4/19</a:t>
             </a:fld>
             <a:endParaRPr lang="en-US"/>
           </a:p>
@@ -1638,7 +1637,7 @@
           <a:lstStyle/>
           <a:p>
             <a:r>
-              <a:rPr lang="es-ES_tradnl" smtClean="0"/>
+              <a:rPr lang="es-ES_tradnl"/>
               <a:t>Click to edit Master title style</a:t>
             </a:r>
             <a:endParaRPr lang="en-US"/>
@@ -1695,35 +1694,35 @@
           <a:p>
             <a:pPr lvl="0"/>
             <a:r>
-              <a:rPr lang="es-ES_tradnl" smtClean="0"/>
+              <a:rPr lang="es-ES_tradnl"/>
               <a:t>Click to edit Master text styles</a:t>
             </a:r>
           </a:p>
           <a:p>
             <a:pPr lvl="1"/>
             <a:r>
-              <a:rPr lang="es-ES_tradnl" smtClean="0"/>
+              <a:rPr lang="es-ES_tradnl"/>
               <a:t>Second level</a:t>
             </a:r>
           </a:p>
           <a:p>
             <a:pPr lvl="2"/>
             <a:r>
-              <a:rPr lang="es-ES_tradnl" smtClean="0"/>
+              <a:rPr lang="es-ES_tradnl"/>
               <a:t>Third level</a:t>
             </a:r>
           </a:p>
           <a:p>
             <a:pPr lvl="3"/>
             <a:r>
-              <a:rPr lang="es-ES_tradnl" smtClean="0"/>
+              <a:rPr lang="es-ES_tradnl"/>
               <a:t>Fourth level</a:t>
             </a:r>
           </a:p>
           <a:p>
             <a:pPr lvl="4"/>
             <a:r>
-              <a:rPr lang="es-ES_tradnl" smtClean="0"/>
+              <a:rPr lang="es-ES_tradnl"/>
               <a:t>Fifth level</a:t>
             </a:r>
             <a:endParaRPr lang="en-US"/>
@@ -1780,35 +1779,35 @@
           <a:p>
             <a:pPr lvl="0"/>
             <a:r>
-              <a:rPr lang="es-ES_tradnl" smtClean="0"/>
+              <a:rPr lang="es-ES_tradnl"/>
               <a:t>Click to edit Master text styles</a:t>
             </a:r>
           </a:p>
           <a:p>
             <a:pPr lvl="1"/>
             <a:r>
-              <a:rPr lang="es-ES_tradnl" smtClean="0"/>
+              <a:rPr lang="es-ES_tradnl"/>
               <a:t>Second level</a:t>
             </a:r>
           </a:p>
           <a:p>
             <a:pPr lvl="2"/>
             <a:r>
-              <a:rPr lang="es-ES_tradnl" smtClean="0"/>
+              <a:rPr lang="es-ES_tradnl"/>
               <a:t>Third level</a:t>
             </a:r>
           </a:p>
           <a:p>
             <a:pPr lvl="3"/>
             <a:r>
-              <a:rPr lang="es-ES_tradnl" smtClean="0"/>
+              <a:rPr lang="es-ES_tradnl"/>
               <a:t>Fourth level</a:t>
             </a:r>
           </a:p>
           <a:p>
             <a:pPr lvl="4"/>
             <a:r>
-              <a:rPr lang="es-ES_tradnl" smtClean="0"/>
+              <a:rPr lang="es-ES_tradnl"/>
               <a:t>Fifth level</a:t>
             </a:r>
             <a:endParaRPr lang="en-US"/>
@@ -1832,7 +1831,7 @@
           <a:p>
             <a:fld id="{D3AE09B4-90D0-1245-B83D-B1B2932963E4}" type="datetimeFigureOut">
               <a:rPr lang="en-US" smtClean="0"/>
-              <a:t>6/7/18</a:t>
+              <a:t>6/4/19</a:t>
             </a:fld>
             <a:endParaRPr lang="en-US"/>
           </a:p>
@@ -1930,7 +1929,7 @@
           </a:lstStyle>
           <a:p>
             <a:r>
-              <a:rPr lang="es-ES_tradnl" smtClean="0"/>
+              <a:rPr lang="es-ES_tradnl"/>
               <a:t>Click to edit Master title style</a:t>
             </a:r>
             <a:endParaRPr lang="en-US"/>
@@ -1996,7 +1995,7 @@
           <a:p>
             <a:pPr lvl="0"/>
             <a:r>
-              <a:rPr lang="es-ES_tradnl" smtClean="0"/>
+              <a:rPr lang="es-ES_tradnl"/>
               <a:t>Click to edit Master text styles</a:t>
             </a:r>
           </a:p>
@@ -2052,35 +2051,35 @@
           <a:p>
             <a:pPr lvl="0"/>
             <a:r>
-              <a:rPr lang="es-ES_tradnl" smtClean="0"/>
+              <a:rPr lang="es-ES_tradnl"/>
               <a:t>Click to edit Master text styles</a:t>
             </a:r>
           </a:p>
           <a:p>
             <a:pPr lvl="1"/>
             <a:r>
-              <a:rPr lang="es-ES_tradnl" smtClean="0"/>
+              <a:rPr lang="es-ES_tradnl"/>
               <a:t>Second level</a:t>
             </a:r>
           </a:p>
           <a:p>
             <a:pPr lvl="2"/>
             <a:r>
-              <a:rPr lang="es-ES_tradnl" smtClean="0"/>
+              <a:rPr lang="es-ES_tradnl"/>
               <a:t>Third level</a:t>
             </a:r>
           </a:p>
           <a:p>
             <a:pPr lvl="3"/>
             <a:r>
-              <a:rPr lang="es-ES_tradnl" smtClean="0"/>
+              <a:rPr lang="es-ES_tradnl"/>
               <a:t>Fourth level</a:t>
             </a:r>
           </a:p>
           <a:p>
             <a:pPr lvl="4"/>
             <a:r>
-              <a:rPr lang="es-ES_tradnl" smtClean="0"/>
+              <a:rPr lang="es-ES_tradnl"/>
               <a:t>Fifth level</a:t>
             </a:r>
             <a:endParaRPr lang="en-US"/>
@@ -2146,7 +2145,7 @@
           <a:p>
             <a:pPr lvl="0"/>
             <a:r>
-              <a:rPr lang="es-ES_tradnl" smtClean="0"/>
+              <a:rPr lang="es-ES_tradnl"/>
               <a:t>Click to edit Master text styles</a:t>
             </a:r>
           </a:p>
@@ -2202,35 +2201,35 @@
           <a:p>
             <a:pPr lvl="0"/>
             <a:r>
-              <a:rPr lang="es-ES_tradnl" smtClean="0"/>
+              <a:rPr lang="es-ES_tradnl"/>
               <a:t>Click to edit Master text styles</a:t>
             </a:r>
           </a:p>
           <a:p>
             <a:pPr lvl="1"/>
             <a:r>
-              <a:rPr lang="es-ES_tradnl" smtClean="0"/>
+              <a:rPr lang="es-ES_tradnl"/>
               <a:t>Second level</a:t>
             </a:r>
           </a:p>
           <a:p>
             <a:pPr lvl="2"/>
             <a:r>
-              <a:rPr lang="es-ES_tradnl" smtClean="0"/>
+              <a:rPr lang="es-ES_tradnl"/>
               <a:t>Third level</a:t>
             </a:r>
           </a:p>
           <a:p>
             <a:pPr lvl="3"/>
             <a:r>
-              <a:rPr lang="es-ES_tradnl" smtClean="0"/>
+              <a:rPr lang="es-ES_tradnl"/>
               <a:t>Fourth level</a:t>
             </a:r>
           </a:p>
           <a:p>
             <a:pPr lvl="4"/>
             <a:r>
-              <a:rPr lang="es-ES_tradnl" smtClean="0"/>
+              <a:rPr lang="es-ES_tradnl"/>
               <a:t>Fifth level</a:t>
             </a:r>
             <a:endParaRPr lang="en-US"/>
@@ -2254,7 +2253,7 @@
           <a:p>
             <a:fld id="{D3AE09B4-90D0-1245-B83D-B1B2932963E4}" type="datetimeFigureOut">
               <a:rPr lang="en-US" smtClean="0"/>
-              <a:t>6/7/18</a:t>
+              <a:t>6/4/19</a:t>
             </a:fld>
             <a:endParaRPr lang="en-US"/>
           </a:p>
@@ -2348,7 +2347,7 @@
           <a:lstStyle/>
           <a:p>
             <a:r>
-              <a:rPr lang="es-ES_tradnl" smtClean="0"/>
+              <a:rPr lang="es-ES_tradnl"/>
               <a:t>Click to edit Master title style</a:t>
             </a:r>
             <a:endParaRPr lang="en-US"/>
@@ -2372,7 +2371,7 @@
           <a:p>
             <a:fld id="{D3AE09B4-90D0-1245-B83D-B1B2932963E4}" type="datetimeFigureOut">
               <a:rPr lang="en-US" smtClean="0"/>
-              <a:t>6/7/18</a:t>
+              <a:t>6/4/19</a:t>
             </a:fld>
             <a:endParaRPr lang="en-US"/>
           </a:p>
@@ -2467,7 +2466,7 @@
           <a:p>
             <a:fld id="{D3AE09B4-90D0-1245-B83D-B1B2932963E4}" type="datetimeFigureOut">
               <a:rPr lang="en-US" smtClean="0"/>
-              <a:t>6/7/18</a:t>
+              <a:t>6/4/19</a:t>
             </a:fld>
             <a:endParaRPr lang="en-US"/>
           </a:p>
@@ -2570,7 +2569,7 @@
           </a:lstStyle>
           <a:p>
             <a:r>
-              <a:rPr lang="es-ES_tradnl" smtClean="0"/>
+              <a:rPr lang="es-ES_tradnl"/>
               <a:t>Click to edit Master title style</a:t>
             </a:r>
             <a:endParaRPr lang="en-US"/>
@@ -2627,35 +2626,35 @@
           <a:p>
             <a:pPr lvl="0"/>
             <a:r>
-              <a:rPr lang="es-ES_tradnl" smtClean="0"/>
+              <a:rPr lang="es-ES_tradnl"/>
               <a:t>Click to edit Master text styles</a:t>
             </a:r>
           </a:p>
           <a:p>
             <a:pPr lvl="1"/>
             <a:r>
-              <a:rPr lang="es-ES_tradnl" smtClean="0"/>
+              <a:rPr lang="es-ES_tradnl"/>
               <a:t>Second level</a:t>
             </a:r>
           </a:p>
           <a:p>
             <a:pPr lvl="2"/>
             <a:r>
-              <a:rPr lang="es-ES_tradnl" smtClean="0"/>
+              <a:rPr lang="es-ES_tradnl"/>
               <a:t>Third level</a:t>
             </a:r>
           </a:p>
           <a:p>
             <a:pPr lvl="3"/>
             <a:r>
-              <a:rPr lang="es-ES_tradnl" smtClean="0"/>
+              <a:rPr lang="es-ES_tradnl"/>
               <a:t>Fourth level</a:t>
             </a:r>
           </a:p>
           <a:p>
             <a:pPr lvl="4"/>
             <a:r>
-              <a:rPr lang="es-ES_tradnl" smtClean="0"/>
+              <a:rPr lang="es-ES_tradnl"/>
               <a:t>Fifth level</a:t>
             </a:r>
             <a:endParaRPr lang="en-US"/>
@@ -2721,7 +2720,7 @@
           <a:p>
             <a:pPr lvl="0"/>
             <a:r>
-              <a:rPr lang="es-ES_tradnl" smtClean="0"/>
+              <a:rPr lang="es-ES_tradnl"/>
               <a:t>Click to edit Master text styles</a:t>
             </a:r>
           </a:p>
@@ -2744,7 +2743,7 @@
           <a:p>
             <a:fld id="{D3AE09B4-90D0-1245-B83D-B1B2932963E4}" type="datetimeFigureOut">
               <a:rPr lang="en-US" smtClean="0"/>
-              <a:t>6/7/18</a:t>
+              <a:t>6/4/19</a:t>
             </a:fld>
             <a:endParaRPr lang="en-US"/>
           </a:p>
@@ -2847,7 +2846,7 @@
           </a:lstStyle>
           <a:p>
             <a:r>
-              <a:rPr lang="es-ES_tradnl" smtClean="0"/>
+              <a:rPr lang="es-ES_tradnl"/>
               <a:t>Click to edit Master title style</a:t>
             </a:r>
             <a:endParaRPr lang="en-US"/>
@@ -2974,7 +2973,7 @@
           <a:p>
             <a:pPr lvl="0"/>
             <a:r>
-              <a:rPr lang="es-ES_tradnl" smtClean="0"/>
+              <a:rPr lang="es-ES_tradnl"/>
               <a:t>Click to edit Master text styles</a:t>
             </a:r>
           </a:p>
@@ -2997,7 +2996,7 @@
           <a:p>
             <a:fld id="{D3AE09B4-90D0-1245-B83D-B1B2932963E4}" type="datetimeFigureOut">
               <a:rPr lang="en-US" smtClean="0"/>
-              <a:t>6/7/18</a:t>
+              <a:t>6/4/19</a:t>
             </a:fld>
             <a:endParaRPr lang="en-US"/>
           </a:p>
@@ -3106,10 +3105,9 @@
           <a:lstStyle/>
           <a:p>
             <a:r>
-              <a:rPr lang="en-US" smtClean="0"/>
+              <a:rPr lang="en-US"/>
               <a:t>Click to edit Master title style</a:t>
             </a:r>
-            <a:endParaRPr lang="en-US"/>
           </a:p>
         </p:txBody>
       </p:sp>
@@ -3140,38 +3138,37 @@
           <a:p>
             <a:pPr lvl="0"/>
             <a:r>
-              <a:rPr lang="en-US" smtClean="0"/>
+              <a:rPr lang="en-US"/>
               <a:t>Click to edit Master text styles</a:t>
             </a:r>
           </a:p>
           <a:p>
             <a:pPr lvl="1"/>
             <a:r>
-              <a:rPr lang="en-US" smtClean="0"/>
+              <a:rPr lang="en-US"/>
               <a:t>Second level</a:t>
             </a:r>
           </a:p>
           <a:p>
             <a:pPr lvl="2"/>
             <a:r>
-              <a:rPr lang="en-US" smtClean="0"/>
+              <a:rPr lang="en-US"/>
               <a:t>Third level</a:t>
             </a:r>
           </a:p>
           <a:p>
             <a:pPr lvl="3"/>
             <a:r>
-              <a:rPr lang="en-US" smtClean="0"/>
+              <a:rPr lang="en-US"/>
               <a:t>Fourth level</a:t>
             </a:r>
           </a:p>
           <a:p>
             <a:pPr lvl="4"/>
             <a:r>
-              <a:rPr lang="en-US" smtClean="0"/>
+              <a:rPr lang="en-US"/>
               <a:t>Fifth level</a:t>
             </a:r>
-            <a:endParaRPr lang="en-US"/>
           </a:p>
         </p:txBody>
       </p:sp>
@@ -3210,7 +3207,7 @@
           <a:p>
             <a:fld id="{D3AE09B4-90D0-1245-B83D-B1B2932963E4}" type="datetimeFigureOut">
               <a:rPr lang="en-US" smtClean="0"/>
-              <a:t>6/7/18</a:t>
+              <a:t>6/4/19</a:t>
             </a:fld>
             <a:endParaRPr lang="en-US"/>
           </a:p>
@@ -3625,7 +3622,7 @@
           <a:p>
             <a:pPr algn="ctr"/>
             <a:r>
-              <a:rPr lang="es-CL" sz="2400" dirty="0" smtClean="0">
+              <a:rPr lang="es-CL" sz="2400" dirty="0">
                 <a:solidFill>
                   <a:srgbClr val="FF0000"/>
                 </a:solidFill>
@@ -3634,7 +3631,7 @@
               <a:t>R</a:t>
             </a:r>
             <a:r>
-              <a:rPr lang="es-CL" sz="2400" dirty="0" smtClean="0">
+              <a:rPr lang="es-CL" sz="2400" dirty="0">
                 <a:solidFill>
                   <a:srgbClr val="3366FF"/>
                 </a:solidFill>
@@ -3643,7 +3640,7 @@
               <a:t>e</a:t>
             </a:r>
             <a:r>
-              <a:rPr lang="es-CL" sz="2400" dirty="0" smtClean="0">
+              <a:rPr lang="es-CL" sz="2400" dirty="0">
                 <a:solidFill>
                   <a:srgbClr val="FFFF00"/>
                 </a:solidFill>
@@ -3652,7 +3649,7 @@
               <a:t>c</a:t>
             </a:r>
             <a:r>
-              <a:rPr lang="es-CL" sz="2400" dirty="0" smtClean="0">
+              <a:rPr lang="es-CL" sz="2400" dirty="0">
                 <a:solidFill>
                   <a:srgbClr val="00FF00"/>
                 </a:solidFill>
@@ -3661,7 +3658,7 @@
               <a:t>o</a:t>
             </a:r>
             <a:r>
-              <a:rPr lang="es-CL" sz="2400" dirty="0" smtClean="0">
+              <a:rPr lang="es-CL" sz="2400" dirty="0">
                 <a:solidFill>
                   <a:schemeClr val="bg1"/>
                 </a:solidFill>
@@ -3670,7 +3667,7 @@
               <a:t>n</a:t>
             </a:r>
             <a:r>
-              <a:rPr lang="es-CL" sz="2400" dirty="0" smtClean="0">
+              <a:rPr lang="es-CL" sz="2400" dirty="0">
                 <a:solidFill>
                   <a:srgbClr val="FF6600"/>
                 </a:solidFill>
@@ -3679,7 +3676,7 @@
               <a:t>o</a:t>
             </a:r>
             <a:r>
-              <a:rPr lang="es-CL" sz="2400" dirty="0" smtClean="0">
+              <a:rPr lang="es-CL" sz="2400" dirty="0">
                 <a:solidFill>
                   <a:srgbClr val="FF0000"/>
                 </a:solidFill>
@@ -3688,7 +3685,7 @@
               <a:t>c</a:t>
             </a:r>
             <a:r>
-              <a:rPr lang="es-CL" sz="2400" dirty="0" smtClean="0">
+              <a:rPr lang="es-CL" sz="2400" dirty="0">
                 <a:solidFill>
                   <a:srgbClr val="3366FF"/>
                 </a:solidFill>
@@ -3697,7 +3694,7 @@
               <a:t>i</a:t>
             </a:r>
             <a:r>
-              <a:rPr lang="es-CL" sz="2400" dirty="0" smtClean="0">
+              <a:rPr lang="es-CL" sz="2400" dirty="0">
                 <a:solidFill>
                   <a:schemeClr val="bg1"/>
                 </a:solidFill>
@@ -3706,7 +3703,7 @@
               <a:t>m</a:t>
             </a:r>
             <a:r>
-              <a:rPr lang="es-CL" sz="2400" dirty="0" smtClean="0">
+              <a:rPr lang="es-CL" sz="2400" dirty="0">
                 <a:solidFill>
                   <a:srgbClr val="FFFF00"/>
                 </a:solidFill>
@@ -3715,7 +3712,7 @@
               <a:t>i</a:t>
             </a:r>
             <a:r>
-              <a:rPr lang="es-CL" sz="2400" dirty="0" smtClean="0">
+              <a:rPr lang="es-CL" sz="2400" dirty="0">
                 <a:solidFill>
                   <a:srgbClr val="00FF00"/>
                 </a:solidFill>
@@ -3724,7 +3721,7 @@
               <a:t>e</a:t>
             </a:r>
             <a:r>
-              <a:rPr lang="es-CL" sz="2400" dirty="0" smtClean="0">
+              <a:rPr lang="es-CL" sz="2400" dirty="0">
                 <a:solidFill>
                   <a:schemeClr val="bg1"/>
                 </a:solidFill>
@@ -3733,7 +3730,7 @@
               <a:t>n</a:t>
             </a:r>
             <a:r>
-              <a:rPr lang="es-CL" sz="2400" dirty="0" smtClean="0">
+              <a:rPr lang="es-CL" sz="2400" dirty="0">
                 <a:solidFill>
                   <a:srgbClr val="FF6600"/>
                 </a:solidFill>
@@ -3742,7 +3739,7 @@
               <a:t>t</a:t>
             </a:r>
             <a:r>
-              <a:rPr lang="es-CL" sz="2400" dirty="0" smtClean="0">
+              <a:rPr lang="es-CL" sz="2400" dirty="0">
                 <a:solidFill>
                   <a:srgbClr val="FF0000"/>
                 </a:solidFill>
@@ -3751,7 +3748,7 @@
               <a:t>o</a:t>
             </a:r>
             <a:r>
-              <a:rPr lang="es-CL" sz="2400" dirty="0" smtClean="0">
+              <a:rPr lang="es-CL" sz="2400" dirty="0">
                 <a:solidFill>
                   <a:srgbClr val="3333CC"/>
                 </a:solidFill>
@@ -3760,7 +3757,7 @@
               <a:t> </a:t>
             </a:r>
             <a:r>
-              <a:rPr lang="es-CL" sz="2400" dirty="0" smtClean="0">
+              <a:rPr lang="es-CL" sz="2400" dirty="0">
                 <a:solidFill>
                   <a:srgbClr val="3366FF"/>
                 </a:solidFill>
@@ -3769,7 +3766,7 @@
               <a:t>d</a:t>
             </a:r>
             <a:r>
-              <a:rPr lang="es-CL" sz="2400" dirty="0" smtClean="0">
+              <a:rPr lang="es-CL" sz="2400" dirty="0">
                 <a:solidFill>
                   <a:srgbClr val="FFFF00"/>
                 </a:solidFill>
@@ -3778,7 +3775,7 @@
               <a:t>e </a:t>
             </a:r>
             <a:r>
-              <a:rPr lang="es-CL" sz="2400" dirty="0" smtClean="0">
+              <a:rPr lang="es-CL" sz="2400" dirty="0">
                 <a:solidFill>
                   <a:srgbClr val="00FF00"/>
                 </a:solidFill>
@@ -3787,7 +3784,7 @@
               <a:t>P</a:t>
             </a:r>
             <a:r>
-              <a:rPr lang="es-CL" sz="2400" dirty="0" smtClean="0">
+              <a:rPr lang="es-CL" sz="2400" dirty="0">
                 <a:solidFill>
                   <a:schemeClr val="bg1"/>
                 </a:solidFill>
@@ -3796,7 +3793,7 @@
               <a:t>a</a:t>
             </a:r>
             <a:r>
-              <a:rPr lang="es-CL" sz="2400" dirty="0" smtClean="0">
+              <a:rPr lang="es-CL" sz="2400" dirty="0">
                 <a:solidFill>
                   <a:srgbClr val="FF6600"/>
                 </a:solidFill>
@@ -3805,7 +3802,7 @@
               <a:t>t</a:t>
             </a:r>
             <a:r>
-              <a:rPr lang="es-CL" sz="2400" dirty="0" smtClean="0">
+              <a:rPr lang="es-CL" sz="2400" dirty="0">
                 <a:solidFill>
                   <a:srgbClr val="FF0000"/>
                 </a:solidFill>
@@ -3814,7 +3811,7 @@
               <a:t>r</a:t>
             </a:r>
             <a:r>
-              <a:rPr lang="es-CL" sz="2400" dirty="0" smtClean="0">
+              <a:rPr lang="es-CL" sz="2400" dirty="0">
                 <a:solidFill>
                   <a:srgbClr val="3366FF"/>
                 </a:solidFill>
@@ -3823,7 +3820,7 @@
               <a:t>o</a:t>
             </a:r>
             <a:r>
-              <a:rPr lang="es-CL" sz="2400" dirty="0" smtClean="0">
+              <a:rPr lang="es-CL" sz="2400" dirty="0">
                 <a:solidFill>
                   <a:srgbClr val="FFFF00"/>
                 </a:solidFill>
@@ -3832,7 +3829,7 @@
               <a:t>n</a:t>
             </a:r>
             <a:r>
-              <a:rPr lang="es-CL" sz="2400" dirty="0" smtClean="0">
+              <a:rPr lang="es-CL" sz="2400" dirty="0">
                 <a:solidFill>
                   <a:srgbClr val="00FF00"/>
                 </a:solidFill>
@@ -3841,7 +3838,7 @@
               <a:t>e</a:t>
             </a:r>
             <a:r>
-              <a:rPr lang="es-CL" sz="2400" dirty="0" smtClean="0">
+              <a:rPr lang="es-CL" sz="2400" dirty="0">
                 <a:solidFill>
                   <a:schemeClr val="bg1"/>
                 </a:solidFill>
@@ -3849,7 +3846,7 @@
               </a:rPr>
               <a:t>s</a:t>
             </a:r>
-            <a:endParaRPr lang="es-CL" sz="2400" dirty="0" smtClean="0">
+            <a:endParaRPr lang="es-CL" sz="2400" dirty="0">
               <a:solidFill>
                 <a:srgbClr val="FF0000"/>
               </a:solidFill>
@@ -3859,7 +3856,7 @@
           <a:p>
             <a:pPr algn="ctr"/>
             <a:r>
-              <a:rPr lang="es-CL" sz="2400" dirty="0" smtClean="0">
+              <a:rPr lang="es-CL" sz="2400" dirty="0">
                 <a:solidFill>
                   <a:schemeClr val="bg2">
                     <a:lumMod val="60000"/>
@@ -3870,19 +3867,10 @@
               </a:rPr>
               <a:t> </a:t>
             </a:r>
+          </a:p>
+          <a:p>
+            <a:pPr algn="ctr"/>
             <a:endParaRPr lang="es-CL" sz="2400" dirty="0">
-              <a:solidFill>
-                <a:schemeClr val="bg2">
-                  <a:lumMod val="60000"/>
-                  <a:lumOff val="40000"/>
-                </a:schemeClr>
-              </a:solidFill>
-              <a:latin typeface="Trebuchet MS" pitchFamily="34" charset="0"/>
-            </a:endParaRPr>
-          </a:p>
-          <a:p>
-            <a:pPr algn="ctr"/>
-            <a:endParaRPr lang="es-CL" sz="2400" dirty="0" smtClean="0">
               <a:solidFill>
                 <a:srgbClr val="3333CC"/>
               </a:solidFill>
@@ -3953,7 +3941,7 @@
           <a:p>
             <a:pPr algn="ctr"/>
             <a:r>
-              <a:rPr lang="es-CL" sz="1200" dirty="0" smtClean="0">
+              <a:rPr lang="es-CL" sz="1200" dirty="0">
                 <a:solidFill>
                   <a:schemeClr val="bg1">
                     <a:lumMod val="75000"/>
@@ -3963,19 +3951,11 @@
               </a:rPr>
               <a:t>Departmento de Ciencia de la Computación</a:t>
             </a:r>
-            <a:endParaRPr lang="es-CL" sz="1200" dirty="0">
-              <a:solidFill>
-                <a:schemeClr val="bg1">
-                  <a:lumMod val="75000"/>
-                </a:schemeClr>
-              </a:solidFill>
-              <a:latin typeface="Trebuchet MS" pitchFamily="34" charset="0"/>
-            </a:endParaRPr>
           </a:p>
           <a:p>
             <a:pPr algn="ctr"/>
             <a:r>
-              <a:rPr lang="es-CL" sz="1200" dirty="0" smtClean="0">
+              <a:rPr lang="es-CL" sz="1200" dirty="0">
                 <a:solidFill>
                   <a:schemeClr val="bg1">
                     <a:lumMod val="75000"/>
@@ -3989,7 +3969,7 @@
           <a:p>
             <a:pPr algn="ctr"/>
             <a:r>
-              <a:rPr lang="es-CL" sz="1200" dirty="0" smtClean="0">
+              <a:rPr lang="es-CL" sz="1200" dirty="0">
                 <a:solidFill>
                   <a:schemeClr val="bg1">
                     <a:lumMod val="75000"/>
@@ -3999,39 +3979,9 @@
               </a:rPr>
               <a:t>Universidad Católica de Chile</a:t>
             </a:r>
-            <a:endParaRPr lang="es-CL" sz="1200" dirty="0">
-              <a:solidFill>
-                <a:schemeClr val="bg1">
-                  <a:lumMod val="75000"/>
-                </a:schemeClr>
-              </a:solidFill>
-              <a:latin typeface="Trebuchet MS" pitchFamily="34" charset="0"/>
-            </a:endParaRPr>
-          </a:p>
-          <a:p>
-            <a:pPr algn="ctr"/>
-            <a:r>
-              <a:rPr lang="es-CL" sz="1200" smtClean="0">
-                <a:solidFill>
-                  <a:schemeClr val="bg1">
-                    <a:lumMod val="75000"/>
-                  </a:schemeClr>
-                </a:solidFill>
-                <a:latin typeface="Trebuchet MS" pitchFamily="34" charset="0"/>
-              </a:rPr>
-              <a:t>Semestre </a:t>
-            </a:r>
-            <a:r>
-              <a:rPr lang="es-CL" sz="1200" smtClean="0">
-                <a:solidFill>
-                  <a:schemeClr val="bg1">
-                    <a:lumMod val="75000"/>
-                  </a:schemeClr>
-                </a:solidFill>
-                <a:latin typeface="Trebuchet MS" pitchFamily="34" charset="0"/>
-              </a:rPr>
-              <a:t>2018-1</a:t>
-            </a:r>
+          </a:p>
+          <a:p>
+            <a:pPr algn="ctr"/>
             <a:endParaRPr lang="en-US" sz="1200" dirty="0">
               <a:solidFill>
                 <a:schemeClr val="bg1">
@@ -4332,7 +4282,7 @@
           <a:p>
             <a:pPr algn="ctr"/>
             <a:r>
-              <a:rPr lang="en-US" sz="2400" b="1" dirty="0" smtClean="0">
+              <a:rPr lang="en-US" sz="2400" b="1" dirty="0">
                 <a:solidFill>
                   <a:srgbClr val="FFFFFF"/>
                 </a:solidFill>
@@ -4344,7 +4294,7 @@
           </a:p>
           <a:p>
             <a:pPr algn="ctr"/>
-            <a:endParaRPr lang="es-CL" sz="1000" dirty="0" smtClean="0">
+            <a:endParaRPr lang="es-CL" sz="1000" dirty="0">
               <a:solidFill>
                 <a:srgbClr val="FFFFFF"/>
               </a:solidFill>
@@ -4355,7 +4305,7 @@
           <a:p>
             <a:pPr algn="ctr"/>
             <a:r>
-              <a:rPr lang="es-CL" sz="1000" dirty="0" smtClean="0">
+              <a:rPr lang="es-CL" sz="1000" dirty="0">
                 <a:solidFill>
                   <a:srgbClr val="FFFFFF"/>
                 </a:solidFill>
@@ -6074,13 +6024,6 @@
   <p:clrMapOvr>
     <a:masterClrMapping/>
   </p:clrMapOvr>
-  <p:timing>
-    <p:tnLst>
-      <p:par>
-        <p:cTn id="1" dur="indefinite" restart="never" nodeType="tmRoot"/>
-      </p:par>
-    </p:tnLst>
-  </p:timing>
 </p:sld>
 </file>
 
@@ -7315,13 +7258,6 @@
   <p:clrMapOvr>
     <a:masterClrMapping/>
   </p:clrMapOvr>
-  <p:timing>
-    <p:tnLst>
-      <p:par>
-        <p:cTn id="1" dur="indefinite" restart="never" nodeType="tmRoot"/>
-      </p:par>
-    </p:tnLst>
-  </p:timing>
 </p:sld>
 </file>
 
@@ -8591,13 +8527,6 @@
   <p:clrMapOvr>
     <a:masterClrMapping/>
   </p:clrMapOvr>
-  <p:timing>
-    <p:tnLst>
-      <p:par>
-        <p:cTn id="1" dur="indefinite" restart="never" nodeType="tmRoot"/>
-      </p:par>
-    </p:tnLst>
-  </p:timing>
 </p:sld>
 </file>
 
@@ -9905,13 +9834,6 @@
   <p:clrMapOvr>
     <a:masterClrMapping/>
   </p:clrMapOvr>
-  <p:timing>
-    <p:tnLst>
-      <p:par>
-        <p:cTn id="1" dur="indefinite" restart="never" nodeType="tmRoot"/>
-      </p:par>
-    </p:tnLst>
-  </p:timing>
 </p:sld>
 </file>
 
@@ -11257,13 +11179,6 @@
   <p:clrMapOvr>
     <a:masterClrMapping/>
   </p:clrMapOvr>
-  <p:timing>
-    <p:tnLst>
-      <p:par>
-        <p:cTn id="1" dur="indefinite" restart="never" nodeType="tmRoot"/>
-      </p:par>
-    </p:tnLst>
-  </p:timing>
 </p:sld>
 </file>
 
@@ -12647,13 +12562,6 @@
   <p:clrMapOvr>
     <a:masterClrMapping/>
   </p:clrMapOvr>
-  <p:timing>
-    <p:tnLst>
-      <p:par>
-        <p:cTn id="1" dur="indefinite" restart="never" nodeType="tmRoot"/>
-      </p:par>
-    </p:tnLst>
-  </p:timing>
 </p:sld>
 </file>
 
@@ -14075,13 +13983,6 @@
   <p:clrMapOvr>
     <a:masterClrMapping/>
   </p:clrMapOvr>
-  <p:timing>
-    <p:tnLst>
-      <p:par>
-        <p:cTn id="1" dur="indefinite" restart="never" nodeType="tmRoot"/>
-      </p:par>
-    </p:tnLst>
-  </p:timing>
 </p:sld>
 </file>
 
@@ -15541,13 +15442,6 @@
   <p:clrMapOvr>
     <a:masterClrMapping/>
   </p:clrMapOvr>
-  <p:timing>
-    <p:tnLst>
-      <p:par>
-        <p:cTn id="1" dur="indefinite" restart="never" nodeType="tmRoot"/>
-      </p:par>
-    </p:tnLst>
-  </p:timing>
 </p:sld>
 </file>
 
@@ -17042,13 +16936,6 @@
   <p:clrMapOvr>
     <a:masterClrMapping/>
   </p:clrMapOvr>
-  <p:timing>
-    <p:tnLst>
-      <p:par>
-        <p:cTn id="1" dur="indefinite" restart="never" nodeType="tmRoot"/>
-      </p:par>
-    </p:tnLst>
-  </p:timing>
 </p:sld>
 </file>
 
@@ -18581,13 +18468,6 @@
   <p:clrMapOvr>
     <a:masterClrMapping/>
   </p:clrMapOvr>
-  <p:timing>
-    <p:tnLst>
-      <p:par>
-        <p:cTn id="1" dur="indefinite" restart="never" nodeType="tmRoot"/>
-      </p:par>
-    </p:tnLst>
-  </p:timing>
 </p:sld>
 </file>
 
@@ -18624,10 +18504,9 @@
           <a:lstStyle/>
           <a:p>
             <a:r>
-              <a:rPr lang="en-US" dirty="0" smtClean="0"/>
+              <a:rPr lang="en-US" dirty="0"/>
               <a:t>Hierarchical Clustering</a:t>
             </a:r>
-            <a:endParaRPr lang="en-US" dirty="0"/>
           </a:p>
         </p:txBody>
       </p:sp>
@@ -18650,28 +18529,27 @@
               <a:buNone/>
             </a:pPr>
             <a:r>
-              <a:rPr lang="en-US" dirty="0" smtClean="0"/>
+              <a:rPr lang="en-US" dirty="0"/>
               <a:t>General Idea:</a:t>
             </a:r>
           </a:p>
           <a:p>
             <a:r>
-              <a:rPr lang="en-US" dirty="0" smtClean="0"/>
+              <a:rPr lang="en-US" dirty="0"/>
               <a:t>Find the closest two points and cluster them</a:t>
             </a:r>
           </a:p>
           <a:p>
             <a:r>
-              <a:rPr lang="en-US" dirty="0" smtClean="0"/>
+              <a:rPr lang="en-US" dirty="0"/>
               <a:t>The clustered points are considered as a new point</a:t>
             </a:r>
           </a:p>
           <a:p>
             <a:r>
-              <a:rPr lang="en-US" dirty="0" smtClean="0"/>
+              <a:rPr lang="en-US" dirty="0"/>
               <a:t>Repeat until the distance of the closest two points is too large</a:t>
             </a:r>
-            <a:endParaRPr lang="en-US" dirty="0"/>
           </a:p>
         </p:txBody>
       </p:sp>
@@ -18685,13 +18563,6 @@
   <p:clrMapOvr>
     <a:masterClrMapping/>
   </p:clrMapOvr>
-  <p:timing>
-    <p:tnLst>
-      <p:par>
-        <p:cTn id="1" dur="indefinite" restart="never" nodeType="tmRoot"/>
-      </p:par>
-    </p:tnLst>
-  </p:timing>
 </p:sld>
 </file>
 
@@ -20262,13 +20133,6 @@
   <p:clrMapOvr>
     <a:masterClrMapping/>
   </p:clrMapOvr>
-  <p:timing>
-    <p:tnLst>
-      <p:par>
-        <p:cTn id="1" dur="indefinite" restart="never" nodeType="tmRoot"/>
-      </p:par>
-    </p:tnLst>
-  </p:timing>
 </p:sld>
 </file>
 
@@ -21877,13 +21741,6 @@
   <p:clrMapOvr>
     <a:masterClrMapping/>
   </p:clrMapOvr>
-  <p:timing>
-    <p:tnLst>
-      <p:par>
-        <p:cTn id="1" dur="indefinite" restart="never" nodeType="tmRoot"/>
-      </p:par>
-    </p:tnLst>
-  </p:timing>
 </p:sld>
 </file>
 
@@ -23527,13 +23384,6 @@
   <p:clrMapOvr>
     <a:masterClrMapping/>
   </p:clrMapOvr>
-  <p:timing>
-    <p:tnLst>
-      <p:par>
-        <p:cTn id="1" dur="indefinite" restart="never" nodeType="tmRoot"/>
-      </p:par>
-    </p:tnLst>
-  </p:timing>
 </p:sld>
 </file>
 
@@ -25215,13 +25065,6 @@
   <p:clrMapOvr>
     <a:masterClrMapping/>
   </p:clrMapOvr>
-  <p:timing>
-    <p:tnLst>
-      <p:par>
-        <p:cTn id="1" dur="indefinite" restart="never" nodeType="tmRoot"/>
-      </p:par>
-    </p:tnLst>
-  </p:timing>
 </p:sld>
 </file>
 
@@ -26941,13 +26784,6 @@
   <p:clrMapOvr>
     <a:masterClrMapping/>
   </p:clrMapOvr>
-  <p:timing>
-    <p:tnLst>
-      <p:par>
-        <p:cTn id="1" dur="indefinite" restart="never" nodeType="tmRoot"/>
-      </p:par>
-    </p:tnLst>
-  </p:timing>
 </p:sld>
 </file>
 
@@ -28705,13 +28541,6 @@
   <p:clrMapOvr>
     <a:masterClrMapping/>
   </p:clrMapOvr>
-  <p:timing>
-    <p:tnLst>
-      <p:par>
-        <p:cTn id="1" dur="indefinite" restart="never" nodeType="tmRoot"/>
-      </p:par>
-    </p:tnLst>
-  </p:timing>
 </p:sld>
 </file>
 
@@ -30520,22 +30349,21 @@
           <a:lstStyle/>
           <a:p>
             <a:r>
-              <a:rPr lang="es-ES_tradnl" dirty="0" err="1" smtClean="0"/>
+              <a:rPr lang="es-ES_tradnl" dirty="0" err="1"/>
               <a:t>too</a:t>
             </a:r>
             <a:r>
-              <a:rPr lang="es-ES_tradnl" dirty="0" smtClean="0"/>
+              <a:rPr lang="es-ES_tradnl" dirty="0"/>
               <a:t> </a:t>
             </a:r>
             <a:r>
-              <a:rPr lang="es-ES_tradnl" dirty="0" err="1" smtClean="0"/>
+              <a:rPr lang="es-ES_tradnl" dirty="0" err="1"/>
               <a:t>large</a:t>
             </a:r>
             <a:r>
-              <a:rPr lang="es-ES_tradnl" dirty="0" smtClean="0"/>
+              <a:rPr lang="es-ES_tradnl" dirty="0"/>
               <a:t>!       x</a:t>
             </a:r>
-            <a:endParaRPr lang="es-ES_tradnl" dirty="0"/>
           </a:p>
         </p:txBody>
       </p:sp>
@@ -30549,13 +30377,6 @@
   <p:clrMapOvr>
     <a:masterClrMapping/>
   </p:clrMapOvr>
-  <p:timing>
-    <p:tnLst>
-      <p:par>
-        <p:cTn id="1" dur="indefinite" restart="never" nodeType="tmRoot"/>
-      </p:par>
-    </p:tnLst>
-  </p:timing>
 </p:sld>
 </file>
 
@@ -32313,13 +32134,6 @@
   <p:clrMapOvr>
     <a:masterClrMapping/>
   </p:clrMapOvr>
-  <p:timing>
-    <p:tnLst>
-      <p:par>
-        <p:cTn id="1" dur="indefinite" restart="never" nodeType="tmRoot"/>
-      </p:par>
-    </p:tnLst>
-  </p:timing>
 </p:sld>
 </file>
 
@@ -34169,13 +33983,6 @@
   <p:clrMapOvr>
     <a:masterClrMapping/>
   </p:clrMapOvr>
-  <p:timing>
-    <p:tnLst>
-      <p:par>
-        <p:cTn id="1" dur="indefinite" restart="never" nodeType="tmRoot"/>
-      </p:par>
-    </p:tnLst>
-  </p:timing>
 </p:sld>
 </file>
 
@@ -35210,13 +35017,6 @@
   <p:clrMapOvr>
     <a:masterClrMapping/>
   </p:clrMapOvr>
-  <p:timing>
-    <p:tnLst>
-      <p:par>
-        <p:cTn id="1" dur="indefinite" restart="never" nodeType="tmRoot"/>
-      </p:par>
-    </p:tnLst>
-  </p:timing>
 </p:sld>
 </file>
 
@@ -36159,13 +35959,101 @@
   <p:clrMapOvr>
     <a:masterClrMapping/>
   </p:clrMapOvr>
-  <p:timing>
-    <p:tnLst>
-      <p:par>
-        <p:cTn id="1" dur="indefinite" restart="never" nodeType="tmRoot"/>
-      </p:par>
-    </p:tnLst>
-  </p:timing>
+</p:sld>
+</file>
+
+<file path=ppt/slides/slide30.xml><?xml version="1.0" encoding="utf-8"?>
+<p:sld xmlns:a="http://schemas.openxmlformats.org/drawingml/2006/main" xmlns:r="http://schemas.openxmlformats.org/officeDocument/2006/relationships" xmlns:p="http://schemas.openxmlformats.org/presentationml/2006/main">
+  <p:cSld>
+    <p:spTree>
+      <p:nvGrpSpPr>
+        <p:cNvPr id="1" name=""/>
+        <p:cNvGrpSpPr/>
+        <p:nvPr/>
+      </p:nvGrpSpPr>
+      <p:grpSpPr>
+        <a:xfrm>
+          <a:off x="0" y="0"/>
+          <a:ext cx="0" cy="0"/>
+          <a:chOff x="0" y="0"/>
+          <a:chExt cx="0" cy="0"/>
+        </a:xfrm>
+      </p:grpSpPr>
+      <p:sp>
+        <p:nvSpPr>
+          <p:cNvPr id="2" name="Title 1"/>
+          <p:cNvSpPr>
+            <a:spLocks noGrp="1"/>
+          </p:cNvSpPr>
+          <p:nvPr>
+            <p:ph type="title"/>
+          </p:nvPr>
+        </p:nvSpPr>
+        <p:spPr/>
+        <p:txBody>
+          <a:bodyPr/>
+          <a:lstStyle/>
+          <a:p>
+            <a:r>
+              <a:rPr lang="en-US" dirty="0"/>
+              <a:t>Hierarchical Clustering</a:t>
+            </a:r>
+          </a:p>
+        </p:txBody>
+      </p:sp>
+      <p:sp>
+        <p:nvSpPr>
+          <p:cNvPr id="3" name="Content Placeholder 2"/>
+          <p:cNvSpPr>
+            <a:spLocks noGrp="1"/>
+          </p:cNvSpPr>
+          <p:nvPr>
+            <p:ph idx="1"/>
+          </p:nvPr>
+        </p:nvSpPr>
+        <p:spPr/>
+        <p:txBody>
+          <a:bodyPr/>
+          <a:lstStyle/>
+          <a:p>
+            <a:pPr marL="0" indent="0">
+              <a:buNone/>
+            </a:pPr>
+            <a:r>
+              <a:rPr lang="en-US" dirty="0"/>
+              <a:t>General Idea:</a:t>
+            </a:r>
+          </a:p>
+          <a:p>
+            <a:r>
+              <a:rPr lang="en-US" dirty="0"/>
+              <a:t>Find the closest two points and cluster them</a:t>
+            </a:r>
+          </a:p>
+          <a:p>
+            <a:r>
+              <a:rPr lang="en-US" dirty="0"/>
+              <a:t>The clustered points are considered as a new point</a:t>
+            </a:r>
+          </a:p>
+          <a:p>
+            <a:r>
+              <a:rPr lang="en-US" dirty="0"/>
+              <a:t>Repeat until the distance of the closest two points is too large</a:t>
+            </a:r>
+          </a:p>
+        </p:txBody>
+      </p:sp>
+    </p:spTree>
+    <p:extLst>
+      <p:ext uri="{BB962C8B-B14F-4D97-AF65-F5344CB8AC3E}">
+        <p14:creationId xmlns:p14="http://schemas.microsoft.com/office/powerpoint/2010/main" val="841631798"/>
+      </p:ext>
+    </p:extLst>
+  </p:cSld>
+  <p:clrMapOvr>
+    <a:masterClrMapping/>
+  </p:clrMapOvr>
 </p:sld>
 </file>
 
@@ -37143,13 +37031,6 @@
   <p:clrMapOvr>
     <a:masterClrMapping/>
   </p:clrMapOvr>
-  <p:timing>
-    <p:tnLst>
-      <p:par>
-        <p:cTn id="1" dur="indefinite" restart="never" nodeType="tmRoot"/>
-      </p:par>
-    </p:tnLst>
-  </p:timing>
 </p:sld>
 </file>
 
@@ -38162,13 +38043,6 @@
   <p:clrMapOvr>
     <a:masterClrMapping/>
   </p:clrMapOvr>
-  <p:timing>
-    <p:tnLst>
-      <p:par>
-        <p:cTn id="1" dur="indefinite" restart="never" nodeType="tmRoot"/>
-      </p:par>
-    </p:tnLst>
-  </p:timing>
 </p:sld>
 </file>
 
@@ -39219,13 +39093,6 @@
   <p:clrMapOvr>
     <a:masterClrMapping/>
   </p:clrMapOvr>
-  <p:timing>
-    <p:tnLst>
-      <p:par>
-        <p:cTn id="1" dur="indefinite" restart="never" nodeType="tmRoot"/>
-      </p:par>
-    </p:tnLst>
-  </p:timing>
 </p:sld>
 </file>
 
@@ -40311,13 +40178,6 @@
   <p:clrMapOvr>
     <a:masterClrMapping/>
   </p:clrMapOvr>
-  <p:timing>
-    <p:tnLst>
-      <p:par>
-        <p:cTn id="1" dur="indefinite" restart="never" nodeType="tmRoot"/>
-      </p:par>
-    </p:tnLst>
-  </p:timing>
 </p:sld>
 </file>
 
@@ -41438,13 +41298,6 @@
   <p:clrMapOvr>
     <a:masterClrMapping/>
   </p:clrMapOvr>
-  <p:timing>
-    <p:tnLst>
-      <p:par>
-        <p:cTn id="1" dur="indefinite" restart="never" nodeType="tmRoot"/>
-      </p:par>
-    </p:tnLst>
-  </p:timing>
 </p:sld>
 </file>
 
@@ -42603,13 +42456,6 @@
   <p:clrMapOvr>
     <a:masterClrMapping/>
   </p:clrMapOvr>
-  <p:timing>
-    <p:tnLst>
-      <p:par>
-        <p:cTn id="1" dur="indefinite" restart="never" nodeType="tmRoot"/>
-      </p:par>
-    </p:tnLst>
-  </p:timing>
 </p:sld>
 </file>
 

--- a/clases/Cap06_Clustering/presentations/PAT06_Hierarchic.pptx
+++ b/clases/Cap06_Clustering/presentations/PAT06_Hierarchic.pptx
@@ -237,7 +237,7 @@
           <a:p>
             <a:fld id="{089CB84B-3086-824D-91F5-F571CFDD3E7D}" type="datetimeFigureOut">
               <a:rPr lang="en-US" smtClean="0"/>
-              <a:t>6/4/19</a:t>
+              <a:t>6/18/20</a:t>
             </a:fld>
             <a:endParaRPr lang="en-US"/>
           </a:p>
@@ -775,9 +775,9 @@
           <a:bodyPr/>
           <a:lstStyle/>
           <a:p>
-            <a:fld id="{D3AE09B4-90D0-1245-B83D-B1B2932963E4}" type="datetimeFigureOut">
-              <a:rPr lang="en-US" smtClean="0"/>
-              <a:t>6/4/19</a:t>
+            <a:fld id="{6F68F242-6EC4-5445-B7C7-4C9F429449C2}" type="datetime1">
+              <a:rPr lang="en-AU" smtClean="0"/>
+              <a:t>18/6/20</a:t>
             </a:fld>
             <a:endParaRPr lang="en-US"/>
           </a:p>
@@ -945,9 +945,9 @@
           <a:bodyPr/>
           <a:lstStyle/>
           <a:p>
-            <a:fld id="{D3AE09B4-90D0-1245-B83D-B1B2932963E4}" type="datetimeFigureOut">
-              <a:rPr lang="en-US" smtClean="0"/>
-              <a:t>6/4/19</a:t>
+            <a:fld id="{3B40FCDB-6DD0-C149-AEE1-F969A6D9176C}" type="datetime1">
+              <a:rPr lang="en-AU" smtClean="0"/>
+              <a:t>18/6/20</a:t>
             </a:fld>
             <a:endParaRPr lang="en-US"/>
           </a:p>
@@ -1125,9 +1125,9 @@
           <a:bodyPr/>
           <a:lstStyle/>
           <a:p>
-            <a:fld id="{D3AE09B4-90D0-1245-B83D-B1B2932963E4}" type="datetimeFigureOut">
-              <a:rPr lang="en-US" smtClean="0"/>
-              <a:t>6/4/19</a:t>
+            <a:fld id="{6D81ECC1-BD20-AA42-8767-C58CF39F098F}" type="datetime1">
+              <a:rPr lang="en-AU" smtClean="0"/>
+              <a:t>18/6/20</a:t>
             </a:fld>
             <a:endParaRPr lang="en-US"/>
           </a:p>
@@ -1295,9 +1295,9 @@
           <a:bodyPr/>
           <a:lstStyle/>
           <a:p>
-            <a:fld id="{D3AE09B4-90D0-1245-B83D-B1B2932963E4}" type="datetimeFigureOut">
-              <a:rPr lang="en-US" smtClean="0"/>
-              <a:t>6/4/19</a:t>
+            <a:fld id="{65A6492C-63BA-EE4A-A24D-1E45A650536F}" type="datetime1">
+              <a:rPr lang="en-AU" smtClean="0"/>
+              <a:t>18/6/20</a:t>
             </a:fld>
             <a:endParaRPr lang="en-US"/>
           </a:p>
@@ -1541,9 +1541,9 @@
           <a:bodyPr/>
           <a:lstStyle/>
           <a:p>
-            <a:fld id="{D3AE09B4-90D0-1245-B83D-B1B2932963E4}" type="datetimeFigureOut">
-              <a:rPr lang="en-US" smtClean="0"/>
-              <a:t>6/4/19</a:t>
+            <a:fld id="{2D581AE9-29B3-E541-8F62-797D9A99B425}" type="datetime1">
+              <a:rPr lang="en-AU" smtClean="0"/>
+              <a:t>18/6/20</a:t>
             </a:fld>
             <a:endParaRPr lang="en-US"/>
           </a:p>
@@ -1829,9 +1829,9 @@
           <a:bodyPr/>
           <a:lstStyle/>
           <a:p>
-            <a:fld id="{D3AE09B4-90D0-1245-B83D-B1B2932963E4}" type="datetimeFigureOut">
-              <a:rPr lang="en-US" smtClean="0"/>
-              <a:t>6/4/19</a:t>
+            <a:fld id="{A7205613-BB5D-0647-8CA3-3349BFDA92DC}" type="datetime1">
+              <a:rPr lang="en-AU" smtClean="0"/>
+              <a:t>18/6/20</a:t>
             </a:fld>
             <a:endParaRPr lang="en-US"/>
           </a:p>
@@ -2251,9 +2251,9 @@
           <a:bodyPr/>
           <a:lstStyle/>
           <a:p>
-            <a:fld id="{D3AE09B4-90D0-1245-B83D-B1B2932963E4}" type="datetimeFigureOut">
-              <a:rPr lang="en-US" smtClean="0"/>
-              <a:t>6/4/19</a:t>
+            <a:fld id="{7A0FEEA6-4D93-A14A-99E5-6E831ECA329C}" type="datetime1">
+              <a:rPr lang="en-AU" smtClean="0"/>
+              <a:t>18/6/20</a:t>
             </a:fld>
             <a:endParaRPr lang="en-US"/>
           </a:p>
@@ -2369,9 +2369,9 @@
           <a:bodyPr/>
           <a:lstStyle/>
           <a:p>
-            <a:fld id="{D3AE09B4-90D0-1245-B83D-B1B2932963E4}" type="datetimeFigureOut">
-              <a:rPr lang="en-US" smtClean="0"/>
-              <a:t>6/4/19</a:t>
+            <a:fld id="{89735607-74C4-D549-87C7-455B1484F44B}" type="datetime1">
+              <a:rPr lang="en-AU" smtClean="0"/>
+              <a:t>18/6/20</a:t>
             </a:fld>
             <a:endParaRPr lang="en-US"/>
           </a:p>
@@ -2464,9 +2464,9 @@
           <a:bodyPr/>
           <a:lstStyle/>
           <a:p>
-            <a:fld id="{D3AE09B4-90D0-1245-B83D-B1B2932963E4}" type="datetimeFigureOut">
-              <a:rPr lang="en-US" smtClean="0"/>
-              <a:t>6/4/19</a:t>
+            <a:fld id="{39F6EDDB-4EB7-054F-885D-CFCDB8F947C4}" type="datetime1">
+              <a:rPr lang="en-AU" smtClean="0"/>
+              <a:t>18/6/20</a:t>
             </a:fld>
             <a:endParaRPr lang="en-US"/>
           </a:p>
@@ -2741,9 +2741,9 @@
           <a:bodyPr/>
           <a:lstStyle/>
           <a:p>
-            <a:fld id="{D3AE09B4-90D0-1245-B83D-B1B2932963E4}" type="datetimeFigureOut">
-              <a:rPr lang="en-US" smtClean="0"/>
-              <a:t>6/4/19</a:t>
+            <a:fld id="{67F6B806-A627-3148-BF01-B7F6DC784198}" type="datetime1">
+              <a:rPr lang="en-AU" smtClean="0"/>
+              <a:t>18/6/20</a:t>
             </a:fld>
             <a:endParaRPr lang="en-US"/>
           </a:p>
@@ -2994,9 +2994,9 @@
           <a:bodyPr/>
           <a:lstStyle/>
           <a:p>
-            <a:fld id="{D3AE09B4-90D0-1245-B83D-B1B2932963E4}" type="datetimeFigureOut">
-              <a:rPr lang="en-US" smtClean="0"/>
-              <a:t>6/4/19</a:t>
+            <a:fld id="{7A4FD8E7-9F86-DF45-BB3C-FFD9E939D12E}" type="datetime1">
+              <a:rPr lang="en-AU" smtClean="0"/>
+              <a:t>18/6/20</a:t>
             </a:fld>
             <a:endParaRPr lang="en-US"/>
           </a:p>
@@ -3205,9 +3205,9 @@
             </a:lvl1pPr>
           </a:lstStyle>
           <a:p>
-            <a:fld id="{D3AE09B4-90D0-1245-B83D-B1B2932963E4}" type="datetimeFigureOut">
-              <a:rPr lang="en-US" smtClean="0"/>
-              <a:t>6/4/19</a:t>
+            <a:fld id="{77DF3FDA-2C83-5942-B39B-A9FA0838DC6C}" type="datetime1">
+              <a:rPr lang="en-AU" smtClean="0"/>
+              <a:t>18/6/20</a:t>
             </a:fld>
             <a:endParaRPr lang="en-US"/>
           </a:p>
@@ -3312,6 +3312,7 @@
     <p:sldLayoutId id="2147483658" r:id="rId10"/>
     <p:sldLayoutId id="2147483659" r:id="rId11"/>
   </p:sldLayoutIdLst>
+  <p:hf hdr="0" ftr="0" dt="0"/>
   <p:txStyles>
     <p:titleStyle>
       <a:lvl1pPr algn="ctr" defTabSz="457200" rtl="0" eaLnBrk="1" latinLnBrk="0" hangingPunct="1">
@@ -4314,6 +4315,35 @@
               </a:rPr>
               <a:t>[ Capítulo 6 ]</a:t>
             </a:r>
+          </a:p>
+        </p:txBody>
+      </p:sp>
+      <p:sp>
+        <p:nvSpPr>
+          <p:cNvPr id="2" name="Slide Number Placeholder 1">
+            <a:extLst>
+              <a:ext uri="{FF2B5EF4-FFF2-40B4-BE49-F238E27FC236}">
+                <a16:creationId xmlns:a16="http://schemas.microsoft.com/office/drawing/2014/main" id="{E326444E-2C03-8747-86BF-10EE1FA6CC02}"/>
+              </a:ext>
+            </a:extLst>
+          </p:cNvPr>
+          <p:cNvSpPr>
+            <a:spLocks noGrp="1"/>
+          </p:cNvSpPr>
+          <p:nvPr>
+            <p:ph type="sldNum" sz="quarter" idx="12"/>
+          </p:nvPr>
+        </p:nvSpPr>
+        <p:spPr/>
+        <p:txBody>
+          <a:bodyPr/>
+          <a:lstStyle/>
+          <a:p>
+            <a:fld id="{9C0B2870-7350-8D40-A01A-CE539DF873CB}" type="slidenum">
+              <a:rPr lang="en-US" smtClean="0"/>
+              <a:t>1</a:t>
+            </a:fld>
+            <a:endParaRPr lang="en-US"/>
           </a:p>
         </p:txBody>
       </p:sp>
@@ -6014,6 +6044,77 @@
           </a:fontRef>
         </p:style>
       </p:cxnSp>
+      <p:sp>
+        <p:nvSpPr>
+          <p:cNvPr id="35" name="TextBox 34">
+            <a:extLst>
+              <a:ext uri="{FF2B5EF4-FFF2-40B4-BE49-F238E27FC236}">
+                <a16:creationId xmlns:a16="http://schemas.microsoft.com/office/drawing/2014/main" id="{72BBD7C3-3314-904E-8071-7B3683AEAA86}"/>
+              </a:ext>
+            </a:extLst>
+          </p:cNvPr>
+          <p:cNvSpPr txBox="1"/>
+          <p:nvPr/>
+        </p:nvSpPr>
+        <p:spPr>
+          <a:xfrm>
+            <a:off x="0" y="6538912"/>
+            <a:ext cx="1586653" cy="276999"/>
+          </a:xfrm>
+          <a:prstGeom prst="rect">
+            <a:avLst/>
+          </a:prstGeom>
+          <a:noFill/>
+        </p:spPr>
+        <p:txBody>
+          <a:bodyPr wrap="none" rtlCol="0">
+            <a:spAutoFit/>
+          </a:bodyPr>
+          <a:lstStyle/>
+          <a:p>
+            <a:r>
+              <a:rPr lang="en-US" sz="1200" dirty="0">
+                <a:solidFill>
+                  <a:schemeClr val="tx1">
+                    <a:lumMod val="50000"/>
+                    <a:lumOff val="50000"/>
+                  </a:schemeClr>
+                </a:solidFill>
+              </a:rPr>
+              <a:t>PAT06_Hierarchic.pptx</a:t>
+            </a:r>
+          </a:p>
+        </p:txBody>
+      </p:sp>
+      <p:sp>
+        <p:nvSpPr>
+          <p:cNvPr id="2" name="Slide Number Placeholder 1">
+            <a:extLst>
+              <a:ext uri="{FF2B5EF4-FFF2-40B4-BE49-F238E27FC236}">
+                <a16:creationId xmlns:a16="http://schemas.microsoft.com/office/drawing/2014/main" id="{86ADD419-5EC2-C343-A05B-0790AC3C82ED}"/>
+              </a:ext>
+            </a:extLst>
+          </p:cNvPr>
+          <p:cNvSpPr>
+            <a:spLocks noGrp="1"/>
+          </p:cNvSpPr>
+          <p:nvPr>
+            <p:ph type="sldNum" sz="quarter" idx="12"/>
+          </p:nvPr>
+        </p:nvSpPr>
+        <p:spPr/>
+        <p:txBody>
+          <a:bodyPr/>
+          <a:lstStyle/>
+          <a:p>
+            <a:fld id="{9C0B2870-7350-8D40-A01A-CE539DF873CB}" type="slidenum">
+              <a:rPr lang="en-US" smtClean="0"/>
+              <a:t>10</a:t>
+            </a:fld>
+            <a:endParaRPr lang="en-US"/>
+          </a:p>
+        </p:txBody>
+      </p:sp>
     </p:spTree>
     <p:extLst>
       <p:ext uri="{BB962C8B-B14F-4D97-AF65-F5344CB8AC3E}">
@@ -7248,6 +7349,77 @@
           </a:fontRef>
         </p:style>
       </p:cxnSp>
+      <p:sp>
+        <p:nvSpPr>
+          <p:cNvPr id="36" name="TextBox 35">
+            <a:extLst>
+              <a:ext uri="{FF2B5EF4-FFF2-40B4-BE49-F238E27FC236}">
+                <a16:creationId xmlns:a16="http://schemas.microsoft.com/office/drawing/2014/main" id="{81D650C5-9DC0-304D-BE25-4682798DEC27}"/>
+              </a:ext>
+            </a:extLst>
+          </p:cNvPr>
+          <p:cNvSpPr txBox="1"/>
+          <p:nvPr/>
+        </p:nvSpPr>
+        <p:spPr>
+          <a:xfrm>
+            <a:off x="0" y="6538912"/>
+            <a:ext cx="1586653" cy="276999"/>
+          </a:xfrm>
+          <a:prstGeom prst="rect">
+            <a:avLst/>
+          </a:prstGeom>
+          <a:noFill/>
+        </p:spPr>
+        <p:txBody>
+          <a:bodyPr wrap="none" rtlCol="0">
+            <a:spAutoFit/>
+          </a:bodyPr>
+          <a:lstStyle/>
+          <a:p>
+            <a:r>
+              <a:rPr lang="en-US" sz="1200" dirty="0">
+                <a:solidFill>
+                  <a:schemeClr val="tx1">
+                    <a:lumMod val="50000"/>
+                    <a:lumOff val="50000"/>
+                  </a:schemeClr>
+                </a:solidFill>
+              </a:rPr>
+              <a:t>PAT06_Hierarchic.pptx</a:t>
+            </a:r>
+          </a:p>
+        </p:txBody>
+      </p:sp>
+      <p:sp>
+        <p:nvSpPr>
+          <p:cNvPr id="2" name="Slide Number Placeholder 1">
+            <a:extLst>
+              <a:ext uri="{FF2B5EF4-FFF2-40B4-BE49-F238E27FC236}">
+                <a16:creationId xmlns:a16="http://schemas.microsoft.com/office/drawing/2014/main" id="{A0037C21-FCF7-8D40-A31F-59402766F486}"/>
+              </a:ext>
+            </a:extLst>
+          </p:cNvPr>
+          <p:cNvSpPr>
+            <a:spLocks noGrp="1"/>
+          </p:cNvSpPr>
+          <p:nvPr>
+            <p:ph type="sldNum" sz="quarter" idx="12"/>
+          </p:nvPr>
+        </p:nvSpPr>
+        <p:spPr/>
+        <p:txBody>
+          <a:bodyPr/>
+          <a:lstStyle/>
+          <a:p>
+            <a:fld id="{9C0B2870-7350-8D40-A01A-CE539DF873CB}" type="slidenum">
+              <a:rPr lang="en-US" smtClean="0"/>
+              <a:t>11</a:t>
+            </a:fld>
+            <a:endParaRPr lang="en-US"/>
+          </a:p>
+        </p:txBody>
+      </p:sp>
     </p:spTree>
     <p:extLst>
       <p:ext uri="{BB962C8B-B14F-4D97-AF65-F5344CB8AC3E}">
@@ -8517,6 +8689,77 @@
           </a:fontRef>
         </p:style>
       </p:cxnSp>
+      <p:sp>
+        <p:nvSpPr>
+          <p:cNvPr id="37" name="TextBox 36">
+            <a:extLst>
+              <a:ext uri="{FF2B5EF4-FFF2-40B4-BE49-F238E27FC236}">
+                <a16:creationId xmlns:a16="http://schemas.microsoft.com/office/drawing/2014/main" id="{A521C8D5-5F7C-8C44-BBA8-C8A6D793EA1A}"/>
+              </a:ext>
+            </a:extLst>
+          </p:cNvPr>
+          <p:cNvSpPr txBox="1"/>
+          <p:nvPr/>
+        </p:nvSpPr>
+        <p:spPr>
+          <a:xfrm>
+            <a:off x="0" y="6538912"/>
+            <a:ext cx="1586653" cy="276999"/>
+          </a:xfrm>
+          <a:prstGeom prst="rect">
+            <a:avLst/>
+          </a:prstGeom>
+          <a:noFill/>
+        </p:spPr>
+        <p:txBody>
+          <a:bodyPr wrap="none" rtlCol="0">
+            <a:spAutoFit/>
+          </a:bodyPr>
+          <a:lstStyle/>
+          <a:p>
+            <a:r>
+              <a:rPr lang="en-US" sz="1200" dirty="0">
+                <a:solidFill>
+                  <a:schemeClr val="tx1">
+                    <a:lumMod val="50000"/>
+                    <a:lumOff val="50000"/>
+                  </a:schemeClr>
+                </a:solidFill>
+              </a:rPr>
+              <a:t>PAT06_Hierarchic.pptx</a:t>
+            </a:r>
+          </a:p>
+        </p:txBody>
+      </p:sp>
+      <p:sp>
+        <p:nvSpPr>
+          <p:cNvPr id="2" name="Slide Number Placeholder 1">
+            <a:extLst>
+              <a:ext uri="{FF2B5EF4-FFF2-40B4-BE49-F238E27FC236}">
+                <a16:creationId xmlns:a16="http://schemas.microsoft.com/office/drawing/2014/main" id="{1CAE84DE-DFA4-5F4A-A955-173BFCE8733B}"/>
+              </a:ext>
+            </a:extLst>
+          </p:cNvPr>
+          <p:cNvSpPr>
+            <a:spLocks noGrp="1"/>
+          </p:cNvSpPr>
+          <p:nvPr>
+            <p:ph type="sldNum" sz="quarter" idx="12"/>
+          </p:nvPr>
+        </p:nvSpPr>
+        <p:spPr/>
+        <p:txBody>
+          <a:bodyPr/>
+          <a:lstStyle/>
+          <a:p>
+            <a:fld id="{9C0B2870-7350-8D40-A01A-CE539DF873CB}" type="slidenum">
+              <a:rPr lang="en-US" smtClean="0"/>
+              <a:t>12</a:t>
+            </a:fld>
+            <a:endParaRPr lang="en-US"/>
+          </a:p>
+        </p:txBody>
+      </p:sp>
     </p:spTree>
     <p:extLst>
       <p:ext uri="{BB962C8B-B14F-4D97-AF65-F5344CB8AC3E}">
@@ -9824,6 +10067,77 @@
           </a:fontRef>
         </p:style>
       </p:cxnSp>
+      <p:sp>
+        <p:nvSpPr>
+          <p:cNvPr id="38" name="TextBox 37">
+            <a:extLst>
+              <a:ext uri="{FF2B5EF4-FFF2-40B4-BE49-F238E27FC236}">
+                <a16:creationId xmlns:a16="http://schemas.microsoft.com/office/drawing/2014/main" id="{194CB61D-8E9A-5443-AB0A-FB5994E52E27}"/>
+              </a:ext>
+            </a:extLst>
+          </p:cNvPr>
+          <p:cNvSpPr txBox="1"/>
+          <p:nvPr/>
+        </p:nvSpPr>
+        <p:spPr>
+          <a:xfrm>
+            <a:off x="0" y="6538912"/>
+            <a:ext cx="1586653" cy="276999"/>
+          </a:xfrm>
+          <a:prstGeom prst="rect">
+            <a:avLst/>
+          </a:prstGeom>
+          <a:noFill/>
+        </p:spPr>
+        <p:txBody>
+          <a:bodyPr wrap="none" rtlCol="0">
+            <a:spAutoFit/>
+          </a:bodyPr>
+          <a:lstStyle/>
+          <a:p>
+            <a:r>
+              <a:rPr lang="en-US" sz="1200" dirty="0">
+                <a:solidFill>
+                  <a:schemeClr val="tx1">
+                    <a:lumMod val="50000"/>
+                    <a:lumOff val="50000"/>
+                  </a:schemeClr>
+                </a:solidFill>
+              </a:rPr>
+              <a:t>PAT06_Hierarchic.pptx</a:t>
+            </a:r>
+          </a:p>
+        </p:txBody>
+      </p:sp>
+      <p:sp>
+        <p:nvSpPr>
+          <p:cNvPr id="2" name="Slide Number Placeholder 1">
+            <a:extLst>
+              <a:ext uri="{FF2B5EF4-FFF2-40B4-BE49-F238E27FC236}">
+                <a16:creationId xmlns:a16="http://schemas.microsoft.com/office/drawing/2014/main" id="{E4C8086B-EA90-294A-8246-CDBA8B71A290}"/>
+              </a:ext>
+            </a:extLst>
+          </p:cNvPr>
+          <p:cNvSpPr>
+            <a:spLocks noGrp="1"/>
+          </p:cNvSpPr>
+          <p:nvPr>
+            <p:ph type="sldNum" sz="quarter" idx="12"/>
+          </p:nvPr>
+        </p:nvSpPr>
+        <p:spPr/>
+        <p:txBody>
+          <a:bodyPr/>
+          <a:lstStyle/>
+          <a:p>
+            <a:fld id="{9C0B2870-7350-8D40-A01A-CE539DF873CB}" type="slidenum">
+              <a:rPr lang="en-US" smtClean="0"/>
+              <a:t>13</a:t>
+            </a:fld>
+            <a:endParaRPr lang="en-US"/>
+          </a:p>
+        </p:txBody>
+      </p:sp>
     </p:spTree>
     <p:extLst>
       <p:ext uri="{BB962C8B-B14F-4D97-AF65-F5344CB8AC3E}">
@@ -11169,6 +11483,77 @@
           </a:fontRef>
         </p:style>
       </p:cxnSp>
+      <p:sp>
+        <p:nvSpPr>
+          <p:cNvPr id="39" name="TextBox 38">
+            <a:extLst>
+              <a:ext uri="{FF2B5EF4-FFF2-40B4-BE49-F238E27FC236}">
+                <a16:creationId xmlns:a16="http://schemas.microsoft.com/office/drawing/2014/main" id="{D46C4B28-965D-2244-8D9C-6DB833051E48}"/>
+              </a:ext>
+            </a:extLst>
+          </p:cNvPr>
+          <p:cNvSpPr txBox="1"/>
+          <p:nvPr/>
+        </p:nvSpPr>
+        <p:spPr>
+          <a:xfrm>
+            <a:off x="0" y="6538912"/>
+            <a:ext cx="1586653" cy="276999"/>
+          </a:xfrm>
+          <a:prstGeom prst="rect">
+            <a:avLst/>
+          </a:prstGeom>
+          <a:noFill/>
+        </p:spPr>
+        <p:txBody>
+          <a:bodyPr wrap="none" rtlCol="0">
+            <a:spAutoFit/>
+          </a:bodyPr>
+          <a:lstStyle/>
+          <a:p>
+            <a:r>
+              <a:rPr lang="en-US" sz="1200" dirty="0">
+                <a:solidFill>
+                  <a:schemeClr val="tx1">
+                    <a:lumMod val="50000"/>
+                    <a:lumOff val="50000"/>
+                  </a:schemeClr>
+                </a:solidFill>
+              </a:rPr>
+              <a:t>PAT06_Hierarchic.pptx</a:t>
+            </a:r>
+          </a:p>
+        </p:txBody>
+      </p:sp>
+      <p:sp>
+        <p:nvSpPr>
+          <p:cNvPr id="2" name="Slide Number Placeholder 1">
+            <a:extLst>
+              <a:ext uri="{FF2B5EF4-FFF2-40B4-BE49-F238E27FC236}">
+                <a16:creationId xmlns:a16="http://schemas.microsoft.com/office/drawing/2014/main" id="{A2F653D7-D7D4-4B49-9C5F-12F5E0183D4D}"/>
+              </a:ext>
+            </a:extLst>
+          </p:cNvPr>
+          <p:cNvSpPr>
+            <a:spLocks noGrp="1"/>
+          </p:cNvSpPr>
+          <p:nvPr>
+            <p:ph type="sldNum" sz="quarter" idx="12"/>
+          </p:nvPr>
+        </p:nvSpPr>
+        <p:spPr/>
+        <p:txBody>
+          <a:bodyPr/>
+          <a:lstStyle/>
+          <a:p>
+            <a:fld id="{9C0B2870-7350-8D40-A01A-CE539DF873CB}" type="slidenum">
+              <a:rPr lang="en-US" smtClean="0"/>
+              <a:t>14</a:t>
+            </a:fld>
+            <a:endParaRPr lang="en-US"/>
+          </a:p>
+        </p:txBody>
+      </p:sp>
     </p:spTree>
     <p:extLst>
       <p:ext uri="{BB962C8B-B14F-4D97-AF65-F5344CB8AC3E}">
@@ -12552,6 +12937,77 @@
           </a:fontRef>
         </p:style>
       </p:cxnSp>
+      <p:sp>
+        <p:nvSpPr>
+          <p:cNvPr id="40" name="TextBox 39">
+            <a:extLst>
+              <a:ext uri="{FF2B5EF4-FFF2-40B4-BE49-F238E27FC236}">
+                <a16:creationId xmlns:a16="http://schemas.microsoft.com/office/drawing/2014/main" id="{062B08FF-982F-4F4D-A17C-AC2CB11A98EF}"/>
+              </a:ext>
+            </a:extLst>
+          </p:cNvPr>
+          <p:cNvSpPr txBox="1"/>
+          <p:nvPr/>
+        </p:nvSpPr>
+        <p:spPr>
+          <a:xfrm>
+            <a:off x="0" y="6538912"/>
+            <a:ext cx="1586653" cy="276999"/>
+          </a:xfrm>
+          <a:prstGeom prst="rect">
+            <a:avLst/>
+          </a:prstGeom>
+          <a:noFill/>
+        </p:spPr>
+        <p:txBody>
+          <a:bodyPr wrap="none" rtlCol="0">
+            <a:spAutoFit/>
+          </a:bodyPr>
+          <a:lstStyle/>
+          <a:p>
+            <a:r>
+              <a:rPr lang="en-US" sz="1200" dirty="0">
+                <a:solidFill>
+                  <a:schemeClr val="tx1">
+                    <a:lumMod val="50000"/>
+                    <a:lumOff val="50000"/>
+                  </a:schemeClr>
+                </a:solidFill>
+              </a:rPr>
+              <a:t>PAT06_Hierarchic.pptx</a:t>
+            </a:r>
+          </a:p>
+        </p:txBody>
+      </p:sp>
+      <p:sp>
+        <p:nvSpPr>
+          <p:cNvPr id="2" name="Slide Number Placeholder 1">
+            <a:extLst>
+              <a:ext uri="{FF2B5EF4-FFF2-40B4-BE49-F238E27FC236}">
+                <a16:creationId xmlns:a16="http://schemas.microsoft.com/office/drawing/2014/main" id="{30C9C283-E018-E547-A43B-A4A03425F915}"/>
+              </a:ext>
+            </a:extLst>
+          </p:cNvPr>
+          <p:cNvSpPr>
+            <a:spLocks noGrp="1"/>
+          </p:cNvSpPr>
+          <p:nvPr>
+            <p:ph type="sldNum" sz="quarter" idx="12"/>
+          </p:nvPr>
+        </p:nvSpPr>
+        <p:spPr/>
+        <p:txBody>
+          <a:bodyPr/>
+          <a:lstStyle/>
+          <a:p>
+            <a:fld id="{9C0B2870-7350-8D40-A01A-CE539DF873CB}" type="slidenum">
+              <a:rPr lang="en-US" smtClean="0"/>
+              <a:t>15</a:t>
+            </a:fld>
+            <a:endParaRPr lang="en-US"/>
+          </a:p>
+        </p:txBody>
+      </p:sp>
     </p:spTree>
     <p:extLst>
       <p:ext uri="{BB962C8B-B14F-4D97-AF65-F5344CB8AC3E}">
@@ -13973,6 +14429,77 @@
           </a:fontRef>
         </p:style>
       </p:cxnSp>
+      <p:sp>
+        <p:nvSpPr>
+          <p:cNvPr id="41" name="TextBox 40">
+            <a:extLst>
+              <a:ext uri="{FF2B5EF4-FFF2-40B4-BE49-F238E27FC236}">
+                <a16:creationId xmlns:a16="http://schemas.microsoft.com/office/drawing/2014/main" id="{2FBFB573-B1A1-FC41-8212-0D03F75B1535}"/>
+              </a:ext>
+            </a:extLst>
+          </p:cNvPr>
+          <p:cNvSpPr txBox="1"/>
+          <p:nvPr/>
+        </p:nvSpPr>
+        <p:spPr>
+          <a:xfrm>
+            <a:off x="0" y="6538912"/>
+            <a:ext cx="1586653" cy="276999"/>
+          </a:xfrm>
+          <a:prstGeom prst="rect">
+            <a:avLst/>
+          </a:prstGeom>
+          <a:noFill/>
+        </p:spPr>
+        <p:txBody>
+          <a:bodyPr wrap="none" rtlCol="0">
+            <a:spAutoFit/>
+          </a:bodyPr>
+          <a:lstStyle/>
+          <a:p>
+            <a:r>
+              <a:rPr lang="en-US" sz="1200" dirty="0">
+                <a:solidFill>
+                  <a:schemeClr val="tx1">
+                    <a:lumMod val="50000"/>
+                    <a:lumOff val="50000"/>
+                  </a:schemeClr>
+                </a:solidFill>
+              </a:rPr>
+              <a:t>PAT06_Hierarchic.pptx</a:t>
+            </a:r>
+          </a:p>
+        </p:txBody>
+      </p:sp>
+      <p:sp>
+        <p:nvSpPr>
+          <p:cNvPr id="2" name="Slide Number Placeholder 1">
+            <a:extLst>
+              <a:ext uri="{FF2B5EF4-FFF2-40B4-BE49-F238E27FC236}">
+                <a16:creationId xmlns:a16="http://schemas.microsoft.com/office/drawing/2014/main" id="{BBA405D2-A5F6-EB44-96E7-0A7C93CF785A}"/>
+              </a:ext>
+            </a:extLst>
+          </p:cNvPr>
+          <p:cNvSpPr>
+            <a:spLocks noGrp="1"/>
+          </p:cNvSpPr>
+          <p:nvPr>
+            <p:ph type="sldNum" sz="quarter" idx="12"/>
+          </p:nvPr>
+        </p:nvSpPr>
+        <p:spPr/>
+        <p:txBody>
+          <a:bodyPr/>
+          <a:lstStyle/>
+          <a:p>
+            <a:fld id="{9C0B2870-7350-8D40-A01A-CE539DF873CB}" type="slidenum">
+              <a:rPr lang="en-US" smtClean="0"/>
+              <a:t>16</a:t>
+            </a:fld>
+            <a:endParaRPr lang="en-US"/>
+          </a:p>
+        </p:txBody>
+      </p:sp>
     </p:spTree>
     <p:extLst>
       <p:ext uri="{BB962C8B-B14F-4D97-AF65-F5344CB8AC3E}">
@@ -15432,6 +15959,77 @@
           </a:fontRef>
         </p:style>
       </p:cxnSp>
+      <p:sp>
+        <p:nvSpPr>
+          <p:cNvPr id="42" name="TextBox 41">
+            <a:extLst>
+              <a:ext uri="{FF2B5EF4-FFF2-40B4-BE49-F238E27FC236}">
+                <a16:creationId xmlns:a16="http://schemas.microsoft.com/office/drawing/2014/main" id="{9F8B8FA6-2302-B14B-BA86-92EAEDAA0B2A}"/>
+              </a:ext>
+            </a:extLst>
+          </p:cNvPr>
+          <p:cNvSpPr txBox="1"/>
+          <p:nvPr/>
+        </p:nvSpPr>
+        <p:spPr>
+          <a:xfrm>
+            <a:off x="0" y="6538912"/>
+            <a:ext cx="1586653" cy="276999"/>
+          </a:xfrm>
+          <a:prstGeom prst="rect">
+            <a:avLst/>
+          </a:prstGeom>
+          <a:noFill/>
+        </p:spPr>
+        <p:txBody>
+          <a:bodyPr wrap="none" rtlCol="0">
+            <a:spAutoFit/>
+          </a:bodyPr>
+          <a:lstStyle/>
+          <a:p>
+            <a:r>
+              <a:rPr lang="en-US" sz="1200" dirty="0">
+                <a:solidFill>
+                  <a:schemeClr val="tx1">
+                    <a:lumMod val="50000"/>
+                    <a:lumOff val="50000"/>
+                  </a:schemeClr>
+                </a:solidFill>
+              </a:rPr>
+              <a:t>PAT06_Hierarchic.pptx</a:t>
+            </a:r>
+          </a:p>
+        </p:txBody>
+      </p:sp>
+      <p:sp>
+        <p:nvSpPr>
+          <p:cNvPr id="2" name="Slide Number Placeholder 1">
+            <a:extLst>
+              <a:ext uri="{FF2B5EF4-FFF2-40B4-BE49-F238E27FC236}">
+                <a16:creationId xmlns:a16="http://schemas.microsoft.com/office/drawing/2014/main" id="{678EFBEB-0AB5-254B-A233-14755533893F}"/>
+              </a:ext>
+            </a:extLst>
+          </p:cNvPr>
+          <p:cNvSpPr>
+            <a:spLocks noGrp="1"/>
+          </p:cNvSpPr>
+          <p:nvPr>
+            <p:ph type="sldNum" sz="quarter" idx="12"/>
+          </p:nvPr>
+        </p:nvSpPr>
+        <p:spPr/>
+        <p:txBody>
+          <a:bodyPr/>
+          <a:lstStyle/>
+          <a:p>
+            <a:fld id="{9C0B2870-7350-8D40-A01A-CE539DF873CB}" type="slidenum">
+              <a:rPr lang="en-US" smtClean="0"/>
+              <a:t>17</a:t>
+            </a:fld>
+            <a:endParaRPr lang="en-US"/>
+          </a:p>
+        </p:txBody>
+      </p:sp>
     </p:spTree>
     <p:extLst>
       <p:ext uri="{BB962C8B-B14F-4D97-AF65-F5344CB8AC3E}">
@@ -16926,6 +17524,77 @@
           </a:fontRef>
         </p:style>
       </p:cxnSp>
+      <p:sp>
+        <p:nvSpPr>
+          <p:cNvPr id="43" name="TextBox 42">
+            <a:extLst>
+              <a:ext uri="{FF2B5EF4-FFF2-40B4-BE49-F238E27FC236}">
+                <a16:creationId xmlns:a16="http://schemas.microsoft.com/office/drawing/2014/main" id="{5D9D41B1-568D-4A4D-932C-650983A14EB0}"/>
+              </a:ext>
+            </a:extLst>
+          </p:cNvPr>
+          <p:cNvSpPr txBox="1"/>
+          <p:nvPr/>
+        </p:nvSpPr>
+        <p:spPr>
+          <a:xfrm>
+            <a:off x="0" y="6538912"/>
+            <a:ext cx="1586653" cy="276999"/>
+          </a:xfrm>
+          <a:prstGeom prst="rect">
+            <a:avLst/>
+          </a:prstGeom>
+          <a:noFill/>
+        </p:spPr>
+        <p:txBody>
+          <a:bodyPr wrap="none" rtlCol="0">
+            <a:spAutoFit/>
+          </a:bodyPr>
+          <a:lstStyle/>
+          <a:p>
+            <a:r>
+              <a:rPr lang="en-US" sz="1200" dirty="0">
+                <a:solidFill>
+                  <a:schemeClr val="tx1">
+                    <a:lumMod val="50000"/>
+                    <a:lumOff val="50000"/>
+                  </a:schemeClr>
+                </a:solidFill>
+              </a:rPr>
+              <a:t>PAT06_Hierarchic.pptx</a:t>
+            </a:r>
+          </a:p>
+        </p:txBody>
+      </p:sp>
+      <p:sp>
+        <p:nvSpPr>
+          <p:cNvPr id="2" name="Slide Number Placeholder 1">
+            <a:extLst>
+              <a:ext uri="{FF2B5EF4-FFF2-40B4-BE49-F238E27FC236}">
+                <a16:creationId xmlns:a16="http://schemas.microsoft.com/office/drawing/2014/main" id="{5673A668-8FE2-FC4C-8DAB-AF24B8CB0A7C}"/>
+              </a:ext>
+            </a:extLst>
+          </p:cNvPr>
+          <p:cNvSpPr>
+            <a:spLocks noGrp="1"/>
+          </p:cNvSpPr>
+          <p:nvPr>
+            <p:ph type="sldNum" sz="quarter" idx="12"/>
+          </p:nvPr>
+        </p:nvSpPr>
+        <p:spPr/>
+        <p:txBody>
+          <a:bodyPr/>
+          <a:lstStyle/>
+          <a:p>
+            <a:fld id="{9C0B2870-7350-8D40-A01A-CE539DF873CB}" type="slidenum">
+              <a:rPr lang="en-US" smtClean="0"/>
+              <a:t>18</a:t>
+            </a:fld>
+            <a:endParaRPr lang="en-US"/>
+          </a:p>
+        </p:txBody>
+      </p:sp>
     </p:spTree>
     <p:extLst>
       <p:ext uri="{BB962C8B-B14F-4D97-AF65-F5344CB8AC3E}">
@@ -18458,6 +19127,77 @@
           </a:fontRef>
         </p:style>
       </p:cxnSp>
+      <p:sp>
+        <p:nvSpPr>
+          <p:cNvPr id="44" name="TextBox 43">
+            <a:extLst>
+              <a:ext uri="{FF2B5EF4-FFF2-40B4-BE49-F238E27FC236}">
+                <a16:creationId xmlns:a16="http://schemas.microsoft.com/office/drawing/2014/main" id="{F363E3F0-88BB-954F-B851-1E06DAB960CC}"/>
+              </a:ext>
+            </a:extLst>
+          </p:cNvPr>
+          <p:cNvSpPr txBox="1"/>
+          <p:nvPr/>
+        </p:nvSpPr>
+        <p:spPr>
+          <a:xfrm>
+            <a:off x="0" y="6538912"/>
+            <a:ext cx="1586653" cy="276999"/>
+          </a:xfrm>
+          <a:prstGeom prst="rect">
+            <a:avLst/>
+          </a:prstGeom>
+          <a:noFill/>
+        </p:spPr>
+        <p:txBody>
+          <a:bodyPr wrap="none" rtlCol="0">
+            <a:spAutoFit/>
+          </a:bodyPr>
+          <a:lstStyle/>
+          <a:p>
+            <a:r>
+              <a:rPr lang="en-US" sz="1200" dirty="0">
+                <a:solidFill>
+                  <a:schemeClr val="tx1">
+                    <a:lumMod val="50000"/>
+                    <a:lumOff val="50000"/>
+                  </a:schemeClr>
+                </a:solidFill>
+              </a:rPr>
+              <a:t>PAT06_Hierarchic.pptx</a:t>
+            </a:r>
+          </a:p>
+        </p:txBody>
+      </p:sp>
+      <p:sp>
+        <p:nvSpPr>
+          <p:cNvPr id="2" name="Slide Number Placeholder 1">
+            <a:extLst>
+              <a:ext uri="{FF2B5EF4-FFF2-40B4-BE49-F238E27FC236}">
+                <a16:creationId xmlns:a16="http://schemas.microsoft.com/office/drawing/2014/main" id="{419C0C53-2C21-E343-976D-94489876C1C3}"/>
+              </a:ext>
+            </a:extLst>
+          </p:cNvPr>
+          <p:cNvSpPr>
+            <a:spLocks noGrp="1"/>
+          </p:cNvSpPr>
+          <p:nvPr>
+            <p:ph type="sldNum" sz="quarter" idx="12"/>
+          </p:nvPr>
+        </p:nvSpPr>
+        <p:spPr/>
+        <p:txBody>
+          <a:bodyPr/>
+          <a:lstStyle/>
+          <a:p>
+            <a:fld id="{9C0B2870-7350-8D40-A01A-CE539DF873CB}" type="slidenum">
+              <a:rPr lang="en-US" smtClean="0"/>
+              <a:t>19</a:t>
+            </a:fld>
+            <a:endParaRPr lang="en-US"/>
+          </a:p>
+        </p:txBody>
+      </p:sp>
     </p:spTree>
     <p:extLst>
       <p:ext uri="{BB962C8B-B14F-4D97-AF65-F5344CB8AC3E}">
@@ -18553,6 +19293,77 @@
           </a:p>
         </p:txBody>
       </p:sp>
+      <p:sp>
+        <p:nvSpPr>
+          <p:cNvPr id="4" name="TextBox 3">
+            <a:extLst>
+              <a:ext uri="{FF2B5EF4-FFF2-40B4-BE49-F238E27FC236}">
+                <a16:creationId xmlns:a16="http://schemas.microsoft.com/office/drawing/2014/main" id="{EBE38E4F-0DA8-514A-8307-799A7C4C5FE0}"/>
+              </a:ext>
+            </a:extLst>
+          </p:cNvPr>
+          <p:cNvSpPr txBox="1"/>
+          <p:nvPr/>
+        </p:nvSpPr>
+        <p:spPr>
+          <a:xfrm>
+            <a:off x="0" y="6538912"/>
+            <a:ext cx="1586653" cy="276999"/>
+          </a:xfrm>
+          <a:prstGeom prst="rect">
+            <a:avLst/>
+          </a:prstGeom>
+          <a:noFill/>
+        </p:spPr>
+        <p:txBody>
+          <a:bodyPr wrap="none" rtlCol="0">
+            <a:spAutoFit/>
+          </a:bodyPr>
+          <a:lstStyle/>
+          <a:p>
+            <a:r>
+              <a:rPr lang="en-US" sz="1200" dirty="0">
+                <a:solidFill>
+                  <a:schemeClr val="tx1">
+                    <a:lumMod val="50000"/>
+                    <a:lumOff val="50000"/>
+                  </a:schemeClr>
+                </a:solidFill>
+              </a:rPr>
+              <a:t>PAT06_Hierarchic.pptx</a:t>
+            </a:r>
+          </a:p>
+        </p:txBody>
+      </p:sp>
+      <p:sp>
+        <p:nvSpPr>
+          <p:cNvPr id="5" name="Slide Number Placeholder 4">
+            <a:extLst>
+              <a:ext uri="{FF2B5EF4-FFF2-40B4-BE49-F238E27FC236}">
+                <a16:creationId xmlns:a16="http://schemas.microsoft.com/office/drawing/2014/main" id="{BD451EC7-EDBD-F94B-AA04-20AD02ADBB25}"/>
+              </a:ext>
+            </a:extLst>
+          </p:cNvPr>
+          <p:cNvSpPr>
+            <a:spLocks noGrp="1"/>
+          </p:cNvSpPr>
+          <p:nvPr>
+            <p:ph type="sldNum" sz="quarter" idx="12"/>
+          </p:nvPr>
+        </p:nvSpPr>
+        <p:spPr/>
+        <p:txBody>
+          <a:bodyPr/>
+          <a:lstStyle/>
+          <a:p>
+            <a:fld id="{9C0B2870-7350-8D40-A01A-CE539DF873CB}" type="slidenum">
+              <a:rPr lang="en-US" smtClean="0"/>
+              <a:t>2</a:t>
+            </a:fld>
+            <a:endParaRPr lang="en-US"/>
+          </a:p>
+        </p:txBody>
+      </p:sp>
     </p:spTree>
     <p:extLst>
       <p:ext uri="{BB962C8B-B14F-4D97-AF65-F5344CB8AC3E}">
@@ -20123,6 +20934,77 @@
           </a:fontRef>
         </p:style>
       </p:cxnSp>
+      <p:sp>
+        <p:nvSpPr>
+          <p:cNvPr id="45" name="TextBox 44">
+            <a:extLst>
+              <a:ext uri="{FF2B5EF4-FFF2-40B4-BE49-F238E27FC236}">
+                <a16:creationId xmlns:a16="http://schemas.microsoft.com/office/drawing/2014/main" id="{AB6229B1-3694-D440-8932-5BE5DAA2A55A}"/>
+              </a:ext>
+            </a:extLst>
+          </p:cNvPr>
+          <p:cNvSpPr txBox="1"/>
+          <p:nvPr/>
+        </p:nvSpPr>
+        <p:spPr>
+          <a:xfrm>
+            <a:off x="0" y="6538912"/>
+            <a:ext cx="1586653" cy="276999"/>
+          </a:xfrm>
+          <a:prstGeom prst="rect">
+            <a:avLst/>
+          </a:prstGeom>
+          <a:noFill/>
+        </p:spPr>
+        <p:txBody>
+          <a:bodyPr wrap="none" rtlCol="0">
+            <a:spAutoFit/>
+          </a:bodyPr>
+          <a:lstStyle/>
+          <a:p>
+            <a:r>
+              <a:rPr lang="en-US" sz="1200" dirty="0">
+                <a:solidFill>
+                  <a:schemeClr val="tx1">
+                    <a:lumMod val="50000"/>
+                    <a:lumOff val="50000"/>
+                  </a:schemeClr>
+                </a:solidFill>
+              </a:rPr>
+              <a:t>PAT06_Hierarchic.pptx</a:t>
+            </a:r>
+          </a:p>
+        </p:txBody>
+      </p:sp>
+      <p:sp>
+        <p:nvSpPr>
+          <p:cNvPr id="2" name="Slide Number Placeholder 1">
+            <a:extLst>
+              <a:ext uri="{FF2B5EF4-FFF2-40B4-BE49-F238E27FC236}">
+                <a16:creationId xmlns:a16="http://schemas.microsoft.com/office/drawing/2014/main" id="{E6F7A7E2-8395-4F4E-8FE2-280146530340}"/>
+              </a:ext>
+            </a:extLst>
+          </p:cNvPr>
+          <p:cNvSpPr>
+            <a:spLocks noGrp="1"/>
+          </p:cNvSpPr>
+          <p:nvPr>
+            <p:ph type="sldNum" sz="quarter" idx="12"/>
+          </p:nvPr>
+        </p:nvSpPr>
+        <p:spPr/>
+        <p:txBody>
+          <a:bodyPr/>
+          <a:lstStyle/>
+          <a:p>
+            <a:fld id="{9C0B2870-7350-8D40-A01A-CE539DF873CB}" type="slidenum">
+              <a:rPr lang="en-US" smtClean="0"/>
+              <a:t>20</a:t>
+            </a:fld>
+            <a:endParaRPr lang="en-US"/>
+          </a:p>
+        </p:txBody>
+      </p:sp>
     </p:spTree>
     <p:extLst>
       <p:ext uri="{BB962C8B-B14F-4D97-AF65-F5344CB8AC3E}">
@@ -21731,6 +22613,77 @@
           </a:fontRef>
         </p:style>
       </p:cxnSp>
+      <p:sp>
+        <p:nvSpPr>
+          <p:cNvPr id="46" name="TextBox 45">
+            <a:extLst>
+              <a:ext uri="{FF2B5EF4-FFF2-40B4-BE49-F238E27FC236}">
+                <a16:creationId xmlns:a16="http://schemas.microsoft.com/office/drawing/2014/main" id="{AD75B7B0-63F1-FA44-BEFB-BC515E4EE1A0}"/>
+              </a:ext>
+            </a:extLst>
+          </p:cNvPr>
+          <p:cNvSpPr txBox="1"/>
+          <p:nvPr/>
+        </p:nvSpPr>
+        <p:spPr>
+          <a:xfrm>
+            <a:off x="0" y="6538912"/>
+            <a:ext cx="1586653" cy="276999"/>
+          </a:xfrm>
+          <a:prstGeom prst="rect">
+            <a:avLst/>
+          </a:prstGeom>
+          <a:noFill/>
+        </p:spPr>
+        <p:txBody>
+          <a:bodyPr wrap="none" rtlCol="0">
+            <a:spAutoFit/>
+          </a:bodyPr>
+          <a:lstStyle/>
+          <a:p>
+            <a:r>
+              <a:rPr lang="en-US" sz="1200" dirty="0">
+                <a:solidFill>
+                  <a:schemeClr val="tx1">
+                    <a:lumMod val="50000"/>
+                    <a:lumOff val="50000"/>
+                  </a:schemeClr>
+                </a:solidFill>
+              </a:rPr>
+              <a:t>PAT06_Hierarchic.pptx</a:t>
+            </a:r>
+          </a:p>
+        </p:txBody>
+      </p:sp>
+      <p:sp>
+        <p:nvSpPr>
+          <p:cNvPr id="2" name="Slide Number Placeholder 1">
+            <a:extLst>
+              <a:ext uri="{FF2B5EF4-FFF2-40B4-BE49-F238E27FC236}">
+                <a16:creationId xmlns:a16="http://schemas.microsoft.com/office/drawing/2014/main" id="{3A7FE57C-DCD1-A34B-B4D5-53B1544DABF1}"/>
+              </a:ext>
+            </a:extLst>
+          </p:cNvPr>
+          <p:cNvSpPr>
+            <a:spLocks noGrp="1"/>
+          </p:cNvSpPr>
+          <p:nvPr>
+            <p:ph type="sldNum" sz="quarter" idx="12"/>
+          </p:nvPr>
+        </p:nvSpPr>
+        <p:spPr/>
+        <p:txBody>
+          <a:bodyPr/>
+          <a:lstStyle/>
+          <a:p>
+            <a:fld id="{9C0B2870-7350-8D40-A01A-CE539DF873CB}" type="slidenum">
+              <a:rPr lang="en-US" smtClean="0"/>
+              <a:t>21</a:t>
+            </a:fld>
+            <a:endParaRPr lang="en-US"/>
+          </a:p>
+        </p:txBody>
+      </p:sp>
     </p:spTree>
     <p:extLst>
       <p:ext uri="{BB962C8B-B14F-4D97-AF65-F5344CB8AC3E}">
@@ -23374,6 +24327,77 @@
           </a:fontRef>
         </p:style>
       </p:cxnSp>
+      <p:sp>
+        <p:nvSpPr>
+          <p:cNvPr id="47" name="TextBox 46">
+            <a:extLst>
+              <a:ext uri="{FF2B5EF4-FFF2-40B4-BE49-F238E27FC236}">
+                <a16:creationId xmlns:a16="http://schemas.microsoft.com/office/drawing/2014/main" id="{B6E6CFDF-CB12-664B-B6F2-EF6678EAD09B}"/>
+              </a:ext>
+            </a:extLst>
+          </p:cNvPr>
+          <p:cNvSpPr txBox="1"/>
+          <p:nvPr/>
+        </p:nvSpPr>
+        <p:spPr>
+          <a:xfrm>
+            <a:off x="0" y="6538912"/>
+            <a:ext cx="1586653" cy="276999"/>
+          </a:xfrm>
+          <a:prstGeom prst="rect">
+            <a:avLst/>
+          </a:prstGeom>
+          <a:noFill/>
+        </p:spPr>
+        <p:txBody>
+          <a:bodyPr wrap="none" rtlCol="0">
+            <a:spAutoFit/>
+          </a:bodyPr>
+          <a:lstStyle/>
+          <a:p>
+            <a:r>
+              <a:rPr lang="en-US" sz="1200" dirty="0">
+                <a:solidFill>
+                  <a:schemeClr val="tx1">
+                    <a:lumMod val="50000"/>
+                    <a:lumOff val="50000"/>
+                  </a:schemeClr>
+                </a:solidFill>
+              </a:rPr>
+              <a:t>PAT06_Hierarchic.pptx</a:t>
+            </a:r>
+          </a:p>
+        </p:txBody>
+      </p:sp>
+      <p:sp>
+        <p:nvSpPr>
+          <p:cNvPr id="2" name="Slide Number Placeholder 1">
+            <a:extLst>
+              <a:ext uri="{FF2B5EF4-FFF2-40B4-BE49-F238E27FC236}">
+                <a16:creationId xmlns:a16="http://schemas.microsoft.com/office/drawing/2014/main" id="{811F14BA-D46A-E142-9C27-8EA2D5CF3F84}"/>
+              </a:ext>
+            </a:extLst>
+          </p:cNvPr>
+          <p:cNvSpPr>
+            <a:spLocks noGrp="1"/>
+          </p:cNvSpPr>
+          <p:nvPr>
+            <p:ph type="sldNum" sz="quarter" idx="12"/>
+          </p:nvPr>
+        </p:nvSpPr>
+        <p:spPr/>
+        <p:txBody>
+          <a:bodyPr/>
+          <a:lstStyle/>
+          <a:p>
+            <a:fld id="{9C0B2870-7350-8D40-A01A-CE539DF873CB}" type="slidenum">
+              <a:rPr lang="en-US" smtClean="0"/>
+              <a:t>22</a:t>
+            </a:fld>
+            <a:endParaRPr lang="en-US"/>
+          </a:p>
+        </p:txBody>
+      </p:sp>
     </p:spTree>
     <p:extLst>
       <p:ext uri="{BB962C8B-B14F-4D97-AF65-F5344CB8AC3E}">
@@ -25055,6 +26079,77 @@
           </a:fontRef>
         </p:style>
       </p:cxnSp>
+      <p:sp>
+        <p:nvSpPr>
+          <p:cNvPr id="48" name="TextBox 47">
+            <a:extLst>
+              <a:ext uri="{FF2B5EF4-FFF2-40B4-BE49-F238E27FC236}">
+                <a16:creationId xmlns:a16="http://schemas.microsoft.com/office/drawing/2014/main" id="{545ADAE5-21AF-724D-9EF9-B3672E50918F}"/>
+              </a:ext>
+            </a:extLst>
+          </p:cNvPr>
+          <p:cNvSpPr txBox="1"/>
+          <p:nvPr/>
+        </p:nvSpPr>
+        <p:spPr>
+          <a:xfrm>
+            <a:off x="0" y="6538912"/>
+            <a:ext cx="1586653" cy="276999"/>
+          </a:xfrm>
+          <a:prstGeom prst="rect">
+            <a:avLst/>
+          </a:prstGeom>
+          <a:noFill/>
+        </p:spPr>
+        <p:txBody>
+          <a:bodyPr wrap="none" rtlCol="0">
+            <a:spAutoFit/>
+          </a:bodyPr>
+          <a:lstStyle/>
+          <a:p>
+            <a:r>
+              <a:rPr lang="en-US" sz="1200" dirty="0">
+                <a:solidFill>
+                  <a:schemeClr val="tx1">
+                    <a:lumMod val="50000"/>
+                    <a:lumOff val="50000"/>
+                  </a:schemeClr>
+                </a:solidFill>
+              </a:rPr>
+              <a:t>PAT06_Hierarchic.pptx</a:t>
+            </a:r>
+          </a:p>
+        </p:txBody>
+      </p:sp>
+      <p:sp>
+        <p:nvSpPr>
+          <p:cNvPr id="2" name="Slide Number Placeholder 1">
+            <a:extLst>
+              <a:ext uri="{FF2B5EF4-FFF2-40B4-BE49-F238E27FC236}">
+                <a16:creationId xmlns:a16="http://schemas.microsoft.com/office/drawing/2014/main" id="{06C38BFA-FBFE-4B44-B235-B3B2F8EB3F03}"/>
+              </a:ext>
+            </a:extLst>
+          </p:cNvPr>
+          <p:cNvSpPr>
+            <a:spLocks noGrp="1"/>
+          </p:cNvSpPr>
+          <p:nvPr>
+            <p:ph type="sldNum" sz="quarter" idx="12"/>
+          </p:nvPr>
+        </p:nvSpPr>
+        <p:spPr/>
+        <p:txBody>
+          <a:bodyPr/>
+          <a:lstStyle/>
+          <a:p>
+            <a:fld id="{9C0B2870-7350-8D40-A01A-CE539DF873CB}" type="slidenum">
+              <a:rPr lang="en-US" smtClean="0"/>
+              <a:t>23</a:t>
+            </a:fld>
+            <a:endParaRPr lang="en-US"/>
+          </a:p>
+        </p:txBody>
+      </p:sp>
     </p:spTree>
     <p:extLst>
       <p:ext uri="{BB962C8B-B14F-4D97-AF65-F5344CB8AC3E}">
@@ -26774,6 +27869,77 @@
           </a:fontRef>
         </p:style>
       </p:cxnSp>
+      <p:sp>
+        <p:nvSpPr>
+          <p:cNvPr id="49" name="TextBox 48">
+            <a:extLst>
+              <a:ext uri="{FF2B5EF4-FFF2-40B4-BE49-F238E27FC236}">
+                <a16:creationId xmlns:a16="http://schemas.microsoft.com/office/drawing/2014/main" id="{985711FC-DABB-E342-8128-32376E88AF21}"/>
+              </a:ext>
+            </a:extLst>
+          </p:cNvPr>
+          <p:cNvSpPr txBox="1"/>
+          <p:nvPr/>
+        </p:nvSpPr>
+        <p:spPr>
+          <a:xfrm>
+            <a:off x="0" y="6538912"/>
+            <a:ext cx="1586653" cy="276999"/>
+          </a:xfrm>
+          <a:prstGeom prst="rect">
+            <a:avLst/>
+          </a:prstGeom>
+          <a:noFill/>
+        </p:spPr>
+        <p:txBody>
+          <a:bodyPr wrap="none" rtlCol="0">
+            <a:spAutoFit/>
+          </a:bodyPr>
+          <a:lstStyle/>
+          <a:p>
+            <a:r>
+              <a:rPr lang="en-US" sz="1200" dirty="0">
+                <a:solidFill>
+                  <a:schemeClr val="tx1">
+                    <a:lumMod val="50000"/>
+                    <a:lumOff val="50000"/>
+                  </a:schemeClr>
+                </a:solidFill>
+              </a:rPr>
+              <a:t>PAT06_Hierarchic.pptx</a:t>
+            </a:r>
+          </a:p>
+        </p:txBody>
+      </p:sp>
+      <p:sp>
+        <p:nvSpPr>
+          <p:cNvPr id="2" name="Slide Number Placeholder 1">
+            <a:extLst>
+              <a:ext uri="{FF2B5EF4-FFF2-40B4-BE49-F238E27FC236}">
+                <a16:creationId xmlns:a16="http://schemas.microsoft.com/office/drawing/2014/main" id="{A12DC927-7AC8-BE41-9EF6-F587A4BAAB8A}"/>
+              </a:ext>
+            </a:extLst>
+          </p:cNvPr>
+          <p:cNvSpPr>
+            <a:spLocks noGrp="1"/>
+          </p:cNvSpPr>
+          <p:nvPr>
+            <p:ph type="sldNum" sz="quarter" idx="12"/>
+          </p:nvPr>
+        </p:nvSpPr>
+        <p:spPr/>
+        <p:txBody>
+          <a:bodyPr/>
+          <a:lstStyle/>
+          <a:p>
+            <a:fld id="{9C0B2870-7350-8D40-A01A-CE539DF873CB}" type="slidenum">
+              <a:rPr lang="en-US" smtClean="0"/>
+              <a:t>24</a:t>
+            </a:fld>
+            <a:endParaRPr lang="en-US"/>
+          </a:p>
+        </p:txBody>
+      </p:sp>
     </p:spTree>
     <p:extLst>
       <p:ext uri="{BB962C8B-B14F-4D97-AF65-F5344CB8AC3E}">
@@ -28531,6 +29697,77 @@
           </a:fontRef>
         </p:style>
       </p:cxnSp>
+      <p:sp>
+        <p:nvSpPr>
+          <p:cNvPr id="50" name="TextBox 49">
+            <a:extLst>
+              <a:ext uri="{FF2B5EF4-FFF2-40B4-BE49-F238E27FC236}">
+                <a16:creationId xmlns:a16="http://schemas.microsoft.com/office/drawing/2014/main" id="{7D0D4A40-08B9-6D47-B46D-A6E29C3DC0A9}"/>
+              </a:ext>
+            </a:extLst>
+          </p:cNvPr>
+          <p:cNvSpPr txBox="1"/>
+          <p:nvPr/>
+        </p:nvSpPr>
+        <p:spPr>
+          <a:xfrm>
+            <a:off x="0" y="6538912"/>
+            <a:ext cx="1586653" cy="276999"/>
+          </a:xfrm>
+          <a:prstGeom prst="rect">
+            <a:avLst/>
+          </a:prstGeom>
+          <a:noFill/>
+        </p:spPr>
+        <p:txBody>
+          <a:bodyPr wrap="none" rtlCol="0">
+            <a:spAutoFit/>
+          </a:bodyPr>
+          <a:lstStyle/>
+          <a:p>
+            <a:r>
+              <a:rPr lang="en-US" sz="1200" dirty="0">
+                <a:solidFill>
+                  <a:schemeClr val="tx1">
+                    <a:lumMod val="50000"/>
+                    <a:lumOff val="50000"/>
+                  </a:schemeClr>
+                </a:solidFill>
+              </a:rPr>
+              <a:t>PAT06_Hierarchic.pptx</a:t>
+            </a:r>
+          </a:p>
+        </p:txBody>
+      </p:sp>
+      <p:sp>
+        <p:nvSpPr>
+          <p:cNvPr id="2" name="Slide Number Placeholder 1">
+            <a:extLst>
+              <a:ext uri="{FF2B5EF4-FFF2-40B4-BE49-F238E27FC236}">
+                <a16:creationId xmlns:a16="http://schemas.microsoft.com/office/drawing/2014/main" id="{C3A27480-2AC2-434C-948D-89391F6DE71E}"/>
+              </a:ext>
+            </a:extLst>
+          </p:cNvPr>
+          <p:cNvSpPr>
+            <a:spLocks noGrp="1"/>
+          </p:cNvSpPr>
+          <p:nvPr>
+            <p:ph type="sldNum" sz="quarter" idx="12"/>
+          </p:nvPr>
+        </p:nvSpPr>
+        <p:spPr/>
+        <p:txBody>
+          <a:bodyPr/>
+          <a:lstStyle/>
+          <a:p>
+            <a:fld id="{9C0B2870-7350-8D40-A01A-CE539DF873CB}" type="slidenum">
+              <a:rPr lang="en-US" smtClean="0"/>
+              <a:t>25</a:t>
+            </a:fld>
+            <a:endParaRPr lang="en-US"/>
+          </a:p>
+        </p:txBody>
+      </p:sp>
     </p:spTree>
     <p:extLst>
       <p:ext uri="{BB962C8B-B14F-4D97-AF65-F5344CB8AC3E}">
@@ -30367,6 +31604,77 @@
           </a:p>
         </p:txBody>
       </p:sp>
+      <p:sp>
+        <p:nvSpPr>
+          <p:cNvPr id="52" name="TextBox 51">
+            <a:extLst>
+              <a:ext uri="{FF2B5EF4-FFF2-40B4-BE49-F238E27FC236}">
+                <a16:creationId xmlns:a16="http://schemas.microsoft.com/office/drawing/2014/main" id="{2FA7D249-DA07-8945-9C83-36F298D11915}"/>
+              </a:ext>
+            </a:extLst>
+          </p:cNvPr>
+          <p:cNvSpPr txBox="1"/>
+          <p:nvPr/>
+        </p:nvSpPr>
+        <p:spPr>
+          <a:xfrm>
+            <a:off x="0" y="6538912"/>
+            <a:ext cx="1586653" cy="276999"/>
+          </a:xfrm>
+          <a:prstGeom prst="rect">
+            <a:avLst/>
+          </a:prstGeom>
+          <a:noFill/>
+        </p:spPr>
+        <p:txBody>
+          <a:bodyPr wrap="none" rtlCol="0">
+            <a:spAutoFit/>
+          </a:bodyPr>
+          <a:lstStyle/>
+          <a:p>
+            <a:r>
+              <a:rPr lang="en-US" sz="1200" dirty="0">
+                <a:solidFill>
+                  <a:schemeClr val="tx1">
+                    <a:lumMod val="50000"/>
+                    <a:lumOff val="50000"/>
+                  </a:schemeClr>
+                </a:solidFill>
+              </a:rPr>
+              <a:t>PAT06_Hierarchic.pptx</a:t>
+            </a:r>
+          </a:p>
+        </p:txBody>
+      </p:sp>
+      <p:sp>
+        <p:nvSpPr>
+          <p:cNvPr id="2" name="Slide Number Placeholder 1">
+            <a:extLst>
+              <a:ext uri="{FF2B5EF4-FFF2-40B4-BE49-F238E27FC236}">
+                <a16:creationId xmlns:a16="http://schemas.microsoft.com/office/drawing/2014/main" id="{3487658B-F45F-1D44-A95B-CDC1D7DEE15B}"/>
+              </a:ext>
+            </a:extLst>
+          </p:cNvPr>
+          <p:cNvSpPr>
+            <a:spLocks noGrp="1"/>
+          </p:cNvSpPr>
+          <p:nvPr>
+            <p:ph type="sldNum" sz="quarter" idx="12"/>
+          </p:nvPr>
+        </p:nvSpPr>
+        <p:spPr/>
+        <p:txBody>
+          <a:bodyPr/>
+          <a:lstStyle/>
+          <a:p>
+            <a:fld id="{9C0B2870-7350-8D40-A01A-CE539DF873CB}" type="slidenum">
+              <a:rPr lang="en-US" smtClean="0"/>
+              <a:t>26</a:t>
+            </a:fld>
+            <a:endParaRPr lang="en-US"/>
+          </a:p>
+        </p:txBody>
+      </p:sp>
     </p:spTree>
     <p:extLst>
       <p:ext uri="{BB962C8B-B14F-4D97-AF65-F5344CB8AC3E}">
@@ -32124,6 +33432,77 @@
           </a:fontRef>
         </p:style>
       </p:cxnSp>
+      <p:sp>
+        <p:nvSpPr>
+          <p:cNvPr id="50" name="TextBox 49">
+            <a:extLst>
+              <a:ext uri="{FF2B5EF4-FFF2-40B4-BE49-F238E27FC236}">
+                <a16:creationId xmlns:a16="http://schemas.microsoft.com/office/drawing/2014/main" id="{E53374DB-389C-C147-AD73-6F20F7D428E5}"/>
+              </a:ext>
+            </a:extLst>
+          </p:cNvPr>
+          <p:cNvSpPr txBox="1"/>
+          <p:nvPr/>
+        </p:nvSpPr>
+        <p:spPr>
+          <a:xfrm>
+            <a:off x="0" y="6538912"/>
+            <a:ext cx="1586653" cy="276999"/>
+          </a:xfrm>
+          <a:prstGeom prst="rect">
+            <a:avLst/>
+          </a:prstGeom>
+          <a:noFill/>
+        </p:spPr>
+        <p:txBody>
+          <a:bodyPr wrap="none" rtlCol="0">
+            <a:spAutoFit/>
+          </a:bodyPr>
+          <a:lstStyle/>
+          <a:p>
+            <a:r>
+              <a:rPr lang="en-US" sz="1200" dirty="0">
+                <a:solidFill>
+                  <a:schemeClr val="tx1">
+                    <a:lumMod val="50000"/>
+                    <a:lumOff val="50000"/>
+                  </a:schemeClr>
+                </a:solidFill>
+              </a:rPr>
+              <a:t>PAT06_Hierarchic.pptx</a:t>
+            </a:r>
+          </a:p>
+        </p:txBody>
+      </p:sp>
+      <p:sp>
+        <p:nvSpPr>
+          <p:cNvPr id="2" name="Slide Number Placeholder 1">
+            <a:extLst>
+              <a:ext uri="{FF2B5EF4-FFF2-40B4-BE49-F238E27FC236}">
+                <a16:creationId xmlns:a16="http://schemas.microsoft.com/office/drawing/2014/main" id="{91AB6CB5-9949-804F-A491-EBFBF7A7AC77}"/>
+              </a:ext>
+            </a:extLst>
+          </p:cNvPr>
+          <p:cNvSpPr>
+            <a:spLocks noGrp="1"/>
+          </p:cNvSpPr>
+          <p:nvPr>
+            <p:ph type="sldNum" sz="quarter" idx="12"/>
+          </p:nvPr>
+        </p:nvSpPr>
+        <p:spPr/>
+        <p:txBody>
+          <a:bodyPr/>
+          <a:lstStyle/>
+          <a:p>
+            <a:fld id="{9C0B2870-7350-8D40-A01A-CE539DF873CB}" type="slidenum">
+              <a:rPr lang="en-US" smtClean="0"/>
+              <a:t>27</a:t>
+            </a:fld>
+            <a:endParaRPr lang="en-US"/>
+          </a:p>
+        </p:txBody>
+      </p:sp>
     </p:spTree>
     <p:extLst>
       <p:ext uri="{BB962C8B-B14F-4D97-AF65-F5344CB8AC3E}">
@@ -33973,6 +35352,77 @@
           </a:fontRef>
         </p:style>
       </p:cxnSp>
+      <p:sp>
+        <p:nvSpPr>
+          <p:cNvPr id="50" name="TextBox 49">
+            <a:extLst>
+              <a:ext uri="{FF2B5EF4-FFF2-40B4-BE49-F238E27FC236}">
+                <a16:creationId xmlns:a16="http://schemas.microsoft.com/office/drawing/2014/main" id="{2EA4B492-BF07-BA46-A076-BA8CECC54298}"/>
+              </a:ext>
+            </a:extLst>
+          </p:cNvPr>
+          <p:cNvSpPr txBox="1"/>
+          <p:nvPr/>
+        </p:nvSpPr>
+        <p:spPr>
+          <a:xfrm>
+            <a:off x="0" y="6538912"/>
+            <a:ext cx="1586653" cy="276999"/>
+          </a:xfrm>
+          <a:prstGeom prst="rect">
+            <a:avLst/>
+          </a:prstGeom>
+          <a:noFill/>
+        </p:spPr>
+        <p:txBody>
+          <a:bodyPr wrap="none" rtlCol="0">
+            <a:spAutoFit/>
+          </a:bodyPr>
+          <a:lstStyle/>
+          <a:p>
+            <a:r>
+              <a:rPr lang="en-US" sz="1200" dirty="0">
+                <a:solidFill>
+                  <a:schemeClr val="tx1">
+                    <a:lumMod val="50000"/>
+                    <a:lumOff val="50000"/>
+                  </a:schemeClr>
+                </a:solidFill>
+              </a:rPr>
+              <a:t>PAT06_Hierarchic.pptx</a:t>
+            </a:r>
+          </a:p>
+        </p:txBody>
+      </p:sp>
+      <p:sp>
+        <p:nvSpPr>
+          <p:cNvPr id="2" name="Slide Number Placeholder 1">
+            <a:extLst>
+              <a:ext uri="{FF2B5EF4-FFF2-40B4-BE49-F238E27FC236}">
+                <a16:creationId xmlns:a16="http://schemas.microsoft.com/office/drawing/2014/main" id="{DCA51FE1-75BF-8849-870D-CCAFDB5CA522}"/>
+              </a:ext>
+            </a:extLst>
+          </p:cNvPr>
+          <p:cNvSpPr>
+            <a:spLocks noGrp="1"/>
+          </p:cNvSpPr>
+          <p:nvPr>
+            <p:ph type="sldNum" sz="quarter" idx="12"/>
+          </p:nvPr>
+        </p:nvSpPr>
+        <p:spPr/>
+        <p:txBody>
+          <a:bodyPr/>
+          <a:lstStyle/>
+          <a:p>
+            <a:fld id="{9C0B2870-7350-8D40-A01A-CE539DF873CB}" type="slidenum">
+              <a:rPr lang="en-US" smtClean="0"/>
+              <a:t>28</a:t>
+            </a:fld>
+            <a:endParaRPr lang="en-US"/>
+          </a:p>
+        </p:txBody>
+      </p:sp>
     </p:spTree>
     <p:extLst>
       <p:ext uri="{BB962C8B-B14F-4D97-AF65-F5344CB8AC3E}">
@@ -35007,6 +36457,77 @@
           </a:p>
         </p:txBody>
       </p:sp>
+      <p:sp>
+        <p:nvSpPr>
+          <p:cNvPr id="28" name="TextBox 27">
+            <a:extLst>
+              <a:ext uri="{FF2B5EF4-FFF2-40B4-BE49-F238E27FC236}">
+                <a16:creationId xmlns:a16="http://schemas.microsoft.com/office/drawing/2014/main" id="{EF2422C3-08E4-B441-8B80-D449B9F2DAC1}"/>
+              </a:ext>
+            </a:extLst>
+          </p:cNvPr>
+          <p:cNvSpPr txBox="1"/>
+          <p:nvPr/>
+        </p:nvSpPr>
+        <p:spPr>
+          <a:xfrm>
+            <a:off x="0" y="6538912"/>
+            <a:ext cx="1586653" cy="276999"/>
+          </a:xfrm>
+          <a:prstGeom prst="rect">
+            <a:avLst/>
+          </a:prstGeom>
+          <a:noFill/>
+        </p:spPr>
+        <p:txBody>
+          <a:bodyPr wrap="none" rtlCol="0">
+            <a:spAutoFit/>
+          </a:bodyPr>
+          <a:lstStyle/>
+          <a:p>
+            <a:r>
+              <a:rPr lang="en-US" sz="1200" dirty="0">
+                <a:solidFill>
+                  <a:schemeClr val="tx1">
+                    <a:lumMod val="50000"/>
+                    <a:lumOff val="50000"/>
+                  </a:schemeClr>
+                </a:solidFill>
+              </a:rPr>
+              <a:t>PAT06_Hierarchic.pptx</a:t>
+            </a:r>
+          </a:p>
+        </p:txBody>
+      </p:sp>
+      <p:sp>
+        <p:nvSpPr>
+          <p:cNvPr id="2" name="Slide Number Placeholder 1">
+            <a:extLst>
+              <a:ext uri="{FF2B5EF4-FFF2-40B4-BE49-F238E27FC236}">
+                <a16:creationId xmlns:a16="http://schemas.microsoft.com/office/drawing/2014/main" id="{3057AADA-097D-3B42-9A7D-74042AD06E2B}"/>
+              </a:ext>
+            </a:extLst>
+          </p:cNvPr>
+          <p:cNvSpPr>
+            <a:spLocks noGrp="1"/>
+          </p:cNvSpPr>
+          <p:nvPr>
+            <p:ph type="sldNum" sz="quarter" idx="12"/>
+          </p:nvPr>
+        </p:nvSpPr>
+        <p:spPr/>
+        <p:txBody>
+          <a:bodyPr/>
+          <a:lstStyle/>
+          <a:p>
+            <a:fld id="{9C0B2870-7350-8D40-A01A-CE539DF873CB}" type="slidenum">
+              <a:rPr lang="en-US" smtClean="0"/>
+              <a:t>29</a:t>
+            </a:fld>
+            <a:endParaRPr lang="en-US"/>
+          </a:p>
+        </p:txBody>
+      </p:sp>
     </p:spTree>
     <p:extLst>
       <p:ext uri="{BB962C8B-B14F-4D97-AF65-F5344CB8AC3E}">
@@ -35949,6 +37470,77 @@
           </a:p>
         </p:txBody>
       </p:sp>
+      <p:sp>
+        <p:nvSpPr>
+          <p:cNvPr id="28" name="TextBox 27">
+            <a:extLst>
+              <a:ext uri="{FF2B5EF4-FFF2-40B4-BE49-F238E27FC236}">
+                <a16:creationId xmlns:a16="http://schemas.microsoft.com/office/drawing/2014/main" id="{C0FEA9AF-5666-F845-872F-A7DB85BA4F24}"/>
+              </a:ext>
+            </a:extLst>
+          </p:cNvPr>
+          <p:cNvSpPr txBox="1"/>
+          <p:nvPr/>
+        </p:nvSpPr>
+        <p:spPr>
+          <a:xfrm>
+            <a:off x="0" y="6538912"/>
+            <a:ext cx="1586653" cy="276999"/>
+          </a:xfrm>
+          <a:prstGeom prst="rect">
+            <a:avLst/>
+          </a:prstGeom>
+          <a:noFill/>
+        </p:spPr>
+        <p:txBody>
+          <a:bodyPr wrap="none" rtlCol="0">
+            <a:spAutoFit/>
+          </a:bodyPr>
+          <a:lstStyle/>
+          <a:p>
+            <a:r>
+              <a:rPr lang="en-US" sz="1200" dirty="0">
+                <a:solidFill>
+                  <a:schemeClr val="tx1">
+                    <a:lumMod val="50000"/>
+                    <a:lumOff val="50000"/>
+                  </a:schemeClr>
+                </a:solidFill>
+              </a:rPr>
+              <a:t>PAT06_Hierarchic.pptx</a:t>
+            </a:r>
+          </a:p>
+        </p:txBody>
+      </p:sp>
+      <p:sp>
+        <p:nvSpPr>
+          <p:cNvPr id="2" name="Slide Number Placeholder 1">
+            <a:extLst>
+              <a:ext uri="{FF2B5EF4-FFF2-40B4-BE49-F238E27FC236}">
+                <a16:creationId xmlns:a16="http://schemas.microsoft.com/office/drawing/2014/main" id="{3B18ADF6-EBB0-7642-A99C-4D1953E06E22}"/>
+              </a:ext>
+            </a:extLst>
+          </p:cNvPr>
+          <p:cNvSpPr>
+            <a:spLocks noGrp="1"/>
+          </p:cNvSpPr>
+          <p:nvPr>
+            <p:ph type="sldNum" sz="quarter" idx="12"/>
+          </p:nvPr>
+        </p:nvSpPr>
+        <p:spPr/>
+        <p:txBody>
+          <a:bodyPr/>
+          <a:lstStyle/>
+          <a:p>
+            <a:fld id="{9C0B2870-7350-8D40-A01A-CE539DF873CB}" type="slidenum">
+              <a:rPr lang="en-US" smtClean="0"/>
+              <a:t>3</a:t>
+            </a:fld>
+            <a:endParaRPr lang="en-US"/>
+          </a:p>
+        </p:txBody>
+      </p:sp>
     </p:spTree>
     <p:extLst>
       <p:ext uri="{BB962C8B-B14F-4D97-AF65-F5344CB8AC3E}">
@@ -36044,6 +37636,77 @@
           </a:p>
         </p:txBody>
       </p:sp>
+      <p:sp>
+        <p:nvSpPr>
+          <p:cNvPr id="4" name="TextBox 3">
+            <a:extLst>
+              <a:ext uri="{FF2B5EF4-FFF2-40B4-BE49-F238E27FC236}">
+                <a16:creationId xmlns:a16="http://schemas.microsoft.com/office/drawing/2014/main" id="{A7538704-4B5C-EA43-A6ED-9C84AFDE164D}"/>
+              </a:ext>
+            </a:extLst>
+          </p:cNvPr>
+          <p:cNvSpPr txBox="1"/>
+          <p:nvPr/>
+        </p:nvSpPr>
+        <p:spPr>
+          <a:xfrm>
+            <a:off x="0" y="6538912"/>
+            <a:ext cx="1586653" cy="276999"/>
+          </a:xfrm>
+          <a:prstGeom prst="rect">
+            <a:avLst/>
+          </a:prstGeom>
+          <a:noFill/>
+        </p:spPr>
+        <p:txBody>
+          <a:bodyPr wrap="none" rtlCol="0">
+            <a:spAutoFit/>
+          </a:bodyPr>
+          <a:lstStyle/>
+          <a:p>
+            <a:r>
+              <a:rPr lang="en-US" sz="1200" dirty="0">
+                <a:solidFill>
+                  <a:schemeClr val="tx1">
+                    <a:lumMod val="50000"/>
+                    <a:lumOff val="50000"/>
+                  </a:schemeClr>
+                </a:solidFill>
+              </a:rPr>
+              <a:t>PAT06_Hierarchic.pptx</a:t>
+            </a:r>
+          </a:p>
+        </p:txBody>
+      </p:sp>
+      <p:sp>
+        <p:nvSpPr>
+          <p:cNvPr id="5" name="Slide Number Placeholder 4">
+            <a:extLst>
+              <a:ext uri="{FF2B5EF4-FFF2-40B4-BE49-F238E27FC236}">
+                <a16:creationId xmlns:a16="http://schemas.microsoft.com/office/drawing/2014/main" id="{C9191CB5-9EDC-8C47-8D29-F599A34431C9}"/>
+              </a:ext>
+            </a:extLst>
+          </p:cNvPr>
+          <p:cNvSpPr>
+            <a:spLocks noGrp="1"/>
+          </p:cNvSpPr>
+          <p:nvPr>
+            <p:ph type="sldNum" sz="quarter" idx="12"/>
+          </p:nvPr>
+        </p:nvSpPr>
+        <p:spPr/>
+        <p:txBody>
+          <a:bodyPr/>
+          <a:lstStyle/>
+          <a:p>
+            <a:fld id="{9C0B2870-7350-8D40-A01A-CE539DF873CB}" type="slidenum">
+              <a:rPr lang="en-US" smtClean="0"/>
+              <a:t>30</a:t>
+            </a:fld>
+            <a:endParaRPr lang="en-US"/>
+          </a:p>
+        </p:txBody>
+      </p:sp>
     </p:spTree>
     <p:extLst>
       <p:ext uri="{BB962C8B-B14F-4D97-AF65-F5344CB8AC3E}">
@@ -37021,6 +38684,77 @@
           </a:fontRef>
         </p:style>
       </p:cxnSp>
+      <p:sp>
+        <p:nvSpPr>
+          <p:cNvPr id="28" name="TextBox 27">
+            <a:extLst>
+              <a:ext uri="{FF2B5EF4-FFF2-40B4-BE49-F238E27FC236}">
+                <a16:creationId xmlns:a16="http://schemas.microsoft.com/office/drawing/2014/main" id="{5D8F9F47-E85C-594F-BC19-0481C79B7537}"/>
+              </a:ext>
+            </a:extLst>
+          </p:cNvPr>
+          <p:cNvSpPr txBox="1"/>
+          <p:nvPr/>
+        </p:nvSpPr>
+        <p:spPr>
+          <a:xfrm>
+            <a:off x="0" y="6538912"/>
+            <a:ext cx="1586653" cy="276999"/>
+          </a:xfrm>
+          <a:prstGeom prst="rect">
+            <a:avLst/>
+          </a:prstGeom>
+          <a:noFill/>
+        </p:spPr>
+        <p:txBody>
+          <a:bodyPr wrap="none" rtlCol="0">
+            <a:spAutoFit/>
+          </a:bodyPr>
+          <a:lstStyle/>
+          <a:p>
+            <a:r>
+              <a:rPr lang="en-US" sz="1200" dirty="0">
+                <a:solidFill>
+                  <a:schemeClr val="tx1">
+                    <a:lumMod val="50000"/>
+                    <a:lumOff val="50000"/>
+                  </a:schemeClr>
+                </a:solidFill>
+              </a:rPr>
+              <a:t>PAT06_Hierarchic.pptx</a:t>
+            </a:r>
+          </a:p>
+        </p:txBody>
+      </p:sp>
+      <p:sp>
+        <p:nvSpPr>
+          <p:cNvPr id="2" name="Slide Number Placeholder 1">
+            <a:extLst>
+              <a:ext uri="{FF2B5EF4-FFF2-40B4-BE49-F238E27FC236}">
+                <a16:creationId xmlns:a16="http://schemas.microsoft.com/office/drawing/2014/main" id="{05988E6A-20C8-BA41-B3C2-20F19C8A4CC3}"/>
+              </a:ext>
+            </a:extLst>
+          </p:cNvPr>
+          <p:cNvSpPr>
+            <a:spLocks noGrp="1"/>
+          </p:cNvSpPr>
+          <p:nvPr>
+            <p:ph type="sldNum" sz="quarter" idx="12"/>
+          </p:nvPr>
+        </p:nvSpPr>
+        <p:spPr/>
+        <p:txBody>
+          <a:bodyPr/>
+          <a:lstStyle/>
+          <a:p>
+            <a:fld id="{9C0B2870-7350-8D40-A01A-CE539DF873CB}" type="slidenum">
+              <a:rPr lang="en-US" smtClean="0"/>
+              <a:t>4</a:t>
+            </a:fld>
+            <a:endParaRPr lang="en-US"/>
+          </a:p>
+        </p:txBody>
+      </p:sp>
     </p:spTree>
     <p:extLst>
       <p:ext uri="{BB962C8B-B14F-4D97-AF65-F5344CB8AC3E}">
@@ -38033,6 +39767,77 @@
           </a:fontRef>
         </p:style>
       </p:cxnSp>
+      <p:sp>
+        <p:nvSpPr>
+          <p:cNvPr id="30" name="TextBox 29">
+            <a:extLst>
+              <a:ext uri="{FF2B5EF4-FFF2-40B4-BE49-F238E27FC236}">
+                <a16:creationId xmlns:a16="http://schemas.microsoft.com/office/drawing/2014/main" id="{8DE7F96D-41F5-3844-A8A0-815F5FD532C4}"/>
+              </a:ext>
+            </a:extLst>
+          </p:cNvPr>
+          <p:cNvSpPr txBox="1"/>
+          <p:nvPr/>
+        </p:nvSpPr>
+        <p:spPr>
+          <a:xfrm>
+            <a:off x="0" y="6538912"/>
+            <a:ext cx="1586653" cy="276999"/>
+          </a:xfrm>
+          <a:prstGeom prst="rect">
+            <a:avLst/>
+          </a:prstGeom>
+          <a:noFill/>
+        </p:spPr>
+        <p:txBody>
+          <a:bodyPr wrap="none" rtlCol="0">
+            <a:spAutoFit/>
+          </a:bodyPr>
+          <a:lstStyle/>
+          <a:p>
+            <a:r>
+              <a:rPr lang="en-US" sz="1200" dirty="0">
+                <a:solidFill>
+                  <a:schemeClr val="tx1">
+                    <a:lumMod val="50000"/>
+                    <a:lumOff val="50000"/>
+                  </a:schemeClr>
+                </a:solidFill>
+              </a:rPr>
+              <a:t>PAT06_Hierarchic.pptx</a:t>
+            </a:r>
+          </a:p>
+        </p:txBody>
+      </p:sp>
+      <p:sp>
+        <p:nvSpPr>
+          <p:cNvPr id="2" name="Slide Number Placeholder 1">
+            <a:extLst>
+              <a:ext uri="{FF2B5EF4-FFF2-40B4-BE49-F238E27FC236}">
+                <a16:creationId xmlns:a16="http://schemas.microsoft.com/office/drawing/2014/main" id="{09E49413-12F9-9647-95E0-EE9A8BCC1799}"/>
+              </a:ext>
+            </a:extLst>
+          </p:cNvPr>
+          <p:cNvSpPr>
+            <a:spLocks noGrp="1"/>
+          </p:cNvSpPr>
+          <p:nvPr>
+            <p:ph type="sldNum" sz="quarter" idx="12"/>
+          </p:nvPr>
+        </p:nvSpPr>
+        <p:spPr/>
+        <p:txBody>
+          <a:bodyPr/>
+          <a:lstStyle/>
+          <a:p>
+            <a:fld id="{9C0B2870-7350-8D40-A01A-CE539DF873CB}" type="slidenum">
+              <a:rPr lang="en-US" smtClean="0"/>
+              <a:t>5</a:t>
+            </a:fld>
+            <a:endParaRPr lang="en-US"/>
+          </a:p>
+        </p:txBody>
+      </p:sp>
     </p:spTree>
     <p:extLst>
       <p:ext uri="{BB962C8B-B14F-4D97-AF65-F5344CB8AC3E}">
@@ -39083,6 +40888,77 @@
           </a:fontRef>
         </p:style>
       </p:cxnSp>
+      <p:sp>
+        <p:nvSpPr>
+          <p:cNvPr id="30" name="TextBox 29">
+            <a:extLst>
+              <a:ext uri="{FF2B5EF4-FFF2-40B4-BE49-F238E27FC236}">
+                <a16:creationId xmlns:a16="http://schemas.microsoft.com/office/drawing/2014/main" id="{499F7199-8FC1-D74A-BD3E-999226FA590E}"/>
+              </a:ext>
+            </a:extLst>
+          </p:cNvPr>
+          <p:cNvSpPr txBox="1"/>
+          <p:nvPr/>
+        </p:nvSpPr>
+        <p:spPr>
+          <a:xfrm>
+            <a:off x="0" y="6538912"/>
+            <a:ext cx="1586653" cy="276999"/>
+          </a:xfrm>
+          <a:prstGeom prst="rect">
+            <a:avLst/>
+          </a:prstGeom>
+          <a:noFill/>
+        </p:spPr>
+        <p:txBody>
+          <a:bodyPr wrap="none" rtlCol="0">
+            <a:spAutoFit/>
+          </a:bodyPr>
+          <a:lstStyle/>
+          <a:p>
+            <a:r>
+              <a:rPr lang="en-US" sz="1200" dirty="0">
+                <a:solidFill>
+                  <a:schemeClr val="tx1">
+                    <a:lumMod val="50000"/>
+                    <a:lumOff val="50000"/>
+                  </a:schemeClr>
+                </a:solidFill>
+              </a:rPr>
+              <a:t>PAT06_Hierarchic.pptx</a:t>
+            </a:r>
+          </a:p>
+        </p:txBody>
+      </p:sp>
+      <p:sp>
+        <p:nvSpPr>
+          <p:cNvPr id="2" name="Slide Number Placeholder 1">
+            <a:extLst>
+              <a:ext uri="{FF2B5EF4-FFF2-40B4-BE49-F238E27FC236}">
+                <a16:creationId xmlns:a16="http://schemas.microsoft.com/office/drawing/2014/main" id="{158F20AD-2EE3-7C46-8F8D-CFF989039818}"/>
+              </a:ext>
+            </a:extLst>
+          </p:cNvPr>
+          <p:cNvSpPr>
+            <a:spLocks noGrp="1"/>
+          </p:cNvSpPr>
+          <p:nvPr>
+            <p:ph type="sldNum" sz="quarter" idx="12"/>
+          </p:nvPr>
+        </p:nvSpPr>
+        <p:spPr/>
+        <p:txBody>
+          <a:bodyPr/>
+          <a:lstStyle/>
+          <a:p>
+            <a:fld id="{9C0B2870-7350-8D40-A01A-CE539DF873CB}" type="slidenum">
+              <a:rPr lang="en-US" smtClean="0"/>
+              <a:t>6</a:t>
+            </a:fld>
+            <a:endParaRPr lang="en-US"/>
+          </a:p>
+        </p:txBody>
+      </p:sp>
     </p:spTree>
     <p:extLst>
       <p:ext uri="{BB962C8B-B14F-4D97-AF65-F5344CB8AC3E}">
@@ -40168,6 +42044,77 @@
           </a:fontRef>
         </p:style>
       </p:cxnSp>
+      <p:sp>
+        <p:nvSpPr>
+          <p:cNvPr id="32" name="TextBox 31">
+            <a:extLst>
+              <a:ext uri="{FF2B5EF4-FFF2-40B4-BE49-F238E27FC236}">
+                <a16:creationId xmlns:a16="http://schemas.microsoft.com/office/drawing/2014/main" id="{53E666C5-A27F-6940-B3CF-74061A0B7117}"/>
+              </a:ext>
+            </a:extLst>
+          </p:cNvPr>
+          <p:cNvSpPr txBox="1"/>
+          <p:nvPr/>
+        </p:nvSpPr>
+        <p:spPr>
+          <a:xfrm>
+            <a:off x="0" y="6538912"/>
+            <a:ext cx="1586653" cy="276999"/>
+          </a:xfrm>
+          <a:prstGeom prst="rect">
+            <a:avLst/>
+          </a:prstGeom>
+          <a:noFill/>
+        </p:spPr>
+        <p:txBody>
+          <a:bodyPr wrap="none" rtlCol="0">
+            <a:spAutoFit/>
+          </a:bodyPr>
+          <a:lstStyle/>
+          <a:p>
+            <a:r>
+              <a:rPr lang="en-US" sz="1200" dirty="0">
+                <a:solidFill>
+                  <a:schemeClr val="tx1">
+                    <a:lumMod val="50000"/>
+                    <a:lumOff val="50000"/>
+                  </a:schemeClr>
+                </a:solidFill>
+              </a:rPr>
+              <a:t>PAT06_Hierarchic.pptx</a:t>
+            </a:r>
+          </a:p>
+        </p:txBody>
+      </p:sp>
+      <p:sp>
+        <p:nvSpPr>
+          <p:cNvPr id="2" name="Slide Number Placeholder 1">
+            <a:extLst>
+              <a:ext uri="{FF2B5EF4-FFF2-40B4-BE49-F238E27FC236}">
+                <a16:creationId xmlns:a16="http://schemas.microsoft.com/office/drawing/2014/main" id="{5CDF30AA-18FD-3444-B413-E0288799016E}"/>
+              </a:ext>
+            </a:extLst>
+          </p:cNvPr>
+          <p:cNvSpPr>
+            <a:spLocks noGrp="1"/>
+          </p:cNvSpPr>
+          <p:nvPr>
+            <p:ph type="sldNum" sz="quarter" idx="12"/>
+          </p:nvPr>
+        </p:nvSpPr>
+        <p:spPr/>
+        <p:txBody>
+          <a:bodyPr/>
+          <a:lstStyle/>
+          <a:p>
+            <a:fld id="{9C0B2870-7350-8D40-A01A-CE539DF873CB}" type="slidenum">
+              <a:rPr lang="en-US" smtClean="0"/>
+              <a:t>7</a:t>
+            </a:fld>
+            <a:endParaRPr lang="en-US"/>
+          </a:p>
+        </p:txBody>
+      </p:sp>
     </p:spTree>
     <p:extLst>
       <p:ext uri="{BB962C8B-B14F-4D97-AF65-F5344CB8AC3E}">
@@ -41288,6 +43235,77 @@
           </a:fontRef>
         </p:style>
       </p:cxnSp>
+      <p:sp>
+        <p:nvSpPr>
+          <p:cNvPr id="33" name="TextBox 32">
+            <a:extLst>
+              <a:ext uri="{FF2B5EF4-FFF2-40B4-BE49-F238E27FC236}">
+                <a16:creationId xmlns:a16="http://schemas.microsoft.com/office/drawing/2014/main" id="{7C42B04F-1139-5F45-86DF-72C9B5F09F24}"/>
+              </a:ext>
+            </a:extLst>
+          </p:cNvPr>
+          <p:cNvSpPr txBox="1"/>
+          <p:nvPr/>
+        </p:nvSpPr>
+        <p:spPr>
+          <a:xfrm>
+            <a:off x="0" y="6538912"/>
+            <a:ext cx="1586653" cy="276999"/>
+          </a:xfrm>
+          <a:prstGeom prst="rect">
+            <a:avLst/>
+          </a:prstGeom>
+          <a:noFill/>
+        </p:spPr>
+        <p:txBody>
+          <a:bodyPr wrap="none" rtlCol="0">
+            <a:spAutoFit/>
+          </a:bodyPr>
+          <a:lstStyle/>
+          <a:p>
+            <a:r>
+              <a:rPr lang="en-US" sz="1200" dirty="0">
+                <a:solidFill>
+                  <a:schemeClr val="tx1">
+                    <a:lumMod val="50000"/>
+                    <a:lumOff val="50000"/>
+                  </a:schemeClr>
+                </a:solidFill>
+              </a:rPr>
+              <a:t>PAT06_Hierarchic.pptx</a:t>
+            </a:r>
+          </a:p>
+        </p:txBody>
+      </p:sp>
+      <p:sp>
+        <p:nvSpPr>
+          <p:cNvPr id="2" name="Slide Number Placeholder 1">
+            <a:extLst>
+              <a:ext uri="{FF2B5EF4-FFF2-40B4-BE49-F238E27FC236}">
+                <a16:creationId xmlns:a16="http://schemas.microsoft.com/office/drawing/2014/main" id="{817F729E-16C6-2648-9E49-D05842DD63CC}"/>
+              </a:ext>
+            </a:extLst>
+          </p:cNvPr>
+          <p:cNvSpPr>
+            <a:spLocks noGrp="1"/>
+          </p:cNvSpPr>
+          <p:nvPr>
+            <p:ph type="sldNum" sz="quarter" idx="12"/>
+          </p:nvPr>
+        </p:nvSpPr>
+        <p:spPr/>
+        <p:txBody>
+          <a:bodyPr/>
+          <a:lstStyle/>
+          <a:p>
+            <a:fld id="{9C0B2870-7350-8D40-A01A-CE539DF873CB}" type="slidenum">
+              <a:rPr lang="en-US" smtClean="0"/>
+              <a:t>8</a:t>
+            </a:fld>
+            <a:endParaRPr lang="en-US"/>
+          </a:p>
+        </p:txBody>
+      </p:sp>
     </p:spTree>
     <p:extLst>
       <p:ext uri="{BB962C8B-B14F-4D97-AF65-F5344CB8AC3E}">
@@ -42446,6 +44464,77 @@
           </a:fontRef>
         </p:style>
       </p:cxnSp>
+      <p:sp>
+        <p:nvSpPr>
+          <p:cNvPr id="34" name="TextBox 33">
+            <a:extLst>
+              <a:ext uri="{FF2B5EF4-FFF2-40B4-BE49-F238E27FC236}">
+                <a16:creationId xmlns:a16="http://schemas.microsoft.com/office/drawing/2014/main" id="{11A58C12-176D-7A40-BEEB-7B84BF22B302}"/>
+              </a:ext>
+            </a:extLst>
+          </p:cNvPr>
+          <p:cNvSpPr txBox="1"/>
+          <p:nvPr/>
+        </p:nvSpPr>
+        <p:spPr>
+          <a:xfrm>
+            <a:off x="0" y="6538912"/>
+            <a:ext cx="1586653" cy="276999"/>
+          </a:xfrm>
+          <a:prstGeom prst="rect">
+            <a:avLst/>
+          </a:prstGeom>
+          <a:noFill/>
+        </p:spPr>
+        <p:txBody>
+          <a:bodyPr wrap="none" rtlCol="0">
+            <a:spAutoFit/>
+          </a:bodyPr>
+          <a:lstStyle/>
+          <a:p>
+            <a:r>
+              <a:rPr lang="en-US" sz="1200" dirty="0">
+                <a:solidFill>
+                  <a:schemeClr val="tx1">
+                    <a:lumMod val="50000"/>
+                    <a:lumOff val="50000"/>
+                  </a:schemeClr>
+                </a:solidFill>
+              </a:rPr>
+              <a:t>PAT06_Hierarchic.pptx</a:t>
+            </a:r>
+          </a:p>
+        </p:txBody>
+      </p:sp>
+      <p:sp>
+        <p:nvSpPr>
+          <p:cNvPr id="2" name="Slide Number Placeholder 1">
+            <a:extLst>
+              <a:ext uri="{FF2B5EF4-FFF2-40B4-BE49-F238E27FC236}">
+                <a16:creationId xmlns:a16="http://schemas.microsoft.com/office/drawing/2014/main" id="{9A056CAD-2E11-C04E-8911-4DDD3979DEA1}"/>
+              </a:ext>
+            </a:extLst>
+          </p:cNvPr>
+          <p:cNvSpPr>
+            <a:spLocks noGrp="1"/>
+          </p:cNvSpPr>
+          <p:nvPr>
+            <p:ph type="sldNum" sz="quarter" idx="12"/>
+          </p:nvPr>
+        </p:nvSpPr>
+        <p:spPr/>
+        <p:txBody>
+          <a:bodyPr/>
+          <a:lstStyle/>
+          <a:p>
+            <a:fld id="{9C0B2870-7350-8D40-A01A-CE539DF873CB}" type="slidenum">
+              <a:rPr lang="en-US" smtClean="0"/>
+              <a:t>9</a:t>
+            </a:fld>
+            <a:endParaRPr lang="en-US"/>
+          </a:p>
+        </p:txBody>
+      </p:sp>
     </p:spTree>
     <p:extLst>
       <p:ext uri="{BB962C8B-B14F-4D97-AF65-F5344CB8AC3E}">

--- a/clases/Cap06_Clustering/presentations/PAT06_Hierarchic.pptx
+++ b/clases/Cap06_Clustering/presentations/PAT06_Hierarchic.pptx
@@ -5,7 +5,7 @@
     <p:sldMasterId id="2147483648" r:id="rId1"/>
   </p:sldMasterIdLst>
   <p:notesMasterIdLst>
-    <p:notesMasterId r:id="rId32"/>
+    <p:notesMasterId r:id="rId33"/>
   </p:notesMasterIdLst>
   <p:sldIdLst>
     <p:sldId id="459" r:id="rId2"/>
@@ -37,7 +37,8 @@
     <p:sldId id="485" r:id="rId28"/>
     <p:sldId id="488" r:id="rId29"/>
     <p:sldId id="489" r:id="rId30"/>
-    <p:sldId id="490" r:id="rId31"/>
+    <p:sldId id="491" r:id="rId31"/>
+    <p:sldId id="490" r:id="rId32"/>
   </p:sldIdLst>
   <p:sldSz cx="9144000" cy="6858000" type="screen4x3"/>
   <p:notesSz cx="6858000" cy="9144000"/>
@@ -237,7 +238,7 @@
           <a:p>
             <a:fld id="{089CB84B-3086-824D-91F5-F571CFDD3E7D}" type="datetimeFigureOut">
               <a:rPr lang="en-US" smtClean="0"/>
-              <a:t>6/18/20</a:t>
+              <a:t>6/25/24</a:t>
             </a:fld>
             <a:endParaRPr lang="en-US"/>
           </a:p>
@@ -777,7 +778,7 @@
           <a:p>
             <a:fld id="{6F68F242-6EC4-5445-B7C7-4C9F429449C2}" type="datetime1">
               <a:rPr lang="en-AU" smtClean="0"/>
-              <a:t>18/6/20</a:t>
+              <a:t>25/6/2024</a:t>
             </a:fld>
             <a:endParaRPr lang="en-US"/>
           </a:p>
@@ -947,7 +948,7 @@
           <a:p>
             <a:fld id="{3B40FCDB-6DD0-C149-AEE1-F969A6D9176C}" type="datetime1">
               <a:rPr lang="en-AU" smtClean="0"/>
-              <a:t>18/6/20</a:t>
+              <a:t>25/6/2024</a:t>
             </a:fld>
             <a:endParaRPr lang="en-US"/>
           </a:p>
@@ -1127,7 +1128,7 @@
           <a:p>
             <a:fld id="{6D81ECC1-BD20-AA42-8767-C58CF39F098F}" type="datetime1">
               <a:rPr lang="en-AU" smtClean="0"/>
-              <a:t>18/6/20</a:t>
+              <a:t>25/6/2024</a:t>
             </a:fld>
             <a:endParaRPr lang="en-US"/>
           </a:p>
@@ -1297,7 +1298,7 @@
           <a:p>
             <a:fld id="{65A6492C-63BA-EE4A-A24D-1E45A650536F}" type="datetime1">
               <a:rPr lang="en-AU" smtClean="0"/>
-              <a:t>18/6/20</a:t>
+              <a:t>25/6/2024</a:t>
             </a:fld>
             <a:endParaRPr lang="en-US"/>
           </a:p>
@@ -1543,7 +1544,7 @@
           <a:p>
             <a:fld id="{2D581AE9-29B3-E541-8F62-797D9A99B425}" type="datetime1">
               <a:rPr lang="en-AU" smtClean="0"/>
-              <a:t>18/6/20</a:t>
+              <a:t>25/6/2024</a:t>
             </a:fld>
             <a:endParaRPr lang="en-US"/>
           </a:p>
@@ -1831,7 +1832,7 @@
           <a:p>
             <a:fld id="{A7205613-BB5D-0647-8CA3-3349BFDA92DC}" type="datetime1">
               <a:rPr lang="en-AU" smtClean="0"/>
-              <a:t>18/6/20</a:t>
+              <a:t>25/6/2024</a:t>
             </a:fld>
             <a:endParaRPr lang="en-US"/>
           </a:p>
@@ -2253,7 +2254,7 @@
           <a:p>
             <a:fld id="{7A0FEEA6-4D93-A14A-99E5-6E831ECA329C}" type="datetime1">
               <a:rPr lang="en-AU" smtClean="0"/>
-              <a:t>18/6/20</a:t>
+              <a:t>25/6/2024</a:t>
             </a:fld>
             <a:endParaRPr lang="en-US"/>
           </a:p>
@@ -2371,7 +2372,7 @@
           <a:p>
             <a:fld id="{89735607-74C4-D549-87C7-455B1484F44B}" type="datetime1">
               <a:rPr lang="en-AU" smtClean="0"/>
-              <a:t>18/6/20</a:t>
+              <a:t>25/6/2024</a:t>
             </a:fld>
             <a:endParaRPr lang="en-US"/>
           </a:p>
@@ -2466,7 +2467,7 @@
           <a:p>
             <a:fld id="{39F6EDDB-4EB7-054F-885D-CFCDB8F947C4}" type="datetime1">
               <a:rPr lang="en-AU" smtClean="0"/>
-              <a:t>18/6/20</a:t>
+              <a:t>25/6/2024</a:t>
             </a:fld>
             <a:endParaRPr lang="en-US"/>
           </a:p>
@@ -2743,7 +2744,7 @@
           <a:p>
             <a:fld id="{67F6B806-A627-3148-BF01-B7F6DC784198}" type="datetime1">
               <a:rPr lang="en-AU" smtClean="0"/>
-              <a:t>18/6/20</a:t>
+              <a:t>25/6/2024</a:t>
             </a:fld>
             <a:endParaRPr lang="en-US"/>
           </a:p>
@@ -2996,7 +2997,7 @@
           <a:p>
             <a:fld id="{7A4FD8E7-9F86-DF45-BB3C-FFD9E939D12E}" type="datetime1">
               <a:rPr lang="en-AU" smtClean="0"/>
-              <a:t>18/6/20</a:t>
+              <a:t>25/6/2024</a:t>
             </a:fld>
             <a:endParaRPr lang="en-US"/>
           </a:p>
@@ -3207,7 +3208,7 @@
           <a:p>
             <a:fld id="{77DF3FDA-2C83-5942-B39B-A9FA0838DC6C}" type="datetime1">
               <a:rPr lang="en-AU" smtClean="0"/>
-              <a:t>18/6/20</a:t>
+              <a:t>25/6/2024</a:t>
             </a:fld>
             <a:endParaRPr lang="en-US"/>
           </a:p>
@@ -37573,6 +37574,1495 @@
       </p:grpSpPr>
       <p:sp>
         <p:nvSpPr>
+          <p:cNvPr id="4" name="Oval 3"/>
+          <p:cNvSpPr/>
+          <p:nvPr/>
+        </p:nvSpPr>
+        <p:spPr>
+          <a:xfrm>
+            <a:off x="4031456" y="2500317"/>
+            <a:ext cx="185737" cy="200025"/>
+          </a:xfrm>
+          <a:prstGeom prst="ellipse">
+            <a:avLst/>
+          </a:prstGeom>
+        </p:spPr>
+        <p:style>
+          <a:lnRef idx="1">
+            <a:schemeClr val="accent1"/>
+          </a:lnRef>
+          <a:fillRef idx="3">
+            <a:schemeClr val="accent1"/>
+          </a:fillRef>
+          <a:effectRef idx="2">
+            <a:schemeClr val="accent1"/>
+          </a:effectRef>
+          <a:fontRef idx="minor">
+            <a:schemeClr val="lt1"/>
+          </a:fontRef>
+        </p:style>
+        <p:txBody>
+          <a:bodyPr rtlCol="0" anchor="ctr"/>
+          <a:lstStyle/>
+          <a:p>
+            <a:pPr algn="ctr"/>
+            <a:endParaRPr lang="en-US"/>
+          </a:p>
+        </p:txBody>
+      </p:sp>
+      <p:sp>
+        <p:nvSpPr>
+          <p:cNvPr id="5" name="Oval 4"/>
+          <p:cNvSpPr/>
+          <p:nvPr/>
+        </p:nvSpPr>
+        <p:spPr>
+          <a:xfrm>
+            <a:off x="4697836" y="4040041"/>
+            <a:ext cx="185737" cy="200025"/>
+          </a:xfrm>
+          <a:prstGeom prst="ellipse">
+            <a:avLst/>
+          </a:prstGeom>
+        </p:spPr>
+        <p:style>
+          <a:lnRef idx="1">
+            <a:schemeClr val="accent1"/>
+          </a:lnRef>
+          <a:fillRef idx="3">
+            <a:schemeClr val="accent1"/>
+          </a:fillRef>
+          <a:effectRef idx="2">
+            <a:schemeClr val="accent1"/>
+          </a:effectRef>
+          <a:fontRef idx="minor">
+            <a:schemeClr val="lt1"/>
+          </a:fontRef>
+        </p:style>
+        <p:txBody>
+          <a:bodyPr rtlCol="0" anchor="ctr"/>
+          <a:lstStyle/>
+          <a:p>
+            <a:pPr algn="ctr"/>
+            <a:endParaRPr lang="en-US"/>
+          </a:p>
+        </p:txBody>
+      </p:sp>
+      <p:sp>
+        <p:nvSpPr>
+          <p:cNvPr id="6" name="Oval 5"/>
+          <p:cNvSpPr/>
+          <p:nvPr/>
+        </p:nvSpPr>
+        <p:spPr>
+          <a:xfrm>
+            <a:off x="3102765" y="2233619"/>
+            <a:ext cx="185737" cy="200025"/>
+          </a:xfrm>
+          <a:prstGeom prst="ellipse">
+            <a:avLst/>
+          </a:prstGeom>
+        </p:spPr>
+        <p:style>
+          <a:lnRef idx="1">
+            <a:schemeClr val="accent1"/>
+          </a:lnRef>
+          <a:fillRef idx="3">
+            <a:schemeClr val="accent1"/>
+          </a:fillRef>
+          <a:effectRef idx="2">
+            <a:schemeClr val="accent1"/>
+          </a:effectRef>
+          <a:fontRef idx="minor">
+            <a:schemeClr val="lt1"/>
+          </a:fontRef>
+        </p:style>
+        <p:txBody>
+          <a:bodyPr rtlCol="0" anchor="ctr"/>
+          <a:lstStyle/>
+          <a:p>
+            <a:pPr algn="ctr"/>
+            <a:endParaRPr lang="en-US"/>
+          </a:p>
+        </p:txBody>
+      </p:sp>
+      <p:sp>
+        <p:nvSpPr>
+          <p:cNvPr id="7" name="Oval 6"/>
+          <p:cNvSpPr/>
+          <p:nvPr/>
+        </p:nvSpPr>
+        <p:spPr>
+          <a:xfrm>
+            <a:off x="3562351" y="1695452"/>
+            <a:ext cx="185737" cy="200025"/>
+          </a:xfrm>
+          <a:prstGeom prst="ellipse">
+            <a:avLst/>
+          </a:prstGeom>
+        </p:spPr>
+        <p:style>
+          <a:lnRef idx="1">
+            <a:schemeClr val="accent1"/>
+          </a:lnRef>
+          <a:fillRef idx="3">
+            <a:schemeClr val="accent1"/>
+          </a:fillRef>
+          <a:effectRef idx="2">
+            <a:schemeClr val="accent1"/>
+          </a:effectRef>
+          <a:fontRef idx="minor">
+            <a:schemeClr val="lt1"/>
+          </a:fontRef>
+        </p:style>
+        <p:txBody>
+          <a:bodyPr rtlCol="0" anchor="ctr"/>
+          <a:lstStyle/>
+          <a:p>
+            <a:pPr algn="ctr"/>
+            <a:endParaRPr lang="en-US"/>
+          </a:p>
+        </p:txBody>
+      </p:sp>
+      <p:sp>
+        <p:nvSpPr>
+          <p:cNvPr id="8" name="Oval 7"/>
+          <p:cNvSpPr/>
+          <p:nvPr/>
+        </p:nvSpPr>
+        <p:spPr>
+          <a:xfrm>
+            <a:off x="3552824" y="1323977"/>
+            <a:ext cx="185737" cy="200025"/>
+          </a:xfrm>
+          <a:prstGeom prst="ellipse">
+            <a:avLst/>
+          </a:prstGeom>
+        </p:spPr>
+        <p:style>
+          <a:lnRef idx="1">
+            <a:schemeClr val="accent1"/>
+          </a:lnRef>
+          <a:fillRef idx="3">
+            <a:schemeClr val="accent1"/>
+          </a:fillRef>
+          <a:effectRef idx="2">
+            <a:schemeClr val="accent1"/>
+          </a:effectRef>
+          <a:fontRef idx="minor">
+            <a:schemeClr val="lt1"/>
+          </a:fontRef>
+        </p:style>
+        <p:txBody>
+          <a:bodyPr rtlCol="0" anchor="ctr"/>
+          <a:lstStyle/>
+          <a:p>
+            <a:pPr algn="ctr"/>
+            <a:endParaRPr lang="en-US"/>
+          </a:p>
+        </p:txBody>
+      </p:sp>
+      <p:sp>
+        <p:nvSpPr>
+          <p:cNvPr id="9" name="Oval 8"/>
+          <p:cNvSpPr/>
+          <p:nvPr/>
+        </p:nvSpPr>
+        <p:spPr>
+          <a:xfrm>
+            <a:off x="3938588" y="2009775"/>
+            <a:ext cx="185737" cy="200025"/>
+          </a:xfrm>
+          <a:prstGeom prst="ellipse">
+            <a:avLst/>
+          </a:prstGeom>
+        </p:spPr>
+        <p:style>
+          <a:lnRef idx="1">
+            <a:schemeClr val="accent1"/>
+          </a:lnRef>
+          <a:fillRef idx="3">
+            <a:schemeClr val="accent1"/>
+          </a:fillRef>
+          <a:effectRef idx="2">
+            <a:schemeClr val="accent1"/>
+          </a:effectRef>
+          <a:fontRef idx="minor">
+            <a:schemeClr val="lt1"/>
+          </a:fontRef>
+        </p:style>
+        <p:txBody>
+          <a:bodyPr rtlCol="0" anchor="ctr"/>
+          <a:lstStyle/>
+          <a:p>
+            <a:pPr algn="ctr"/>
+            <a:endParaRPr lang="en-US"/>
+          </a:p>
+        </p:txBody>
+      </p:sp>
+      <p:sp>
+        <p:nvSpPr>
+          <p:cNvPr id="10" name="Oval 9"/>
+          <p:cNvSpPr/>
+          <p:nvPr/>
+        </p:nvSpPr>
+        <p:spPr>
+          <a:xfrm>
+            <a:off x="3319458" y="2786058"/>
+            <a:ext cx="185737" cy="200025"/>
+          </a:xfrm>
+          <a:prstGeom prst="ellipse">
+            <a:avLst/>
+          </a:prstGeom>
+        </p:spPr>
+        <p:style>
+          <a:lnRef idx="1">
+            <a:schemeClr val="accent1"/>
+          </a:lnRef>
+          <a:fillRef idx="3">
+            <a:schemeClr val="accent1"/>
+          </a:fillRef>
+          <a:effectRef idx="2">
+            <a:schemeClr val="accent1"/>
+          </a:effectRef>
+          <a:fontRef idx="minor">
+            <a:schemeClr val="lt1"/>
+          </a:fontRef>
+        </p:style>
+        <p:txBody>
+          <a:bodyPr rtlCol="0" anchor="ctr"/>
+          <a:lstStyle/>
+          <a:p>
+            <a:pPr algn="ctr"/>
+            <a:endParaRPr lang="en-US"/>
+          </a:p>
+        </p:txBody>
+      </p:sp>
+      <p:sp>
+        <p:nvSpPr>
+          <p:cNvPr id="11" name="Oval 10"/>
+          <p:cNvSpPr/>
+          <p:nvPr/>
+        </p:nvSpPr>
+        <p:spPr>
+          <a:xfrm>
+            <a:off x="4766889" y="5149717"/>
+            <a:ext cx="185737" cy="200025"/>
+          </a:xfrm>
+          <a:prstGeom prst="ellipse">
+            <a:avLst/>
+          </a:prstGeom>
+        </p:spPr>
+        <p:style>
+          <a:lnRef idx="1">
+            <a:schemeClr val="accent1"/>
+          </a:lnRef>
+          <a:fillRef idx="3">
+            <a:schemeClr val="accent1"/>
+          </a:fillRef>
+          <a:effectRef idx="2">
+            <a:schemeClr val="accent1"/>
+          </a:effectRef>
+          <a:fontRef idx="minor">
+            <a:schemeClr val="lt1"/>
+          </a:fontRef>
+        </p:style>
+        <p:txBody>
+          <a:bodyPr rtlCol="0" anchor="ctr"/>
+          <a:lstStyle/>
+          <a:p>
+            <a:pPr algn="ctr"/>
+            <a:endParaRPr lang="en-US"/>
+          </a:p>
+        </p:txBody>
+      </p:sp>
+      <p:sp>
+        <p:nvSpPr>
+          <p:cNvPr id="12" name="Oval 11"/>
+          <p:cNvSpPr/>
+          <p:nvPr/>
+        </p:nvSpPr>
+        <p:spPr>
+          <a:xfrm>
+            <a:off x="3133725" y="1795465"/>
+            <a:ext cx="185737" cy="200025"/>
+          </a:xfrm>
+          <a:prstGeom prst="ellipse">
+            <a:avLst/>
+          </a:prstGeom>
+        </p:spPr>
+        <p:style>
+          <a:lnRef idx="1">
+            <a:schemeClr val="accent1"/>
+          </a:lnRef>
+          <a:fillRef idx="3">
+            <a:schemeClr val="accent1"/>
+          </a:fillRef>
+          <a:effectRef idx="2">
+            <a:schemeClr val="accent1"/>
+          </a:effectRef>
+          <a:fontRef idx="minor">
+            <a:schemeClr val="lt1"/>
+          </a:fontRef>
+        </p:style>
+        <p:txBody>
+          <a:bodyPr rtlCol="0" anchor="ctr"/>
+          <a:lstStyle/>
+          <a:p>
+            <a:pPr algn="ctr"/>
+            <a:endParaRPr lang="en-US"/>
+          </a:p>
+        </p:txBody>
+      </p:sp>
+      <p:sp>
+        <p:nvSpPr>
+          <p:cNvPr id="13" name="Oval 12"/>
+          <p:cNvSpPr/>
+          <p:nvPr/>
+        </p:nvSpPr>
+        <p:spPr>
+          <a:xfrm>
+            <a:off x="4502285" y="3669539"/>
+            <a:ext cx="185737" cy="200025"/>
+          </a:xfrm>
+          <a:prstGeom prst="ellipse">
+            <a:avLst/>
+          </a:prstGeom>
+        </p:spPr>
+        <p:style>
+          <a:lnRef idx="1">
+            <a:schemeClr val="accent1"/>
+          </a:lnRef>
+          <a:fillRef idx="3">
+            <a:schemeClr val="accent1"/>
+          </a:fillRef>
+          <a:effectRef idx="2">
+            <a:schemeClr val="accent1"/>
+          </a:effectRef>
+          <a:fontRef idx="minor">
+            <a:schemeClr val="lt1"/>
+          </a:fontRef>
+        </p:style>
+        <p:txBody>
+          <a:bodyPr rtlCol="0" anchor="ctr"/>
+          <a:lstStyle/>
+          <a:p>
+            <a:pPr algn="ctr"/>
+            <a:endParaRPr lang="en-US"/>
+          </a:p>
+        </p:txBody>
+      </p:sp>
+      <p:sp>
+        <p:nvSpPr>
+          <p:cNvPr id="14" name="Oval 13"/>
+          <p:cNvSpPr/>
+          <p:nvPr/>
+        </p:nvSpPr>
+        <p:spPr>
+          <a:xfrm>
+            <a:off x="4766890" y="4451328"/>
+            <a:ext cx="185737" cy="200025"/>
+          </a:xfrm>
+          <a:prstGeom prst="ellipse">
+            <a:avLst/>
+          </a:prstGeom>
+        </p:spPr>
+        <p:style>
+          <a:lnRef idx="1">
+            <a:schemeClr val="accent1"/>
+          </a:lnRef>
+          <a:fillRef idx="3">
+            <a:schemeClr val="accent1"/>
+          </a:fillRef>
+          <a:effectRef idx="2">
+            <a:schemeClr val="accent1"/>
+          </a:effectRef>
+          <a:fontRef idx="minor">
+            <a:schemeClr val="lt1"/>
+          </a:fontRef>
+        </p:style>
+        <p:txBody>
+          <a:bodyPr rtlCol="0" anchor="ctr"/>
+          <a:lstStyle/>
+          <a:p>
+            <a:pPr algn="ctr"/>
+            <a:endParaRPr lang="en-US"/>
+          </a:p>
+        </p:txBody>
+      </p:sp>
+      <p:sp>
+        <p:nvSpPr>
+          <p:cNvPr id="15" name="Oval 14"/>
+          <p:cNvSpPr/>
+          <p:nvPr/>
+        </p:nvSpPr>
+        <p:spPr>
+          <a:xfrm>
+            <a:off x="5061779" y="4042912"/>
+            <a:ext cx="185737" cy="200025"/>
+          </a:xfrm>
+          <a:prstGeom prst="ellipse">
+            <a:avLst/>
+          </a:prstGeom>
+        </p:spPr>
+        <p:style>
+          <a:lnRef idx="1">
+            <a:schemeClr val="accent1"/>
+          </a:lnRef>
+          <a:fillRef idx="3">
+            <a:schemeClr val="accent1"/>
+          </a:fillRef>
+          <a:effectRef idx="2">
+            <a:schemeClr val="accent1"/>
+          </a:effectRef>
+          <a:fontRef idx="minor">
+            <a:schemeClr val="lt1"/>
+          </a:fontRef>
+        </p:style>
+        <p:txBody>
+          <a:bodyPr rtlCol="0" anchor="ctr"/>
+          <a:lstStyle/>
+          <a:p>
+            <a:pPr algn="ctr"/>
+            <a:endParaRPr lang="en-US"/>
+          </a:p>
+        </p:txBody>
+      </p:sp>
+      <p:sp>
+        <p:nvSpPr>
+          <p:cNvPr id="16" name="Oval 15"/>
+          <p:cNvSpPr/>
+          <p:nvPr/>
+        </p:nvSpPr>
+        <p:spPr>
+          <a:xfrm>
+            <a:off x="2621753" y="2852745"/>
+            <a:ext cx="185737" cy="200025"/>
+          </a:xfrm>
+          <a:prstGeom prst="ellipse">
+            <a:avLst/>
+          </a:prstGeom>
+        </p:spPr>
+        <p:style>
+          <a:lnRef idx="1">
+            <a:schemeClr val="accent1"/>
+          </a:lnRef>
+          <a:fillRef idx="3">
+            <a:schemeClr val="accent1"/>
+          </a:fillRef>
+          <a:effectRef idx="2">
+            <a:schemeClr val="accent1"/>
+          </a:effectRef>
+          <a:fontRef idx="minor">
+            <a:schemeClr val="lt1"/>
+          </a:fontRef>
+        </p:style>
+        <p:txBody>
+          <a:bodyPr rtlCol="0" anchor="ctr"/>
+          <a:lstStyle/>
+          <a:p>
+            <a:pPr algn="ctr"/>
+            <a:endParaRPr lang="en-US"/>
+          </a:p>
+        </p:txBody>
+      </p:sp>
+      <p:sp>
+        <p:nvSpPr>
+          <p:cNvPr id="17" name="Oval 16"/>
+          <p:cNvSpPr/>
+          <p:nvPr/>
+        </p:nvSpPr>
+        <p:spPr>
+          <a:xfrm>
+            <a:off x="3795709" y="2986082"/>
+            <a:ext cx="185737" cy="200025"/>
+          </a:xfrm>
+          <a:prstGeom prst="ellipse">
+            <a:avLst/>
+          </a:prstGeom>
+        </p:spPr>
+        <p:style>
+          <a:lnRef idx="1">
+            <a:schemeClr val="accent1"/>
+          </a:lnRef>
+          <a:fillRef idx="3">
+            <a:schemeClr val="accent1"/>
+          </a:fillRef>
+          <a:effectRef idx="2">
+            <a:schemeClr val="accent1"/>
+          </a:effectRef>
+          <a:fontRef idx="minor">
+            <a:schemeClr val="lt1"/>
+          </a:fontRef>
+        </p:style>
+        <p:txBody>
+          <a:bodyPr rtlCol="0" anchor="ctr"/>
+          <a:lstStyle/>
+          <a:p>
+            <a:pPr algn="ctr"/>
+            <a:endParaRPr lang="en-US"/>
+          </a:p>
+        </p:txBody>
+      </p:sp>
+      <p:sp>
+        <p:nvSpPr>
+          <p:cNvPr id="18" name="Oval 17"/>
+          <p:cNvSpPr/>
+          <p:nvPr/>
+        </p:nvSpPr>
+        <p:spPr>
+          <a:xfrm>
+            <a:off x="2305045" y="2066931"/>
+            <a:ext cx="185737" cy="200025"/>
+          </a:xfrm>
+          <a:prstGeom prst="ellipse">
+            <a:avLst/>
+          </a:prstGeom>
+        </p:spPr>
+        <p:style>
+          <a:lnRef idx="1">
+            <a:schemeClr val="accent1"/>
+          </a:lnRef>
+          <a:fillRef idx="3">
+            <a:schemeClr val="accent1"/>
+          </a:fillRef>
+          <a:effectRef idx="2">
+            <a:schemeClr val="accent1"/>
+          </a:effectRef>
+          <a:fontRef idx="minor">
+            <a:schemeClr val="lt1"/>
+          </a:fontRef>
+        </p:style>
+        <p:txBody>
+          <a:bodyPr rtlCol="0" anchor="ctr"/>
+          <a:lstStyle/>
+          <a:p>
+            <a:pPr algn="ctr"/>
+            <a:endParaRPr lang="en-US"/>
+          </a:p>
+        </p:txBody>
+      </p:sp>
+      <p:sp>
+        <p:nvSpPr>
+          <p:cNvPr id="19" name="Oval 18"/>
+          <p:cNvSpPr/>
+          <p:nvPr/>
+        </p:nvSpPr>
+        <p:spPr>
+          <a:xfrm>
+            <a:off x="4220395" y="3709014"/>
+            <a:ext cx="185737" cy="200025"/>
+          </a:xfrm>
+          <a:prstGeom prst="ellipse">
+            <a:avLst/>
+          </a:prstGeom>
+        </p:spPr>
+        <p:style>
+          <a:lnRef idx="1">
+            <a:schemeClr val="accent1"/>
+          </a:lnRef>
+          <a:fillRef idx="3">
+            <a:schemeClr val="accent1"/>
+          </a:fillRef>
+          <a:effectRef idx="2">
+            <a:schemeClr val="accent1"/>
+          </a:effectRef>
+          <a:fontRef idx="minor">
+            <a:schemeClr val="lt1"/>
+          </a:fontRef>
+        </p:style>
+        <p:txBody>
+          <a:bodyPr rtlCol="0" anchor="ctr"/>
+          <a:lstStyle/>
+          <a:p>
+            <a:pPr algn="ctr"/>
+            <a:endParaRPr lang="en-US"/>
+          </a:p>
+        </p:txBody>
+      </p:sp>
+      <p:sp>
+        <p:nvSpPr>
+          <p:cNvPr id="20" name="Oval 19"/>
+          <p:cNvSpPr/>
+          <p:nvPr/>
+        </p:nvSpPr>
+        <p:spPr>
+          <a:xfrm>
+            <a:off x="2886070" y="1447803"/>
+            <a:ext cx="185737" cy="200025"/>
+          </a:xfrm>
+          <a:prstGeom prst="ellipse">
+            <a:avLst/>
+          </a:prstGeom>
+        </p:spPr>
+        <p:style>
+          <a:lnRef idx="1">
+            <a:schemeClr val="accent1"/>
+          </a:lnRef>
+          <a:fillRef idx="3">
+            <a:schemeClr val="accent1"/>
+          </a:fillRef>
+          <a:effectRef idx="2">
+            <a:schemeClr val="accent1"/>
+          </a:effectRef>
+          <a:fontRef idx="minor">
+            <a:schemeClr val="lt1"/>
+          </a:fontRef>
+        </p:style>
+        <p:txBody>
+          <a:bodyPr rtlCol="0" anchor="ctr"/>
+          <a:lstStyle/>
+          <a:p>
+            <a:pPr algn="ctr"/>
+            <a:endParaRPr lang="en-US"/>
+          </a:p>
+        </p:txBody>
+      </p:sp>
+      <p:sp>
+        <p:nvSpPr>
+          <p:cNvPr id="21" name="Oval 20"/>
+          <p:cNvSpPr/>
+          <p:nvPr/>
+        </p:nvSpPr>
+        <p:spPr>
+          <a:xfrm>
+            <a:off x="2807490" y="2324106"/>
+            <a:ext cx="185737" cy="200025"/>
+          </a:xfrm>
+          <a:prstGeom prst="ellipse">
+            <a:avLst/>
+          </a:prstGeom>
+        </p:spPr>
+        <p:style>
+          <a:lnRef idx="1">
+            <a:schemeClr val="accent1"/>
+          </a:lnRef>
+          <a:fillRef idx="3">
+            <a:schemeClr val="accent1"/>
+          </a:fillRef>
+          <a:effectRef idx="2">
+            <a:schemeClr val="accent1"/>
+          </a:effectRef>
+          <a:fontRef idx="minor">
+            <a:schemeClr val="lt1"/>
+          </a:fontRef>
+        </p:style>
+        <p:txBody>
+          <a:bodyPr rtlCol="0" anchor="ctr"/>
+          <a:lstStyle/>
+          <a:p>
+            <a:pPr algn="ctr"/>
+            <a:endParaRPr lang="en-US"/>
+          </a:p>
+        </p:txBody>
+      </p:sp>
+      <p:sp>
+        <p:nvSpPr>
+          <p:cNvPr id="22" name="Oval 21"/>
+          <p:cNvSpPr/>
+          <p:nvPr/>
+        </p:nvSpPr>
+        <p:spPr>
+          <a:xfrm>
+            <a:off x="5021682" y="4428157"/>
+            <a:ext cx="185737" cy="200025"/>
+          </a:xfrm>
+          <a:prstGeom prst="ellipse">
+            <a:avLst/>
+          </a:prstGeom>
+        </p:spPr>
+        <p:style>
+          <a:lnRef idx="1">
+            <a:schemeClr val="accent1"/>
+          </a:lnRef>
+          <a:fillRef idx="3">
+            <a:schemeClr val="accent1"/>
+          </a:fillRef>
+          <a:effectRef idx="2">
+            <a:schemeClr val="accent1"/>
+          </a:effectRef>
+          <a:fontRef idx="minor">
+            <a:schemeClr val="lt1"/>
+          </a:fontRef>
+        </p:style>
+        <p:txBody>
+          <a:bodyPr rtlCol="0" anchor="ctr"/>
+          <a:lstStyle/>
+          <a:p>
+            <a:pPr algn="ctr"/>
+            <a:endParaRPr lang="en-US"/>
+          </a:p>
+        </p:txBody>
+      </p:sp>
+      <p:sp>
+        <p:nvSpPr>
+          <p:cNvPr id="23" name="Oval 22"/>
+          <p:cNvSpPr/>
+          <p:nvPr/>
+        </p:nvSpPr>
+        <p:spPr>
+          <a:xfrm>
+            <a:off x="4442574" y="4491165"/>
+            <a:ext cx="185737" cy="200025"/>
+          </a:xfrm>
+          <a:prstGeom prst="ellipse">
+            <a:avLst/>
+          </a:prstGeom>
+        </p:spPr>
+        <p:style>
+          <a:lnRef idx="1">
+            <a:schemeClr val="accent1"/>
+          </a:lnRef>
+          <a:fillRef idx="3">
+            <a:schemeClr val="accent1"/>
+          </a:fillRef>
+          <a:effectRef idx="2">
+            <a:schemeClr val="accent1"/>
+          </a:effectRef>
+          <a:fontRef idx="minor">
+            <a:schemeClr val="lt1"/>
+          </a:fontRef>
+        </p:style>
+        <p:txBody>
+          <a:bodyPr rtlCol="0" anchor="ctr"/>
+          <a:lstStyle/>
+          <a:p>
+            <a:pPr algn="ctr"/>
+            <a:endParaRPr lang="en-US"/>
+          </a:p>
+        </p:txBody>
+      </p:sp>
+      <p:sp>
+        <p:nvSpPr>
+          <p:cNvPr id="24" name="Oval 23"/>
+          <p:cNvSpPr/>
+          <p:nvPr/>
+        </p:nvSpPr>
+        <p:spPr>
+          <a:xfrm>
+            <a:off x="2719385" y="1976442"/>
+            <a:ext cx="185737" cy="200025"/>
+          </a:xfrm>
+          <a:prstGeom prst="ellipse">
+            <a:avLst/>
+          </a:prstGeom>
+        </p:spPr>
+        <p:style>
+          <a:lnRef idx="1">
+            <a:schemeClr val="accent1"/>
+          </a:lnRef>
+          <a:fillRef idx="3">
+            <a:schemeClr val="accent1"/>
+          </a:fillRef>
+          <a:effectRef idx="2">
+            <a:schemeClr val="accent1"/>
+          </a:effectRef>
+          <a:fontRef idx="minor">
+            <a:schemeClr val="lt1"/>
+          </a:fontRef>
+        </p:style>
+        <p:txBody>
+          <a:bodyPr rtlCol="0" anchor="ctr"/>
+          <a:lstStyle/>
+          <a:p>
+            <a:pPr algn="ctr"/>
+            <a:endParaRPr lang="en-US"/>
+          </a:p>
+        </p:txBody>
+      </p:sp>
+      <p:sp>
+        <p:nvSpPr>
+          <p:cNvPr id="25" name="Oval 24"/>
+          <p:cNvSpPr/>
+          <p:nvPr/>
+        </p:nvSpPr>
+        <p:spPr>
+          <a:xfrm>
+            <a:off x="3552824" y="2305053"/>
+            <a:ext cx="185737" cy="200025"/>
+          </a:xfrm>
+          <a:prstGeom prst="ellipse">
+            <a:avLst/>
+          </a:prstGeom>
+        </p:spPr>
+        <p:style>
+          <a:lnRef idx="1">
+            <a:schemeClr val="accent1"/>
+          </a:lnRef>
+          <a:fillRef idx="3">
+            <a:schemeClr val="accent1"/>
+          </a:fillRef>
+          <a:effectRef idx="2">
+            <a:schemeClr val="accent1"/>
+          </a:effectRef>
+          <a:fontRef idx="minor">
+            <a:schemeClr val="lt1"/>
+          </a:fontRef>
+        </p:style>
+        <p:txBody>
+          <a:bodyPr rtlCol="0" anchor="ctr"/>
+          <a:lstStyle/>
+          <a:p>
+            <a:pPr algn="ctr"/>
+            <a:endParaRPr lang="en-US"/>
+          </a:p>
+        </p:txBody>
+      </p:sp>
+      <p:sp>
+        <p:nvSpPr>
+          <p:cNvPr id="26" name="Oval 25"/>
+          <p:cNvSpPr/>
+          <p:nvPr/>
+        </p:nvSpPr>
+        <p:spPr>
+          <a:xfrm>
+            <a:off x="3886770" y="3422284"/>
+            <a:ext cx="185737" cy="200025"/>
+          </a:xfrm>
+          <a:prstGeom prst="ellipse">
+            <a:avLst/>
+          </a:prstGeom>
+        </p:spPr>
+        <p:style>
+          <a:lnRef idx="1">
+            <a:schemeClr val="accent1"/>
+          </a:lnRef>
+          <a:fillRef idx="3">
+            <a:schemeClr val="accent1"/>
+          </a:fillRef>
+          <a:effectRef idx="2">
+            <a:schemeClr val="accent1"/>
+          </a:effectRef>
+          <a:fontRef idx="minor">
+            <a:schemeClr val="lt1"/>
+          </a:fontRef>
+        </p:style>
+        <p:txBody>
+          <a:bodyPr rtlCol="0" anchor="ctr"/>
+          <a:lstStyle/>
+          <a:p>
+            <a:pPr algn="ctr"/>
+            <a:endParaRPr lang="en-US"/>
+          </a:p>
+        </p:txBody>
+      </p:sp>
+      <p:sp>
+        <p:nvSpPr>
+          <p:cNvPr id="27" name="Oval 26"/>
+          <p:cNvSpPr/>
+          <p:nvPr/>
+        </p:nvSpPr>
+        <p:spPr>
+          <a:xfrm>
+            <a:off x="4376365" y="4090013"/>
+            <a:ext cx="185737" cy="200025"/>
+          </a:xfrm>
+          <a:prstGeom prst="ellipse">
+            <a:avLst/>
+          </a:prstGeom>
+        </p:spPr>
+        <p:style>
+          <a:lnRef idx="1">
+            <a:schemeClr val="accent1"/>
+          </a:lnRef>
+          <a:fillRef idx="3">
+            <a:schemeClr val="accent1"/>
+          </a:fillRef>
+          <a:effectRef idx="2">
+            <a:schemeClr val="accent1"/>
+          </a:effectRef>
+          <a:fontRef idx="minor">
+            <a:schemeClr val="lt1"/>
+          </a:fontRef>
+        </p:style>
+        <p:txBody>
+          <a:bodyPr rtlCol="0" anchor="ctr"/>
+          <a:lstStyle/>
+          <a:p>
+            <a:pPr algn="ctr"/>
+            <a:endParaRPr lang="en-US"/>
+          </a:p>
+        </p:txBody>
+      </p:sp>
+      <p:sp>
+        <p:nvSpPr>
+          <p:cNvPr id="28" name="TextBox 27">
+            <a:extLst>
+              <a:ext uri="{FF2B5EF4-FFF2-40B4-BE49-F238E27FC236}">
+                <a16:creationId xmlns:a16="http://schemas.microsoft.com/office/drawing/2014/main" id="{C0FEA9AF-5666-F845-872F-A7DB85BA4F24}"/>
+              </a:ext>
+            </a:extLst>
+          </p:cNvPr>
+          <p:cNvSpPr txBox="1"/>
+          <p:nvPr/>
+        </p:nvSpPr>
+        <p:spPr>
+          <a:xfrm>
+            <a:off x="0" y="6538912"/>
+            <a:ext cx="1586653" cy="276999"/>
+          </a:xfrm>
+          <a:prstGeom prst="rect">
+            <a:avLst/>
+          </a:prstGeom>
+          <a:noFill/>
+        </p:spPr>
+        <p:txBody>
+          <a:bodyPr wrap="none" rtlCol="0">
+            <a:spAutoFit/>
+          </a:bodyPr>
+          <a:lstStyle/>
+          <a:p>
+            <a:r>
+              <a:rPr lang="en-US" sz="1200" dirty="0">
+                <a:solidFill>
+                  <a:schemeClr val="tx1">
+                    <a:lumMod val="50000"/>
+                    <a:lumOff val="50000"/>
+                  </a:schemeClr>
+                </a:solidFill>
+              </a:rPr>
+              <a:t>PAT06_Hierarchic.pptx</a:t>
+            </a:r>
+          </a:p>
+        </p:txBody>
+      </p:sp>
+      <p:sp>
+        <p:nvSpPr>
+          <p:cNvPr id="2" name="Slide Number Placeholder 1">
+            <a:extLst>
+              <a:ext uri="{FF2B5EF4-FFF2-40B4-BE49-F238E27FC236}">
+                <a16:creationId xmlns:a16="http://schemas.microsoft.com/office/drawing/2014/main" id="{3B18ADF6-EBB0-7642-A99C-4D1953E06E22}"/>
+              </a:ext>
+            </a:extLst>
+          </p:cNvPr>
+          <p:cNvSpPr>
+            <a:spLocks noGrp="1"/>
+          </p:cNvSpPr>
+          <p:nvPr>
+            <p:ph type="sldNum" sz="quarter" idx="12"/>
+          </p:nvPr>
+        </p:nvSpPr>
+        <p:spPr/>
+        <p:txBody>
+          <a:bodyPr/>
+          <a:lstStyle/>
+          <a:p>
+            <a:fld id="{9C0B2870-7350-8D40-A01A-CE539DF873CB}" type="slidenum">
+              <a:rPr lang="en-US" smtClean="0"/>
+              <a:t>30</a:t>
+            </a:fld>
+            <a:endParaRPr lang="en-US"/>
+          </a:p>
+        </p:txBody>
+      </p:sp>
+      <p:sp>
+        <p:nvSpPr>
+          <p:cNvPr id="3" name="Oval 2">
+            <a:extLst>
+              <a:ext uri="{FF2B5EF4-FFF2-40B4-BE49-F238E27FC236}">
+                <a16:creationId xmlns:a16="http://schemas.microsoft.com/office/drawing/2014/main" id="{42FA5C31-0F28-13B0-B5AC-FD271B6474A1}"/>
+              </a:ext>
+            </a:extLst>
+          </p:cNvPr>
+          <p:cNvSpPr/>
+          <p:nvPr/>
+        </p:nvSpPr>
+        <p:spPr>
+          <a:xfrm>
+            <a:off x="5835298" y="4945738"/>
+            <a:ext cx="185737" cy="200025"/>
+          </a:xfrm>
+          <a:prstGeom prst="ellipse">
+            <a:avLst/>
+          </a:prstGeom>
+        </p:spPr>
+        <p:style>
+          <a:lnRef idx="1">
+            <a:schemeClr val="accent1"/>
+          </a:lnRef>
+          <a:fillRef idx="3">
+            <a:schemeClr val="accent1"/>
+          </a:fillRef>
+          <a:effectRef idx="2">
+            <a:schemeClr val="accent1"/>
+          </a:effectRef>
+          <a:fontRef idx="minor">
+            <a:schemeClr val="lt1"/>
+          </a:fontRef>
+        </p:style>
+        <p:txBody>
+          <a:bodyPr rtlCol="0" anchor="ctr"/>
+          <a:lstStyle/>
+          <a:p>
+            <a:pPr algn="ctr"/>
+            <a:endParaRPr lang="en-US"/>
+          </a:p>
+        </p:txBody>
+      </p:sp>
+      <p:sp>
+        <p:nvSpPr>
+          <p:cNvPr id="29" name="Oval 28">
+            <a:extLst>
+              <a:ext uri="{FF2B5EF4-FFF2-40B4-BE49-F238E27FC236}">
+                <a16:creationId xmlns:a16="http://schemas.microsoft.com/office/drawing/2014/main" id="{DD1E7F8F-84BA-728B-00EC-BE06EF996F55}"/>
+              </a:ext>
+            </a:extLst>
+          </p:cNvPr>
+          <p:cNvSpPr/>
+          <p:nvPr/>
+        </p:nvSpPr>
+        <p:spPr>
+          <a:xfrm>
+            <a:off x="5407906" y="3952256"/>
+            <a:ext cx="185737" cy="200025"/>
+          </a:xfrm>
+          <a:prstGeom prst="ellipse">
+            <a:avLst/>
+          </a:prstGeom>
+        </p:spPr>
+        <p:style>
+          <a:lnRef idx="1">
+            <a:schemeClr val="accent1"/>
+          </a:lnRef>
+          <a:fillRef idx="3">
+            <a:schemeClr val="accent1"/>
+          </a:fillRef>
+          <a:effectRef idx="2">
+            <a:schemeClr val="accent1"/>
+          </a:effectRef>
+          <a:fontRef idx="minor">
+            <a:schemeClr val="lt1"/>
+          </a:fontRef>
+        </p:style>
+        <p:txBody>
+          <a:bodyPr rtlCol="0" anchor="ctr"/>
+          <a:lstStyle/>
+          <a:p>
+            <a:pPr algn="ctr"/>
+            <a:endParaRPr lang="en-US"/>
+          </a:p>
+        </p:txBody>
+      </p:sp>
+      <p:sp>
+        <p:nvSpPr>
+          <p:cNvPr id="30" name="Oval 29">
+            <a:extLst>
+              <a:ext uri="{FF2B5EF4-FFF2-40B4-BE49-F238E27FC236}">
+                <a16:creationId xmlns:a16="http://schemas.microsoft.com/office/drawing/2014/main" id="{1680F986-D65E-8145-9612-781C07355FDB}"/>
+              </a:ext>
+            </a:extLst>
+          </p:cNvPr>
+          <p:cNvSpPr/>
+          <p:nvPr/>
+        </p:nvSpPr>
+        <p:spPr>
+          <a:xfrm>
+            <a:off x="5332853" y="4301521"/>
+            <a:ext cx="185737" cy="200025"/>
+          </a:xfrm>
+          <a:prstGeom prst="ellipse">
+            <a:avLst/>
+          </a:prstGeom>
+        </p:spPr>
+        <p:style>
+          <a:lnRef idx="1">
+            <a:schemeClr val="accent1"/>
+          </a:lnRef>
+          <a:fillRef idx="3">
+            <a:schemeClr val="accent1"/>
+          </a:fillRef>
+          <a:effectRef idx="2">
+            <a:schemeClr val="accent1"/>
+          </a:effectRef>
+          <a:fontRef idx="minor">
+            <a:schemeClr val="lt1"/>
+          </a:fontRef>
+        </p:style>
+        <p:txBody>
+          <a:bodyPr rtlCol="0" anchor="ctr"/>
+          <a:lstStyle/>
+          <a:p>
+            <a:pPr algn="ctr"/>
+            <a:endParaRPr lang="en-US"/>
+          </a:p>
+        </p:txBody>
+      </p:sp>
+      <p:sp>
+        <p:nvSpPr>
+          <p:cNvPr id="31" name="Oval 30">
+            <a:extLst>
+              <a:ext uri="{FF2B5EF4-FFF2-40B4-BE49-F238E27FC236}">
+                <a16:creationId xmlns:a16="http://schemas.microsoft.com/office/drawing/2014/main" id="{AEF3FCF1-185A-5A3A-31E8-9C18E1D3C36D}"/>
+              </a:ext>
+            </a:extLst>
+          </p:cNvPr>
+          <p:cNvSpPr/>
+          <p:nvPr/>
+        </p:nvSpPr>
+        <p:spPr>
+          <a:xfrm>
+            <a:off x="5835298" y="4558696"/>
+            <a:ext cx="185737" cy="200025"/>
+          </a:xfrm>
+          <a:prstGeom prst="ellipse">
+            <a:avLst/>
+          </a:prstGeom>
+        </p:spPr>
+        <p:style>
+          <a:lnRef idx="1">
+            <a:schemeClr val="accent1"/>
+          </a:lnRef>
+          <a:fillRef idx="3">
+            <a:schemeClr val="accent1"/>
+          </a:fillRef>
+          <a:effectRef idx="2">
+            <a:schemeClr val="accent1"/>
+          </a:effectRef>
+          <a:fontRef idx="minor">
+            <a:schemeClr val="lt1"/>
+          </a:fontRef>
+        </p:style>
+        <p:txBody>
+          <a:bodyPr rtlCol="0" anchor="ctr"/>
+          <a:lstStyle/>
+          <a:p>
+            <a:pPr algn="ctr"/>
+            <a:endParaRPr lang="en-US"/>
+          </a:p>
+        </p:txBody>
+      </p:sp>
+      <p:sp>
+        <p:nvSpPr>
+          <p:cNvPr id="32" name="Oval 31">
+            <a:extLst>
+              <a:ext uri="{FF2B5EF4-FFF2-40B4-BE49-F238E27FC236}">
+                <a16:creationId xmlns:a16="http://schemas.microsoft.com/office/drawing/2014/main" id="{06B7E9A0-9883-CF6C-8A1C-2DC1F950B293}"/>
+              </a:ext>
+            </a:extLst>
+          </p:cNvPr>
+          <p:cNvSpPr/>
+          <p:nvPr/>
+        </p:nvSpPr>
+        <p:spPr>
+          <a:xfrm>
+            <a:off x="5747193" y="4211032"/>
+            <a:ext cx="185737" cy="200025"/>
+          </a:xfrm>
+          <a:prstGeom prst="ellipse">
+            <a:avLst/>
+          </a:prstGeom>
+        </p:spPr>
+        <p:style>
+          <a:lnRef idx="1">
+            <a:schemeClr val="accent1"/>
+          </a:lnRef>
+          <a:fillRef idx="3">
+            <a:schemeClr val="accent1"/>
+          </a:fillRef>
+          <a:effectRef idx="2">
+            <a:schemeClr val="accent1"/>
+          </a:effectRef>
+          <a:fontRef idx="minor">
+            <a:schemeClr val="lt1"/>
+          </a:fontRef>
+        </p:style>
+        <p:txBody>
+          <a:bodyPr rtlCol="0" anchor="ctr"/>
+          <a:lstStyle/>
+          <a:p>
+            <a:pPr algn="ctr"/>
+            <a:endParaRPr lang="en-US"/>
+          </a:p>
+        </p:txBody>
+      </p:sp>
+      <p:sp>
+        <p:nvSpPr>
+          <p:cNvPr id="33" name="Oval 32">
+            <a:extLst>
+              <a:ext uri="{FF2B5EF4-FFF2-40B4-BE49-F238E27FC236}">
+                <a16:creationId xmlns:a16="http://schemas.microsoft.com/office/drawing/2014/main" id="{D78EEA18-22FC-6FFA-FF69-79F383BCF65E}"/>
+              </a:ext>
+            </a:extLst>
+          </p:cNvPr>
+          <p:cNvSpPr/>
+          <p:nvPr/>
+        </p:nvSpPr>
+        <p:spPr>
+          <a:xfrm>
+            <a:off x="5500775" y="5017217"/>
+            <a:ext cx="185737" cy="200025"/>
+          </a:xfrm>
+          <a:prstGeom prst="ellipse">
+            <a:avLst/>
+          </a:prstGeom>
+        </p:spPr>
+        <p:style>
+          <a:lnRef idx="1">
+            <a:schemeClr val="accent1"/>
+          </a:lnRef>
+          <a:fillRef idx="3">
+            <a:schemeClr val="accent1"/>
+          </a:fillRef>
+          <a:effectRef idx="2">
+            <a:schemeClr val="accent1"/>
+          </a:effectRef>
+          <a:fontRef idx="minor">
+            <a:schemeClr val="lt1"/>
+          </a:fontRef>
+        </p:style>
+        <p:txBody>
+          <a:bodyPr rtlCol="0" anchor="ctr"/>
+          <a:lstStyle/>
+          <a:p>
+            <a:pPr algn="ctr"/>
+            <a:endParaRPr lang="en-US"/>
+          </a:p>
+        </p:txBody>
+      </p:sp>
+      <p:sp>
+        <p:nvSpPr>
+          <p:cNvPr id="34" name="Oval 33">
+            <a:extLst>
+              <a:ext uri="{FF2B5EF4-FFF2-40B4-BE49-F238E27FC236}">
+                <a16:creationId xmlns:a16="http://schemas.microsoft.com/office/drawing/2014/main" id="{51182363-24AE-D868-26C6-B34133B9D8F8}"/>
+              </a:ext>
+            </a:extLst>
+          </p:cNvPr>
+          <p:cNvSpPr/>
+          <p:nvPr/>
+        </p:nvSpPr>
+        <p:spPr>
+          <a:xfrm>
+            <a:off x="5531735" y="4579063"/>
+            <a:ext cx="185737" cy="200025"/>
+          </a:xfrm>
+          <a:prstGeom prst="ellipse">
+            <a:avLst/>
+          </a:prstGeom>
+        </p:spPr>
+        <p:style>
+          <a:lnRef idx="1">
+            <a:schemeClr val="accent1"/>
+          </a:lnRef>
+          <a:fillRef idx="3">
+            <a:schemeClr val="accent1"/>
+          </a:fillRef>
+          <a:effectRef idx="2">
+            <a:schemeClr val="accent1"/>
+          </a:effectRef>
+          <a:fontRef idx="minor">
+            <a:schemeClr val="lt1"/>
+          </a:fontRef>
+        </p:style>
+        <p:txBody>
+          <a:bodyPr rtlCol="0" anchor="ctr"/>
+          <a:lstStyle/>
+          <a:p>
+            <a:pPr algn="ctr"/>
+            <a:endParaRPr lang="en-US"/>
+          </a:p>
+        </p:txBody>
+      </p:sp>
+      <p:sp>
+        <p:nvSpPr>
+          <p:cNvPr id="35" name="Oval 34">
+            <a:extLst>
+              <a:ext uri="{FF2B5EF4-FFF2-40B4-BE49-F238E27FC236}">
+                <a16:creationId xmlns:a16="http://schemas.microsoft.com/office/drawing/2014/main" id="{69AE53FB-3313-AB42-5A5F-AA9284269E62}"/>
+              </a:ext>
+            </a:extLst>
+          </p:cNvPr>
+          <p:cNvSpPr/>
+          <p:nvPr/>
+        </p:nvSpPr>
+        <p:spPr>
+          <a:xfrm>
+            <a:off x="4703055" y="4850529"/>
+            <a:ext cx="185737" cy="200025"/>
+          </a:xfrm>
+          <a:prstGeom prst="ellipse">
+            <a:avLst/>
+          </a:prstGeom>
+        </p:spPr>
+        <p:style>
+          <a:lnRef idx="1">
+            <a:schemeClr val="accent1"/>
+          </a:lnRef>
+          <a:fillRef idx="3">
+            <a:schemeClr val="accent1"/>
+          </a:fillRef>
+          <a:effectRef idx="2">
+            <a:schemeClr val="accent1"/>
+          </a:effectRef>
+          <a:fontRef idx="minor">
+            <a:schemeClr val="lt1"/>
+          </a:fontRef>
+        </p:style>
+        <p:txBody>
+          <a:bodyPr rtlCol="0" anchor="ctr"/>
+          <a:lstStyle/>
+          <a:p>
+            <a:pPr algn="ctr"/>
+            <a:endParaRPr lang="en-US"/>
+          </a:p>
+        </p:txBody>
+      </p:sp>
+      <p:sp>
+        <p:nvSpPr>
+          <p:cNvPr id="36" name="Oval 35">
+            <a:extLst>
+              <a:ext uri="{FF2B5EF4-FFF2-40B4-BE49-F238E27FC236}">
+                <a16:creationId xmlns:a16="http://schemas.microsoft.com/office/drawing/2014/main" id="{9E5CF268-0C83-327E-0D81-B5BA16391F91}"/>
+              </a:ext>
+            </a:extLst>
+          </p:cNvPr>
+          <p:cNvSpPr/>
+          <p:nvPr/>
+        </p:nvSpPr>
+        <p:spPr>
+          <a:xfrm>
+            <a:off x="5205500" y="5107704"/>
+            <a:ext cx="185737" cy="200025"/>
+          </a:xfrm>
+          <a:prstGeom prst="ellipse">
+            <a:avLst/>
+          </a:prstGeom>
+        </p:spPr>
+        <p:style>
+          <a:lnRef idx="1">
+            <a:schemeClr val="accent1"/>
+          </a:lnRef>
+          <a:fillRef idx="3">
+            <a:schemeClr val="accent1"/>
+          </a:fillRef>
+          <a:effectRef idx="2">
+            <a:schemeClr val="accent1"/>
+          </a:effectRef>
+          <a:fontRef idx="minor">
+            <a:schemeClr val="lt1"/>
+          </a:fontRef>
+        </p:style>
+        <p:txBody>
+          <a:bodyPr rtlCol="0" anchor="ctr"/>
+          <a:lstStyle/>
+          <a:p>
+            <a:pPr algn="ctr"/>
+            <a:endParaRPr lang="en-US"/>
+          </a:p>
+        </p:txBody>
+      </p:sp>
+      <p:sp>
+        <p:nvSpPr>
+          <p:cNvPr id="37" name="Oval 36">
+            <a:extLst>
+              <a:ext uri="{FF2B5EF4-FFF2-40B4-BE49-F238E27FC236}">
+                <a16:creationId xmlns:a16="http://schemas.microsoft.com/office/drawing/2014/main" id="{8987478C-F685-1615-E747-60D23B0408A8}"/>
+              </a:ext>
+            </a:extLst>
+          </p:cNvPr>
+          <p:cNvSpPr/>
+          <p:nvPr/>
+        </p:nvSpPr>
+        <p:spPr>
+          <a:xfrm>
+            <a:off x="5117395" y="4760040"/>
+            <a:ext cx="185737" cy="200025"/>
+          </a:xfrm>
+          <a:prstGeom prst="ellipse">
+            <a:avLst/>
+          </a:prstGeom>
+        </p:spPr>
+        <p:style>
+          <a:lnRef idx="1">
+            <a:schemeClr val="accent1"/>
+          </a:lnRef>
+          <a:fillRef idx="3">
+            <a:schemeClr val="accent1"/>
+          </a:fillRef>
+          <a:effectRef idx="2">
+            <a:schemeClr val="accent1"/>
+          </a:effectRef>
+          <a:fontRef idx="minor">
+            <a:schemeClr val="lt1"/>
+          </a:fontRef>
+        </p:style>
+        <p:txBody>
+          <a:bodyPr rtlCol="0" anchor="ctr"/>
+          <a:lstStyle/>
+          <a:p>
+            <a:pPr algn="ctr"/>
+            <a:endParaRPr lang="en-US"/>
+          </a:p>
+        </p:txBody>
+      </p:sp>
+      <p:sp>
+        <p:nvSpPr>
+          <p:cNvPr id="39" name="TextBox 38">
+            <a:extLst>
+              <a:ext uri="{FF2B5EF4-FFF2-40B4-BE49-F238E27FC236}">
+                <a16:creationId xmlns:a16="http://schemas.microsoft.com/office/drawing/2014/main" id="{3C6E7FB4-6423-3F6D-7763-1245DD80594E}"/>
+              </a:ext>
+            </a:extLst>
+          </p:cNvPr>
+          <p:cNvSpPr txBox="1"/>
+          <p:nvPr/>
+        </p:nvSpPr>
+        <p:spPr>
+          <a:xfrm>
+            <a:off x="518735" y="602035"/>
+            <a:ext cx="5502299" cy="461665"/>
+          </a:xfrm>
+          <a:prstGeom prst="rect">
+            <a:avLst/>
+          </a:prstGeom>
+          <a:noFill/>
+        </p:spPr>
+        <p:txBody>
+          <a:bodyPr wrap="square">
+            <a:spAutoFit/>
+          </a:bodyPr>
+          <a:lstStyle/>
+          <a:p>
+            <a:r>
+              <a:rPr lang="en-US" sz="2400" dirty="0"/>
+              <a:t>How many clusters do we have here?</a:t>
+            </a:r>
+            <a:endParaRPr lang="en-CL" sz="2400" dirty="0"/>
+          </a:p>
+        </p:txBody>
+      </p:sp>
+    </p:spTree>
+    <p:extLst>
+      <p:ext uri="{BB962C8B-B14F-4D97-AF65-F5344CB8AC3E}">
+        <p14:creationId xmlns:p14="http://schemas.microsoft.com/office/powerpoint/2010/main" val="456605379"/>
+      </p:ext>
+    </p:extLst>
+  </p:cSld>
+  <p:clrMapOvr>
+    <a:masterClrMapping/>
+  </p:clrMapOvr>
+</p:sld>
+</file>
+
+<file path=ppt/slides/slide31.xml><?xml version="1.0" encoding="utf-8"?>
+<p:sld xmlns:a="http://schemas.openxmlformats.org/drawingml/2006/main" xmlns:r="http://schemas.openxmlformats.org/officeDocument/2006/relationships" xmlns:p="http://schemas.openxmlformats.org/presentationml/2006/main">
+  <p:cSld>
+    <p:spTree>
+      <p:nvGrpSpPr>
+        <p:cNvPr id="1" name=""/>
+        <p:cNvGrpSpPr/>
+        <p:nvPr/>
+      </p:nvGrpSpPr>
+      <p:grpSpPr>
+        <a:xfrm>
+          <a:off x="0" y="0"/>
+          <a:ext cx="0" cy="0"/>
+          <a:chOff x="0" y="0"/>
+          <a:chExt cx="0" cy="0"/>
+        </a:xfrm>
+      </p:grpSpPr>
+      <p:sp>
+        <p:nvSpPr>
           <p:cNvPr id="2" name="Title 1"/>
           <p:cNvSpPr>
             <a:spLocks noGrp="1"/>
@@ -37701,7 +39191,7 @@
           <a:p>
             <a:fld id="{9C0B2870-7350-8D40-A01A-CE539DF873CB}" type="slidenum">
               <a:rPr lang="en-US" smtClean="0"/>
-              <a:t>30</a:t>
+              <a:t>31</a:t>
             </a:fld>
             <a:endParaRPr lang="en-US"/>
           </a:p>
